--- a/GO-Kill/Kecerdasan Buatan -HER.pptx
+++ b/GO-Kill/Kecerdasan Buatan -HER.pptx
@@ -1,42 +1,42 @@
 
 <file path=ppt/presentation.xml><?xml version="1.0" encoding="utf-8"?>
-<p:presentation xmlns:a="http://schemas.openxmlformats.org/drawingml/2006/main" xmlns:r="http://schemas.openxmlformats.org/officeDocument/2006/relationships" xmlns:p="http://schemas.openxmlformats.org/presentationml/2006/main" strictFirstAndLastChars="0" embedTrueTypeFonts="1" saveSubsetFonts="1" autoCompressPictures="0">
+<p:presentation xmlns:a="http://schemas.openxmlformats.org/drawingml/2006/main" xmlns:r="http://schemas.openxmlformats.org/officeDocument/2006/relationships" xmlns:mc="http://schemas.openxmlformats.org/markup-compatibility/2006" xmlns:mv="urn:schemas-microsoft-com:mac:vml" xmlns:p="http://schemas.openxmlformats.org/presentationml/2006/main" xmlns:c="http://schemas.openxmlformats.org/drawingml/2006/chart" xmlns:dgm="http://schemas.openxmlformats.org/drawingml/2006/diagram" xmlns:o="urn:schemas-microsoft-com:office:office" xmlns:v="urn:schemas-microsoft-com:vml" xmlns:pvml="urn:schemas-microsoft-com:office:powerpoint" xmlns:com="http://schemas.openxmlformats.org/drawingml/2006/compatibility" xmlns:p14="http://schemas.microsoft.com/office/powerpoint/2010/main" autoCompressPictures="0" embedTrueTypeFonts="1" strictFirstAndLastChars="0" saveSubsetFonts="1">
   <p:sldMasterIdLst>
-    <p:sldMasterId id="2147483658" r:id="rId1"/>
+    <p:sldMasterId id="2147483658" r:id="rId3"/>
   </p:sldMasterIdLst>
   <p:notesMasterIdLst>
-    <p:notesMasterId r:id="rId12"/>
+    <p:notesMasterId r:id="rId4"/>
   </p:notesMasterIdLst>
   <p:sldIdLst>
-    <p:sldId id="256" r:id="rId2"/>
-    <p:sldId id="257" r:id="rId3"/>
-    <p:sldId id="258" r:id="rId4"/>
-    <p:sldId id="259" r:id="rId5"/>
-    <p:sldId id="260" r:id="rId6"/>
-    <p:sldId id="261" r:id="rId7"/>
-    <p:sldId id="262" r:id="rId8"/>
-    <p:sldId id="263" r:id="rId9"/>
-    <p:sldId id="264" r:id="rId10"/>
-    <p:sldId id="265" r:id="rId11"/>
+    <p:sldId id="256" r:id="rId5"/>
+    <p:sldId id="257" r:id="rId6"/>
+    <p:sldId id="258" r:id="rId7"/>
+    <p:sldId id="259" r:id="rId8"/>
+    <p:sldId id="260" r:id="rId9"/>
+    <p:sldId id="261" r:id="rId10"/>
+    <p:sldId id="262" r:id="rId11"/>
+    <p:sldId id="263" r:id="rId12"/>
+    <p:sldId id="264" r:id="rId13"/>
+    <p:sldId id="265" r:id="rId14"/>
   </p:sldIdLst>
-  <p:sldSz cx="9144000" cy="6858000" type="screen4x3"/>
+  <p:sldSz cy="6858000" cx="9144000"/>
   <p:notesSz cx="6858000" cy="9144000"/>
   <p:embeddedFontLst>
     <p:embeddedFont>
-      <p:font typeface="Source Sans Pro" panose="020B0604020202020204" charset="0"/>
-      <p:regular r:id="rId13"/>
-      <p:bold r:id="rId14"/>
-      <p:italic r:id="rId15"/>
-      <p:boldItalic r:id="rId16"/>
+      <p:font typeface="Roboto Slab"/>
+      <p:regular r:id="rId15"/>
+      <p:bold r:id="rId16"/>
     </p:embeddedFont>
     <p:embeddedFont>
-      <p:font typeface="Roboto Slab" panose="020B0604020202020204" charset="0"/>
+      <p:font typeface="Source Sans Pro"/>
       <p:regular r:id="rId17"/>
       <p:bold r:id="rId18"/>
+      <p:italic r:id="rId19"/>
+      <p:boldItalic r:id="rId20"/>
     </p:embeddedFont>
   </p:embeddedFontLst>
   <p:defaultTextStyle>
-    <a:defPPr marR="0" lvl="0" algn="l" rtl="0">
+    <a:defPPr lvl="0" marR="0" rtl="0" algn="l">
       <a:lnSpc>
         <a:spcPct val="100000"/>
       </a:lnSpc>
@@ -47,7 +47,7 @@
         <a:spcPts val="0"/>
       </a:spcAft>
     </a:defPPr>
-    <a:lvl1pPr marR="0" lvl="0" algn="l" rtl="0">
+    <a:lvl1pPr lvl="0" marR="0" rtl="0" algn="l">
       <a:lnSpc>
         <a:spcPct val="100000"/>
       </a:lnSpc>
@@ -58,7 +58,7 @@
         <a:spcPts val="0"/>
       </a:spcAft>
       <a:buNone/>
-      <a:defRPr sz="1400" b="0" i="0" u="none" strike="noStrike" cap="none">
+      <a:defRPr b="0" i="0" sz="1400" u="none" cap="none" strike="noStrike">
         <a:solidFill>
           <a:srgbClr val="000000"/>
         </a:solidFill>
@@ -68,7 +68,7 @@
         <a:sym typeface="Arial"/>
       </a:defRPr>
     </a:lvl1pPr>
-    <a:lvl2pPr marR="0" lvl="1" algn="l" rtl="0">
+    <a:lvl2pPr lvl="1" marR="0" rtl="0" algn="l">
       <a:lnSpc>
         <a:spcPct val="100000"/>
       </a:lnSpc>
@@ -79,7 +79,7 @@
         <a:spcPts val="0"/>
       </a:spcAft>
       <a:buNone/>
-      <a:defRPr sz="1400" b="0" i="0" u="none" strike="noStrike" cap="none">
+      <a:defRPr b="0" i="0" sz="1400" u="none" cap="none" strike="noStrike">
         <a:solidFill>
           <a:srgbClr val="000000"/>
         </a:solidFill>
@@ -89,7 +89,7 @@
         <a:sym typeface="Arial"/>
       </a:defRPr>
     </a:lvl2pPr>
-    <a:lvl3pPr marR="0" lvl="2" algn="l" rtl="0">
+    <a:lvl3pPr lvl="2" marR="0" rtl="0" algn="l">
       <a:lnSpc>
         <a:spcPct val="100000"/>
       </a:lnSpc>
@@ -100,7 +100,7 @@
         <a:spcPts val="0"/>
       </a:spcAft>
       <a:buNone/>
-      <a:defRPr sz="1400" b="0" i="0" u="none" strike="noStrike" cap="none">
+      <a:defRPr b="0" i="0" sz="1400" u="none" cap="none" strike="noStrike">
         <a:solidFill>
           <a:srgbClr val="000000"/>
         </a:solidFill>
@@ -110,7 +110,7 @@
         <a:sym typeface="Arial"/>
       </a:defRPr>
     </a:lvl3pPr>
-    <a:lvl4pPr marR="0" lvl="3" algn="l" rtl="0">
+    <a:lvl4pPr lvl="3" marR="0" rtl="0" algn="l">
       <a:lnSpc>
         <a:spcPct val="100000"/>
       </a:lnSpc>
@@ -121,7 +121,7 @@
         <a:spcPts val="0"/>
       </a:spcAft>
       <a:buNone/>
-      <a:defRPr sz="1400" b="0" i="0" u="none" strike="noStrike" cap="none">
+      <a:defRPr b="0" i="0" sz="1400" u="none" cap="none" strike="noStrike">
         <a:solidFill>
           <a:srgbClr val="000000"/>
         </a:solidFill>
@@ -131,7 +131,7 @@
         <a:sym typeface="Arial"/>
       </a:defRPr>
     </a:lvl4pPr>
-    <a:lvl5pPr marR="0" lvl="4" algn="l" rtl="0">
+    <a:lvl5pPr lvl="4" marR="0" rtl="0" algn="l">
       <a:lnSpc>
         <a:spcPct val="100000"/>
       </a:lnSpc>
@@ -142,7 +142,7 @@
         <a:spcPts val="0"/>
       </a:spcAft>
       <a:buNone/>
-      <a:defRPr sz="1400" b="0" i="0" u="none" strike="noStrike" cap="none">
+      <a:defRPr b="0" i="0" sz="1400" u="none" cap="none" strike="noStrike">
         <a:solidFill>
           <a:srgbClr val="000000"/>
         </a:solidFill>
@@ -152,7 +152,7 @@
         <a:sym typeface="Arial"/>
       </a:defRPr>
     </a:lvl5pPr>
-    <a:lvl6pPr marR="0" lvl="5" algn="l" rtl="0">
+    <a:lvl6pPr lvl="5" marR="0" rtl="0" algn="l">
       <a:lnSpc>
         <a:spcPct val="100000"/>
       </a:lnSpc>
@@ -163,7 +163,7 @@
         <a:spcPts val="0"/>
       </a:spcAft>
       <a:buNone/>
-      <a:defRPr sz="1400" b="0" i="0" u="none" strike="noStrike" cap="none">
+      <a:defRPr b="0" i="0" sz="1400" u="none" cap="none" strike="noStrike">
         <a:solidFill>
           <a:srgbClr val="000000"/>
         </a:solidFill>
@@ -173,7 +173,7 @@
         <a:sym typeface="Arial"/>
       </a:defRPr>
     </a:lvl6pPr>
-    <a:lvl7pPr marR="0" lvl="6" algn="l" rtl="0">
+    <a:lvl7pPr lvl="6" marR="0" rtl="0" algn="l">
       <a:lnSpc>
         <a:spcPct val="100000"/>
       </a:lnSpc>
@@ -184,7 +184,7 @@
         <a:spcPts val="0"/>
       </a:spcAft>
       <a:buNone/>
-      <a:defRPr sz="1400" b="0" i="0" u="none" strike="noStrike" cap="none">
+      <a:defRPr b="0" i="0" sz="1400" u="none" cap="none" strike="noStrike">
         <a:solidFill>
           <a:srgbClr val="000000"/>
         </a:solidFill>
@@ -194,7 +194,7 @@
         <a:sym typeface="Arial"/>
       </a:defRPr>
     </a:lvl7pPr>
-    <a:lvl8pPr marR="0" lvl="7" algn="l" rtl="0">
+    <a:lvl8pPr lvl="7" marR="0" rtl="0" algn="l">
       <a:lnSpc>
         <a:spcPct val="100000"/>
       </a:lnSpc>
@@ -205,7 +205,7 @@
         <a:spcPts val="0"/>
       </a:spcAft>
       <a:buNone/>
-      <a:defRPr sz="1400" b="0" i="0" u="none" strike="noStrike" cap="none">
+      <a:defRPr b="0" i="0" sz="1400" u="none" cap="none" strike="noStrike">
         <a:solidFill>
           <a:srgbClr val="000000"/>
         </a:solidFill>
@@ -215,7 +215,7 @@
         <a:sym typeface="Arial"/>
       </a:defRPr>
     </a:lvl8pPr>
-    <a:lvl9pPr marR="0" lvl="8" algn="l" rtl="0">
+    <a:lvl9pPr lvl="8" marR="0" rtl="0" algn="l">
       <a:lnSpc>
         <a:spcPct val="100000"/>
       </a:lnSpc>
@@ -226,7 +226,7 @@
         <a:spcPts val="0"/>
       </a:spcAft>
       <a:buNone/>
-      <a:defRPr sz="1400" b="0" i="0" u="none" strike="noStrike" cap="none">
+      <a:defRPr b="0" i="0" sz="1400" u="none" cap="none" strike="noStrike">
         <a:solidFill>
           <a:srgbClr val="000000"/>
         </a:solidFill>
@@ -237,28 +237,22 @@
       </a:defRPr>
     </a:lvl9pPr>
   </p:defaultTextStyle>
-  <p:extLst>
-    <p:ext uri="{EFAFB233-063F-42B5-8137-9DF3F51BA10A}">
-      <p15:sldGuideLst xmlns:p15="http://schemas.microsoft.com/office/powerpoint/2012/main"/>
-    </p:ext>
-  </p:extLst>
 </p:presentation>
 </file>
 
 <file path=ppt/notesMasters/notesMaster1.xml><?xml version="1.0" encoding="utf-8"?>
-<p:notesMaster xmlns:a="http://schemas.openxmlformats.org/drawingml/2006/main" xmlns:r="http://schemas.openxmlformats.org/officeDocument/2006/relationships" xmlns:p="http://schemas.openxmlformats.org/presentationml/2006/main">
+<p:notesMaster xmlns:a="http://schemas.openxmlformats.org/drawingml/2006/main" xmlns:r="http://schemas.openxmlformats.org/officeDocument/2006/relationships" xmlns:mc="http://schemas.openxmlformats.org/markup-compatibility/2006" xmlns:mv="urn:schemas-microsoft-com:mac:vml" xmlns:p="http://schemas.openxmlformats.org/presentationml/2006/main" xmlns:c="http://schemas.openxmlformats.org/drawingml/2006/chart" xmlns:dgm="http://schemas.openxmlformats.org/drawingml/2006/diagram" xmlns:o="urn:schemas-microsoft-com:office:office" xmlns:v="urn:schemas-microsoft-com:vml" xmlns:pvml="urn:schemas-microsoft-com:office:powerpoint" xmlns:com="http://schemas.openxmlformats.org/drawingml/2006/compatibility" xmlns:p14="http://schemas.microsoft.com/office/powerpoint/2010/main">
   <p:cSld>
     <p:bg>
       <p:bgPr>
         <a:solidFill>
           <a:schemeClr val="lt1"/>
         </a:solidFill>
-        <a:effectLst/>
       </p:bgPr>
     </p:bg>
     <p:spTree>
       <p:nvGrpSpPr>
-        <p:cNvPr id="1" name="Shape 2"/>
+        <p:cNvPr id="2" name="Shape 2"/>
         <p:cNvGrpSpPr/>
         <p:nvPr/>
       </p:nvGrpSpPr>
@@ -273,11 +267,9 @@
       <p:sp>
         <p:nvSpPr>
           <p:cNvPr id="3" name="Shape 3"/>
-          <p:cNvSpPr>
-            <a:spLocks noGrp="1" noRot="1" noChangeAspect="1"/>
-          </p:cNvSpPr>
+          <p:cNvSpPr/>
           <p:nvPr>
-            <p:ph type="sldImg" idx="2"/>
+            <p:ph idx="2" type="sldImg"/>
           </p:nvPr>
         </p:nvSpPr>
         <p:spPr>
@@ -286,13 +278,8 @@
             <a:ext cx="4572299" cy="3429000"/>
           </a:xfrm>
           <a:custGeom>
-            <a:avLst/>
-            <a:gdLst/>
-            <a:ahLst/>
-            <a:cxnLst/>
-            <a:rect l="0" t="0" r="0" b="0"/>
             <a:pathLst>
-              <a:path w="120000" h="120000" extrusionOk="0">
+              <a:path extrusionOk="0" h="120000" w="120000">
                 <a:moveTo>
                   <a:pt x="0" y="0"/>
                 </a:moveTo>
@@ -310,25 +297,23 @@
             </a:pathLst>
           </a:custGeom>
           <a:noFill/>
-          <a:ln w="9525" cap="flat" cmpd="sng">
+          <a:ln cap="flat" cmpd="sng" w="9525">
             <a:solidFill>
               <a:srgbClr val="000000"/>
             </a:solidFill>
             <a:prstDash val="solid"/>
             <a:round/>
-            <a:headEnd type="none" w="med" len="med"/>
-            <a:tailEnd type="none" w="med" len="med"/>
+            <a:headEnd len="med" w="med" type="none"/>
+            <a:tailEnd len="med" w="med" type="none"/>
           </a:ln>
         </p:spPr>
       </p:sp>
       <p:sp>
         <p:nvSpPr>
           <p:cNvPr id="4" name="Shape 4"/>
-          <p:cNvSpPr txBox="1">
-            <a:spLocks noGrp="1"/>
-          </p:cNvSpPr>
+          <p:cNvSpPr txBox="1"/>
           <p:nvPr>
-            <p:ph type="body" idx="1"/>
+            <p:ph idx="1" type="body"/>
           </p:nvPr>
         </p:nvSpPr>
         <p:spPr>
@@ -345,14 +330,14 @@
           </a:ln>
         </p:spPr>
         <p:txBody>
-          <a:bodyPr lIns="91425" tIns="91425" rIns="91425" bIns="91425" anchor="t" anchorCtr="0"/>
+          <a:bodyPr anchorCtr="0" anchor="t" bIns="91425" lIns="91425" rIns="91425" tIns="91425"/>
           <a:lstStyle>
-            <a:lvl1pPr marL="0" marR="0" lvl="0" indent="0" algn="l" rtl="0">
-              <a:spcBef>
-                <a:spcPts val="0"/>
-              </a:spcBef>
-              <a:buNone/>
-              <a:defRPr sz="1100" b="0" i="0" u="none" strike="noStrike" cap="none">
+            <a:lvl1pPr indent="0" lvl="0" marL="0" marR="0" rtl="0" algn="l">
+              <a:spcBef>
+                <a:spcPts val="0"/>
+              </a:spcBef>
+              <a:buNone/>
+              <a:defRPr b="0" i="0" sz="1100" u="none" cap="none" strike="noStrike">
                 <a:solidFill>
                   <a:schemeClr val="dk1"/>
                 </a:solidFill>
@@ -362,12 +347,12 @@
                 <a:sym typeface="Arial"/>
               </a:defRPr>
             </a:lvl1pPr>
-            <a:lvl2pPr marL="457200" marR="0" lvl="1" indent="0" algn="l" rtl="0">
-              <a:spcBef>
-                <a:spcPts val="0"/>
-              </a:spcBef>
-              <a:buNone/>
-              <a:defRPr sz="1100" b="0" i="0" u="none" strike="noStrike" cap="none">
+            <a:lvl2pPr indent="0" lvl="1" marL="457200" marR="0" rtl="0" algn="l">
+              <a:spcBef>
+                <a:spcPts val="0"/>
+              </a:spcBef>
+              <a:buNone/>
+              <a:defRPr b="0" i="0" sz="1100" u="none" cap="none" strike="noStrike">
                 <a:solidFill>
                   <a:schemeClr val="dk1"/>
                 </a:solidFill>
@@ -377,12 +362,12 @@
                 <a:sym typeface="Arial"/>
               </a:defRPr>
             </a:lvl2pPr>
-            <a:lvl3pPr marL="914400" marR="0" lvl="2" indent="0" algn="l" rtl="0">
-              <a:spcBef>
-                <a:spcPts val="0"/>
-              </a:spcBef>
-              <a:buNone/>
-              <a:defRPr sz="1100" b="0" i="0" u="none" strike="noStrike" cap="none">
+            <a:lvl3pPr indent="0" lvl="2" marL="914400" marR="0" rtl="0" algn="l">
+              <a:spcBef>
+                <a:spcPts val="0"/>
+              </a:spcBef>
+              <a:buNone/>
+              <a:defRPr b="0" i="0" sz="1100" u="none" cap="none" strike="noStrike">
                 <a:solidFill>
                   <a:schemeClr val="dk1"/>
                 </a:solidFill>
@@ -392,12 +377,12 @@
                 <a:sym typeface="Arial"/>
               </a:defRPr>
             </a:lvl3pPr>
-            <a:lvl4pPr marL="1371600" marR="0" lvl="3" indent="0" algn="l" rtl="0">
-              <a:spcBef>
-                <a:spcPts val="0"/>
-              </a:spcBef>
-              <a:buNone/>
-              <a:defRPr sz="1100" b="0" i="0" u="none" strike="noStrike" cap="none">
+            <a:lvl4pPr indent="0" lvl="3" marL="1371600" marR="0" rtl="0" algn="l">
+              <a:spcBef>
+                <a:spcPts val="0"/>
+              </a:spcBef>
+              <a:buNone/>
+              <a:defRPr b="0" i="0" sz="1100" u="none" cap="none" strike="noStrike">
                 <a:solidFill>
                   <a:schemeClr val="dk1"/>
                 </a:solidFill>
@@ -407,12 +392,12 @@
                 <a:sym typeface="Arial"/>
               </a:defRPr>
             </a:lvl4pPr>
-            <a:lvl5pPr marL="1828800" marR="0" lvl="4" indent="0" algn="l" rtl="0">
-              <a:spcBef>
-                <a:spcPts val="0"/>
-              </a:spcBef>
-              <a:buNone/>
-              <a:defRPr sz="1100" b="0" i="0" u="none" strike="noStrike" cap="none">
+            <a:lvl5pPr indent="0" lvl="4" marL="1828800" marR="0" rtl="0" algn="l">
+              <a:spcBef>
+                <a:spcPts val="0"/>
+              </a:spcBef>
+              <a:buNone/>
+              <a:defRPr b="0" i="0" sz="1100" u="none" cap="none" strike="noStrike">
                 <a:solidFill>
                   <a:schemeClr val="dk1"/>
                 </a:solidFill>
@@ -422,12 +407,12 @@
                 <a:sym typeface="Arial"/>
               </a:defRPr>
             </a:lvl5pPr>
-            <a:lvl6pPr marL="2286000" marR="0" lvl="5" indent="0" algn="l" rtl="0">
-              <a:spcBef>
-                <a:spcPts val="0"/>
-              </a:spcBef>
-              <a:buNone/>
-              <a:defRPr sz="1100" b="0" i="0" u="none" strike="noStrike" cap="none">
+            <a:lvl6pPr indent="0" lvl="5" marL="2286000" marR="0" rtl="0" algn="l">
+              <a:spcBef>
+                <a:spcPts val="0"/>
+              </a:spcBef>
+              <a:buNone/>
+              <a:defRPr b="0" i="0" sz="1100" u="none" cap="none" strike="noStrike">
                 <a:solidFill>
                   <a:schemeClr val="dk1"/>
                 </a:solidFill>
@@ -437,12 +422,12 @@
                 <a:sym typeface="Arial"/>
               </a:defRPr>
             </a:lvl6pPr>
-            <a:lvl7pPr marL="2743200" marR="0" lvl="6" indent="0" algn="l" rtl="0">
-              <a:spcBef>
-                <a:spcPts val="0"/>
-              </a:spcBef>
-              <a:buNone/>
-              <a:defRPr sz="1100" b="0" i="0" u="none" strike="noStrike" cap="none">
+            <a:lvl7pPr indent="0" lvl="6" marL="2743200" marR="0" rtl="0" algn="l">
+              <a:spcBef>
+                <a:spcPts val="0"/>
+              </a:spcBef>
+              <a:buNone/>
+              <a:defRPr b="0" i="0" sz="1100" u="none" cap="none" strike="noStrike">
                 <a:solidFill>
                   <a:schemeClr val="dk1"/>
                 </a:solidFill>
@@ -452,12 +437,12 @@
                 <a:sym typeface="Arial"/>
               </a:defRPr>
             </a:lvl7pPr>
-            <a:lvl8pPr marL="3200400" marR="0" lvl="7" indent="0" algn="l" rtl="0">
-              <a:spcBef>
-                <a:spcPts val="0"/>
-              </a:spcBef>
-              <a:buNone/>
-              <a:defRPr sz="1100" b="0" i="0" u="none" strike="noStrike" cap="none">
+            <a:lvl8pPr indent="0" lvl="7" marL="3200400" marR="0" rtl="0" algn="l">
+              <a:spcBef>
+                <a:spcPts val="0"/>
+              </a:spcBef>
+              <a:buNone/>
+              <a:defRPr b="0" i="0" sz="1100" u="none" cap="none" strike="noStrike">
                 <a:solidFill>
                   <a:schemeClr val="dk1"/>
                 </a:solidFill>
@@ -467,12 +452,12 @@
                 <a:sym typeface="Arial"/>
               </a:defRPr>
             </a:lvl8pPr>
-            <a:lvl9pPr marL="3657600" marR="0" lvl="8" indent="0" algn="l" rtl="0">
-              <a:spcBef>
-                <a:spcPts val="0"/>
-              </a:spcBef>
-              <a:buNone/>
-              <a:defRPr sz="1100" b="0" i="0" u="none" strike="noStrike" cap="none">
+            <a:lvl9pPr indent="0" lvl="8" marL="3657600" marR="0" rtl="0" algn="l">
+              <a:spcBef>
+                <a:spcPts val="0"/>
+              </a:spcBef>
+              <a:buNone/>
+              <a:defRPr b="0" i="0" sz="1100" u="none" cap="none" strike="noStrike">
                 <a:solidFill>
                   <a:schemeClr val="dk1"/>
                 </a:solidFill>
@@ -483,120 +468,21 @@
               </a:defRPr>
             </a:lvl9pPr>
           </a:lstStyle>
-          <a:p>
-            <a:endParaRPr/>
-          </a:p>
+          <a:p/>
         </p:txBody>
       </p:sp>
     </p:spTree>
-    <p:extLst>
-      <p:ext uri="{BB962C8B-B14F-4D97-AF65-F5344CB8AC3E}">
-        <p14:creationId xmlns:p14="http://schemas.microsoft.com/office/powerpoint/2010/main" val="796390856"/>
-      </p:ext>
-    </p:extLst>
   </p:cSld>
-  <p:clrMap bg1="lt1" tx1="dk1" bg2="dk2" tx2="lt2" accent1="accent1" accent2="accent2" accent3="accent3" accent4="accent4" accent5="accent5" accent6="accent6" hlink="hlink" folHlink="folHlink"/>
-  <p:notesStyle>
-    <a:lvl1pPr marL="0" algn="l" defTabSz="914400" rtl="0" eaLnBrk="1" latinLnBrk="0" hangingPunct="1">
-      <a:defRPr sz="1200" kern="1200">
-        <a:solidFill>
-          <a:schemeClr val="tx1"/>
-        </a:solidFill>
-        <a:latin typeface="+mn-lt"/>
-        <a:ea typeface="+mn-ea"/>
-        <a:cs typeface="+mn-cs"/>
-      </a:defRPr>
-    </a:lvl1pPr>
-    <a:lvl2pPr marL="457200" algn="l" defTabSz="914400" rtl="0" eaLnBrk="1" latinLnBrk="0" hangingPunct="1">
-      <a:defRPr sz="1200" kern="1200">
-        <a:solidFill>
-          <a:schemeClr val="tx1"/>
-        </a:solidFill>
-        <a:latin typeface="+mn-lt"/>
-        <a:ea typeface="+mn-ea"/>
-        <a:cs typeface="+mn-cs"/>
-      </a:defRPr>
-    </a:lvl2pPr>
-    <a:lvl3pPr marL="914400" algn="l" defTabSz="914400" rtl="0" eaLnBrk="1" latinLnBrk="0" hangingPunct="1">
-      <a:defRPr sz="1200" kern="1200">
-        <a:solidFill>
-          <a:schemeClr val="tx1"/>
-        </a:solidFill>
-        <a:latin typeface="+mn-lt"/>
-        <a:ea typeface="+mn-ea"/>
-        <a:cs typeface="+mn-cs"/>
-      </a:defRPr>
-    </a:lvl3pPr>
-    <a:lvl4pPr marL="1371600" algn="l" defTabSz="914400" rtl="0" eaLnBrk="1" latinLnBrk="0" hangingPunct="1">
-      <a:defRPr sz="1200" kern="1200">
-        <a:solidFill>
-          <a:schemeClr val="tx1"/>
-        </a:solidFill>
-        <a:latin typeface="+mn-lt"/>
-        <a:ea typeface="+mn-ea"/>
-        <a:cs typeface="+mn-cs"/>
-      </a:defRPr>
-    </a:lvl4pPr>
-    <a:lvl5pPr marL="1828800" algn="l" defTabSz="914400" rtl="0" eaLnBrk="1" latinLnBrk="0" hangingPunct="1">
-      <a:defRPr sz="1200" kern="1200">
-        <a:solidFill>
-          <a:schemeClr val="tx1"/>
-        </a:solidFill>
-        <a:latin typeface="+mn-lt"/>
-        <a:ea typeface="+mn-ea"/>
-        <a:cs typeface="+mn-cs"/>
-      </a:defRPr>
-    </a:lvl5pPr>
-    <a:lvl6pPr marL="2286000" algn="l" defTabSz="914400" rtl="0" eaLnBrk="1" latinLnBrk="0" hangingPunct="1">
-      <a:defRPr sz="1200" kern="1200">
-        <a:solidFill>
-          <a:schemeClr val="tx1"/>
-        </a:solidFill>
-        <a:latin typeface="+mn-lt"/>
-        <a:ea typeface="+mn-ea"/>
-        <a:cs typeface="+mn-cs"/>
-      </a:defRPr>
-    </a:lvl6pPr>
-    <a:lvl7pPr marL="2743200" algn="l" defTabSz="914400" rtl="0" eaLnBrk="1" latinLnBrk="0" hangingPunct="1">
-      <a:defRPr sz="1200" kern="1200">
-        <a:solidFill>
-          <a:schemeClr val="tx1"/>
-        </a:solidFill>
-        <a:latin typeface="+mn-lt"/>
-        <a:ea typeface="+mn-ea"/>
-        <a:cs typeface="+mn-cs"/>
-      </a:defRPr>
-    </a:lvl7pPr>
-    <a:lvl8pPr marL="3200400" algn="l" defTabSz="914400" rtl="0" eaLnBrk="1" latinLnBrk="0" hangingPunct="1">
-      <a:defRPr sz="1200" kern="1200">
-        <a:solidFill>
-          <a:schemeClr val="tx1"/>
-        </a:solidFill>
-        <a:latin typeface="+mn-lt"/>
-        <a:ea typeface="+mn-ea"/>
-        <a:cs typeface="+mn-cs"/>
-      </a:defRPr>
-    </a:lvl8pPr>
-    <a:lvl9pPr marL="3657600" algn="l" defTabSz="914400" rtl="0" eaLnBrk="1" latinLnBrk="0" hangingPunct="1">
-      <a:defRPr sz="1200" kern="1200">
-        <a:solidFill>
-          <a:schemeClr val="tx1"/>
-        </a:solidFill>
-        <a:latin typeface="+mn-lt"/>
-        <a:ea typeface="+mn-ea"/>
-        <a:cs typeface="+mn-cs"/>
-      </a:defRPr>
-    </a:lvl9pPr>
-  </p:notesStyle>
+  <p:clrMap accent1="accent1" accent2="accent2" accent3="accent3" accent4="accent4" accent5="accent5" accent6="accent6" bg1="lt1" bg2="dk2" tx1="dk1" tx2="lt2" folHlink="folHlink" hlink="hlink"/>
 </p:notesMaster>
 </file>
 
 <file path=ppt/notesSlides/notesSlide1.xml><?xml version="1.0" encoding="utf-8"?>
-<p:notes xmlns:a="http://schemas.openxmlformats.org/drawingml/2006/main" xmlns:r="http://schemas.openxmlformats.org/officeDocument/2006/relationships" xmlns:p="http://schemas.openxmlformats.org/presentationml/2006/main" showMasterSp="0" showMasterPhAnim="0">
+<p:notes xmlns:a="http://schemas.openxmlformats.org/drawingml/2006/main" xmlns:r="http://schemas.openxmlformats.org/officeDocument/2006/relationships" xmlns:mc="http://schemas.openxmlformats.org/markup-compatibility/2006" xmlns:mv="urn:schemas-microsoft-com:mac:vml" xmlns:p="http://schemas.openxmlformats.org/presentationml/2006/main" xmlns:c="http://schemas.openxmlformats.org/drawingml/2006/chart" xmlns:dgm="http://schemas.openxmlformats.org/drawingml/2006/diagram" xmlns:o="urn:schemas-microsoft-com:office:office" xmlns:v="urn:schemas-microsoft-com:vml" xmlns:pvml="urn:schemas-microsoft-com:office:powerpoint" xmlns:com="http://schemas.openxmlformats.org/drawingml/2006/compatibility" xmlns:p14="http://schemas.microsoft.com/office/powerpoint/2010/main" showMasterPhAnim="0" showMasterSp="0">
   <p:cSld>
     <p:spTree>
       <p:nvGrpSpPr>
-        <p:cNvPr id="1" name="Shape 57"/>
+        <p:cNvPr id="57" name="Shape 57"/>
         <p:cNvGrpSpPr/>
         <p:nvPr/>
       </p:nvGrpSpPr>
@@ -611,11 +497,9 @@
       <p:sp>
         <p:nvSpPr>
           <p:cNvPr id="58" name="Shape 58"/>
-          <p:cNvSpPr>
-            <a:spLocks noGrp="1" noRot="1" noChangeAspect="1"/>
-          </p:cNvSpPr>
+          <p:cNvSpPr/>
           <p:nvPr>
-            <p:ph type="sldImg" idx="2"/>
+            <p:ph idx="2" type="sldImg"/>
           </p:nvPr>
         </p:nvSpPr>
         <p:spPr>
@@ -624,13 +508,8 @@
             <a:ext cx="4572000" cy="3429000"/>
           </a:xfrm>
           <a:custGeom>
-            <a:avLst/>
-            <a:gdLst/>
-            <a:ahLst/>
-            <a:cxnLst/>
-            <a:rect l="0" t="0" r="0" b="0"/>
             <a:pathLst>
-              <a:path w="120000" h="120000" extrusionOk="0">
+              <a:path extrusionOk="0" h="120000" w="120000">
                 <a:moveTo>
                   <a:pt x="0" y="0"/>
                 </a:moveTo>
@@ -648,25 +527,23 @@
             </a:pathLst>
           </a:custGeom>
           <a:noFill/>
-          <a:ln w="9525" cap="flat" cmpd="sng">
+          <a:ln cap="flat" cmpd="sng" w="9525">
             <a:solidFill>
               <a:srgbClr val="000000"/>
             </a:solidFill>
             <a:prstDash val="solid"/>
             <a:round/>
-            <a:headEnd type="none" w="med" len="med"/>
-            <a:tailEnd type="none" w="med" len="med"/>
+            <a:headEnd len="med" w="med" type="none"/>
+            <a:tailEnd len="med" w="med" type="none"/>
           </a:ln>
         </p:spPr>
       </p:sp>
       <p:sp>
         <p:nvSpPr>
           <p:cNvPr id="59" name="Shape 59"/>
-          <p:cNvSpPr txBox="1">
-            <a:spLocks noGrp="1"/>
-          </p:cNvSpPr>
+          <p:cNvSpPr txBox="1"/>
           <p:nvPr>
-            <p:ph type="body" idx="1"/>
+            <p:ph idx="1" type="body"/>
           </p:nvPr>
         </p:nvSpPr>
         <p:spPr>
@@ -683,12 +560,12 @@
           </a:ln>
         </p:spPr>
         <p:txBody>
-          <a:bodyPr lIns="91425" tIns="91425" rIns="91425" bIns="91425" anchor="t" anchorCtr="0">
+          <a:bodyPr anchorCtr="0" anchor="t" bIns="91425" lIns="91425" rIns="91425" tIns="91425">
             <a:noAutofit/>
           </a:bodyPr>
           <a:lstStyle/>
           <a:p>
-            <a:pPr marL="0" marR="0" lvl="0" indent="0" algn="l" rtl="0">
+            <a:pPr indent="0" lvl="0" marL="0" marR="0" rtl="0" algn="l">
               <a:spcBef>
                 <a:spcPts val="0"/>
               </a:spcBef>
@@ -699,7 +576,10 @@
               <a:buFont typeface="Arial"/>
               <a:buNone/>
             </a:pPr>
-            <a:endParaRPr sz="1100" b="0" i="0" u="none" strike="noStrike" cap="none">
+            <a:r>
+              <a:t/>
+            </a:r>
+            <a:endParaRPr b="0" i="0" sz="1100" u="none" cap="none" strike="noStrike">
               <a:solidFill>
                 <a:schemeClr val="dk1"/>
               </a:solidFill>
@@ -712,11 +592,6 @@
         </p:txBody>
       </p:sp>
     </p:spTree>
-    <p:extLst>
-      <p:ext uri="{BB962C8B-B14F-4D97-AF65-F5344CB8AC3E}">
-        <p14:creationId xmlns:p14="http://schemas.microsoft.com/office/powerpoint/2010/main" val="2948714694"/>
-      </p:ext>
-    </p:extLst>
   </p:cSld>
   <p:clrMapOvr>
     <a:masterClrMapping/>
@@ -725,11 +600,11 @@
 </file>
 
 <file path=ppt/notesSlides/notesSlide10.xml><?xml version="1.0" encoding="utf-8"?>
-<p:notes xmlns:a="http://schemas.openxmlformats.org/drawingml/2006/main" xmlns:r="http://schemas.openxmlformats.org/officeDocument/2006/relationships" xmlns:p="http://schemas.openxmlformats.org/presentationml/2006/main" showMasterSp="0" showMasterPhAnim="0">
+<p:notes xmlns:a="http://schemas.openxmlformats.org/drawingml/2006/main" xmlns:r="http://schemas.openxmlformats.org/officeDocument/2006/relationships" xmlns:mc="http://schemas.openxmlformats.org/markup-compatibility/2006" xmlns:mv="urn:schemas-microsoft-com:mac:vml" xmlns:p="http://schemas.openxmlformats.org/presentationml/2006/main" xmlns:c="http://schemas.openxmlformats.org/drawingml/2006/chart" xmlns:dgm="http://schemas.openxmlformats.org/drawingml/2006/diagram" xmlns:o="urn:schemas-microsoft-com:office:office" xmlns:v="urn:schemas-microsoft-com:vml" xmlns:pvml="urn:schemas-microsoft-com:office:powerpoint" xmlns:com="http://schemas.openxmlformats.org/drawingml/2006/compatibility" xmlns:p14="http://schemas.microsoft.com/office/powerpoint/2010/main" showMasterPhAnim="0" showMasterSp="0">
   <p:cSld>
     <p:spTree>
       <p:nvGrpSpPr>
-        <p:cNvPr id="1" name="Shape 136"/>
+        <p:cNvPr id="136" name="Shape 136"/>
         <p:cNvGrpSpPr/>
         <p:nvPr/>
       </p:nvGrpSpPr>
@@ -744,26 +619,19 @@
       <p:sp>
         <p:nvSpPr>
           <p:cNvPr id="137" name="Shape 137"/>
-          <p:cNvSpPr>
-            <a:spLocks noGrp="1" noRot="1" noChangeAspect="1"/>
-          </p:cNvSpPr>
+          <p:cNvSpPr/>
           <p:nvPr>
-            <p:ph type="sldImg" idx="2"/>
+            <p:ph idx="2" type="sldImg"/>
           </p:nvPr>
         </p:nvSpPr>
         <p:spPr>
           <a:xfrm>
-            <a:off x="1143000" y="685800"/>
-            <a:ext cx="4572000" cy="3429000"/>
+            <a:off x="1143225" y="685800"/>
+            <a:ext cx="4572299" cy="3429000"/>
           </a:xfrm>
           <a:custGeom>
-            <a:avLst/>
-            <a:gdLst/>
-            <a:ahLst/>
-            <a:cxnLst/>
-            <a:rect l="0" t="0" r="0" b="0"/>
             <a:pathLst>
-              <a:path w="120000" h="120000" extrusionOk="0">
+              <a:path extrusionOk="0" h="120000" w="120000">
                 <a:moveTo>
                   <a:pt x="0" y="0"/>
                 </a:moveTo>
@@ -781,25 +649,23 @@
             </a:pathLst>
           </a:custGeom>
           <a:noFill/>
-          <a:ln w="9525" cap="flat" cmpd="sng">
+          <a:ln cap="flat" cmpd="sng" w="9525">
             <a:solidFill>
               <a:srgbClr val="000000"/>
             </a:solidFill>
             <a:prstDash val="solid"/>
             <a:round/>
-            <a:headEnd type="none" w="med" len="med"/>
-            <a:tailEnd type="none" w="med" len="med"/>
+            <a:headEnd len="med" w="med" type="none"/>
+            <a:tailEnd len="med" w="med" type="none"/>
           </a:ln>
         </p:spPr>
       </p:sp>
       <p:sp>
         <p:nvSpPr>
           <p:cNvPr id="138" name="Shape 138"/>
-          <p:cNvSpPr txBox="1">
-            <a:spLocks noGrp="1"/>
-          </p:cNvSpPr>
+          <p:cNvSpPr txBox="1"/>
           <p:nvPr>
-            <p:ph type="body" idx="1"/>
+            <p:ph idx="1" type="body"/>
           </p:nvPr>
         </p:nvSpPr>
         <p:spPr>
@@ -816,12 +682,12 @@
           </a:ln>
         </p:spPr>
         <p:txBody>
-          <a:bodyPr lIns="91425" tIns="91425" rIns="91425" bIns="91425" anchor="t" anchorCtr="0">
+          <a:bodyPr anchorCtr="0" anchor="t" bIns="91425" lIns="91425" rIns="91425" tIns="91425">
             <a:noAutofit/>
           </a:bodyPr>
           <a:lstStyle/>
           <a:p>
-            <a:pPr marL="0" marR="0" lvl="0" indent="0" algn="l" rtl="0">
+            <a:pPr indent="0" lvl="0" marL="0" marR="0" rtl="0" algn="l">
               <a:spcBef>
                 <a:spcPts val="0"/>
               </a:spcBef>
@@ -832,7 +698,10 @@
               <a:buFont typeface="Arial"/>
               <a:buNone/>
             </a:pPr>
-            <a:endParaRPr sz="1100" b="0" i="0" u="none" strike="noStrike" cap="none">
+            <a:r>
+              <a:t/>
+            </a:r>
+            <a:endParaRPr b="0" i="0" sz="1100" u="none" cap="none" strike="noStrike">
               <a:solidFill>
                 <a:schemeClr val="dk1"/>
               </a:solidFill>
@@ -845,11 +714,6 @@
         </p:txBody>
       </p:sp>
     </p:spTree>
-    <p:extLst>
-      <p:ext uri="{BB962C8B-B14F-4D97-AF65-F5344CB8AC3E}">
-        <p14:creationId xmlns:p14="http://schemas.microsoft.com/office/powerpoint/2010/main" val="1483566811"/>
-      </p:ext>
-    </p:extLst>
   </p:cSld>
   <p:clrMapOvr>
     <a:masterClrMapping/>
@@ -858,11 +722,11 @@
 </file>
 
 <file path=ppt/notesSlides/notesSlide2.xml><?xml version="1.0" encoding="utf-8"?>
-<p:notes xmlns:a="http://schemas.openxmlformats.org/drawingml/2006/main" xmlns:r="http://schemas.openxmlformats.org/officeDocument/2006/relationships" xmlns:p="http://schemas.openxmlformats.org/presentationml/2006/main" showMasterSp="0" showMasterPhAnim="0">
+<p:notes xmlns:a="http://schemas.openxmlformats.org/drawingml/2006/main" xmlns:r="http://schemas.openxmlformats.org/officeDocument/2006/relationships" xmlns:mc="http://schemas.openxmlformats.org/markup-compatibility/2006" xmlns:mv="urn:schemas-microsoft-com:mac:vml" xmlns:p="http://schemas.openxmlformats.org/presentationml/2006/main" xmlns:c="http://schemas.openxmlformats.org/drawingml/2006/chart" xmlns:dgm="http://schemas.openxmlformats.org/drawingml/2006/diagram" xmlns:o="urn:schemas-microsoft-com:office:office" xmlns:v="urn:schemas-microsoft-com:vml" xmlns:pvml="urn:schemas-microsoft-com:office:powerpoint" xmlns:com="http://schemas.openxmlformats.org/drawingml/2006/compatibility" xmlns:p14="http://schemas.microsoft.com/office/powerpoint/2010/main" showMasterPhAnim="0" showMasterSp="0">
   <p:cSld>
     <p:spTree>
       <p:nvGrpSpPr>
-        <p:cNvPr id="1" name="Shape 76"/>
+        <p:cNvPr id="76" name="Shape 76"/>
         <p:cNvGrpSpPr/>
         <p:nvPr/>
       </p:nvGrpSpPr>
@@ -877,11 +741,9 @@
       <p:sp>
         <p:nvSpPr>
           <p:cNvPr id="77" name="Shape 77"/>
-          <p:cNvSpPr>
-            <a:spLocks noGrp="1" noRot="1" noChangeAspect="1"/>
-          </p:cNvSpPr>
+          <p:cNvSpPr/>
           <p:nvPr>
-            <p:ph type="sldImg" idx="2"/>
+            <p:ph idx="2" type="sldImg"/>
           </p:nvPr>
         </p:nvSpPr>
         <p:spPr>
@@ -890,13 +752,8 @@
             <a:ext cx="4572000" cy="3429000"/>
           </a:xfrm>
           <a:custGeom>
-            <a:avLst/>
-            <a:gdLst/>
-            <a:ahLst/>
-            <a:cxnLst/>
-            <a:rect l="0" t="0" r="0" b="0"/>
             <a:pathLst>
-              <a:path w="120000" h="120000" extrusionOk="0">
+              <a:path extrusionOk="0" h="120000" w="120000">
                 <a:moveTo>
                   <a:pt x="0" y="0"/>
                 </a:moveTo>
@@ -914,25 +771,23 @@
             </a:pathLst>
           </a:custGeom>
           <a:noFill/>
-          <a:ln w="9525" cap="flat" cmpd="sng">
+          <a:ln cap="flat" cmpd="sng" w="9525">
             <a:solidFill>
               <a:srgbClr val="000000"/>
             </a:solidFill>
             <a:prstDash val="solid"/>
             <a:round/>
-            <a:headEnd type="none" w="med" len="med"/>
-            <a:tailEnd type="none" w="med" len="med"/>
+            <a:headEnd len="med" w="med" type="none"/>
+            <a:tailEnd len="med" w="med" type="none"/>
           </a:ln>
         </p:spPr>
       </p:sp>
       <p:sp>
         <p:nvSpPr>
           <p:cNvPr id="78" name="Shape 78"/>
-          <p:cNvSpPr txBox="1">
-            <a:spLocks noGrp="1"/>
-          </p:cNvSpPr>
+          <p:cNvSpPr txBox="1"/>
           <p:nvPr>
-            <p:ph type="body" idx="1"/>
+            <p:ph idx="1" type="body"/>
           </p:nvPr>
         </p:nvSpPr>
         <p:spPr>
@@ -949,12 +804,12 @@
           </a:ln>
         </p:spPr>
         <p:txBody>
-          <a:bodyPr lIns="91425" tIns="91425" rIns="91425" bIns="91425" anchor="t" anchorCtr="0">
+          <a:bodyPr anchorCtr="0" anchor="t" bIns="91425" lIns="91425" rIns="91425" tIns="91425">
             <a:noAutofit/>
           </a:bodyPr>
           <a:lstStyle/>
           <a:p>
-            <a:pPr marL="0" marR="0" lvl="0" indent="0" algn="l" rtl="0">
+            <a:pPr indent="0" lvl="0" marL="0" marR="0" rtl="0" algn="l">
               <a:spcBef>
                 <a:spcPts val="0"/>
               </a:spcBef>
@@ -965,7 +820,10 @@
               <a:buFont typeface="Arial"/>
               <a:buNone/>
             </a:pPr>
-            <a:endParaRPr sz="1100" b="0" i="0" u="none" strike="noStrike" cap="none">
+            <a:r>
+              <a:t/>
+            </a:r>
+            <a:endParaRPr b="0" i="0" sz="1100" u="none" cap="none" strike="noStrike">
               <a:solidFill>
                 <a:schemeClr val="dk1"/>
               </a:solidFill>
@@ -978,11 +836,6 @@
         </p:txBody>
       </p:sp>
     </p:spTree>
-    <p:extLst>
-      <p:ext uri="{BB962C8B-B14F-4D97-AF65-F5344CB8AC3E}">
-        <p14:creationId xmlns:p14="http://schemas.microsoft.com/office/powerpoint/2010/main" val="2690375118"/>
-      </p:ext>
-    </p:extLst>
   </p:cSld>
   <p:clrMapOvr>
     <a:masterClrMapping/>
@@ -991,11 +844,11 @@
 </file>
 
 <file path=ppt/notesSlides/notesSlide3.xml><?xml version="1.0" encoding="utf-8"?>
-<p:notes xmlns:a="http://schemas.openxmlformats.org/drawingml/2006/main" xmlns:r="http://schemas.openxmlformats.org/officeDocument/2006/relationships" xmlns:p="http://schemas.openxmlformats.org/presentationml/2006/main" showMasterSp="0" showMasterPhAnim="0">
+<p:notes xmlns:a="http://schemas.openxmlformats.org/drawingml/2006/main" xmlns:r="http://schemas.openxmlformats.org/officeDocument/2006/relationships" xmlns:mc="http://schemas.openxmlformats.org/markup-compatibility/2006" xmlns:mv="urn:schemas-microsoft-com:mac:vml" xmlns:p="http://schemas.openxmlformats.org/presentationml/2006/main" xmlns:c="http://schemas.openxmlformats.org/drawingml/2006/chart" xmlns:dgm="http://schemas.openxmlformats.org/drawingml/2006/diagram" xmlns:o="urn:schemas-microsoft-com:office:office" xmlns:v="urn:schemas-microsoft-com:vml" xmlns:pvml="urn:schemas-microsoft-com:office:powerpoint" xmlns:com="http://schemas.openxmlformats.org/drawingml/2006/compatibility" xmlns:p14="http://schemas.microsoft.com/office/powerpoint/2010/main" showMasterPhAnim="0" showMasterSp="0">
   <p:cSld>
     <p:spTree>
       <p:nvGrpSpPr>
-        <p:cNvPr id="1" name="Shape 82"/>
+        <p:cNvPr id="82" name="Shape 82"/>
         <p:cNvGrpSpPr/>
         <p:nvPr/>
       </p:nvGrpSpPr>
@@ -1010,11 +863,9 @@
       <p:sp>
         <p:nvSpPr>
           <p:cNvPr id="83" name="Shape 83"/>
-          <p:cNvSpPr>
-            <a:spLocks noGrp="1" noRot="1" noChangeAspect="1"/>
-          </p:cNvSpPr>
+          <p:cNvSpPr/>
           <p:nvPr>
-            <p:ph type="sldImg" idx="2"/>
+            <p:ph idx="2" type="sldImg"/>
           </p:nvPr>
         </p:nvSpPr>
         <p:spPr>
@@ -1023,13 +874,8 @@
             <a:ext cx="4572000" cy="3429000"/>
           </a:xfrm>
           <a:custGeom>
-            <a:avLst/>
-            <a:gdLst/>
-            <a:ahLst/>
-            <a:cxnLst/>
-            <a:rect l="0" t="0" r="0" b="0"/>
             <a:pathLst>
-              <a:path w="120000" h="120000" extrusionOk="0">
+              <a:path extrusionOk="0" h="120000" w="120000">
                 <a:moveTo>
                   <a:pt x="0" y="0"/>
                 </a:moveTo>
@@ -1047,25 +893,23 @@
             </a:pathLst>
           </a:custGeom>
           <a:noFill/>
-          <a:ln w="9525" cap="flat" cmpd="sng">
+          <a:ln cap="flat" cmpd="sng" w="9525">
             <a:solidFill>
               <a:srgbClr val="000000"/>
             </a:solidFill>
             <a:prstDash val="solid"/>
             <a:round/>
-            <a:headEnd type="none" w="med" len="med"/>
-            <a:tailEnd type="none" w="med" len="med"/>
+            <a:headEnd len="med" w="med" type="none"/>
+            <a:tailEnd len="med" w="med" type="none"/>
           </a:ln>
         </p:spPr>
       </p:sp>
       <p:sp>
         <p:nvSpPr>
           <p:cNvPr id="84" name="Shape 84"/>
-          <p:cNvSpPr txBox="1">
-            <a:spLocks noGrp="1"/>
-          </p:cNvSpPr>
+          <p:cNvSpPr txBox="1"/>
           <p:nvPr>
-            <p:ph type="body" idx="1"/>
+            <p:ph idx="1" type="body"/>
           </p:nvPr>
         </p:nvSpPr>
         <p:spPr>
@@ -1082,12 +926,12 @@
           </a:ln>
         </p:spPr>
         <p:txBody>
-          <a:bodyPr lIns="91425" tIns="91425" rIns="91425" bIns="91425" anchor="t" anchorCtr="0">
+          <a:bodyPr anchorCtr="0" anchor="t" bIns="91425" lIns="91425" rIns="91425" tIns="91425">
             <a:noAutofit/>
           </a:bodyPr>
           <a:lstStyle/>
           <a:p>
-            <a:pPr marL="0" marR="0" lvl="0" indent="0" algn="l" rtl="0">
+            <a:pPr indent="0" lvl="0" marL="0" marR="0" rtl="0" algn="l">
               <a:spcBef>
                 <a:spcPts val="0"/>
               </a:spcBef>
@@ -1098,7 +942,10 @@
               <a:buFont typeface="Arial"/>
               <a:buNone/>
             </a:pPr>
-            <a:endParaRPr sz="1100" b="0" i="0" u="none" strike="noStrike" cap="none">
+            <a:r>
+              <a:t/>
+            </a:r>
+            <a:endParaRPr b="0" i="0" sz="1100" u="none" cap="none" strike="noStrike">
               <a:solidFill>
                 <a:schemeClr val="dk1"/>
               </a:solidFill>
@@ -1111,11 +958,6 @@
         </p:txBody>
       </p:sp>
     </p:spTree>
-    <p:extLst>
-      <p:ext uri="{BB962C8B-B14F-4D97-AF65-F5344CB8AC3E}">
-        <p14:creationId xmlns:p14="http://schemas.microsoft.com/office/powerpoint/2010/main" val="3563301428"/>
-      </p:ext>
-    </p:extLst>
   </p:cSld>
   <p:clrMapOvr>
     <a:masterClrMapping/>
@@ -1124,11 +966,11 @@
 </file>
 
 <file path=ppt/notesSlides/notesSlide4.xml><?xml version="1.0" encoding="utf-8"?>
-<p:notes xmlns:a="http://schemas.openxmlformats.org/drawingml/2006/main" xmlns:r="http://schemas.openxmlformats.org/officeDocument/2006/relationships" xmlns:p="http://schemas.openxmlformats.org/presentationml/2006/main" showMasterSp="0" showMasterPhAnim="0">
+<p:notes xmlns:a="http://schemas.openxmlformats.org/drawingml/2006/main" xmlns:r="http://schemas.openxmlformats.org/officeDocument/2006/relationships" xmlns:mc="http://schemas.openxmlformats.org/markup-compatibility/2006" xmlns:mv="urn:schemas-microsoft-com:mac:vml" xmlns:p="http://schemas.openxmlformats.org/presentationml/2006/main" xmlns:c="http://schemas.openxmlformats.org/drawingml/2006/chart" xmlns:dgm="http://schemas.openxmlformats.org/drawingml/2006/diagram" xmlns:o="urn:schemas-microsoft-com:office:office" xmlns:v="urn:schemas-microsoft-com:vml" xmlns:pvml="urn:schemas-microsoft-com:office:powerpoint" xmlns:com="http://schemas.openxmlformats.org/drawingml/2006/compatibility" xmlns:p14="http://schemas.microsoft.com/office/powerpoint/2010/main" showMasterPhAnim="0" showMasterSp="0">
   <p:cSld>
     <p:spTree>
       <p:nvGrpSpPr>
-        <p:cNvPr id="1" name="Shape 90"/>
+        <p:cNvPr id="90" name="Shape 90"/>
         <p:cNvGrpSpPr/>
         <p:nvPr/>
       </p:nvGrpSpPr>
@@ -1143,11 +985,9 @@
       <p:sp>
         <p:nvSpPr>
           <p:cNvPr id="91" name="Shape 91"/>
-          <p:cNvSpPr>
-            <a:spLocks noGrp="1" noRot="1" noChangeAspect="1"/>
-          </p:cNvSpPr>
+          <p:cNvSpPr/>
           <p:nvPr>
-            <p:ph type="sldImg" idx="2"/>
+            <p:ph idx="2" type="sldImg"/>
           </p:nvPr>
         </p:nvSpPr>
         <p:spPr>
@@ -1156,13 +996,8 @@
             <a:ext cx="4572000" cy="3429000"/>
           </a:xfrm>
           <a:custGeom>
-            <a:avLst/>
-            <a:gdLst/>
-            <a:ahLst/>
-            <a:cxnLst/>
-            <a:rect l="0" t="0" r="0" b="0"/>
             <a:pathLst>
-              <a:path w="120000" h="120000" extrusionOk="0">
+              <a:path extrusionOk="0" h="120000" w="120000">
                 <a:moveTo>
                   <a:pt x="0" y="0"/>
                 </a:moveTo>
@@ -1180,25 +1015,23 @@
             </a:pathLst>
           </a:custGeom>
           <a:noFill/>
-          <a:ln w="9525" cap="flat" cmpd="sng">
+          <a:ln cap="flat" cmpd="sng" w="9525">
             <a:solidFill>
               <a:srgbClr val="000000"/>
             </a:solidFill>
             <a:prstDash val="solid"/>
             <a:round/>
-            <a:headEnd type="none" w="med" len="med"/>
-            <a:tailEnd type="none" w="med" len="med"/>
+            <a:headEnd len="med" w="med" type="none"/>
+            <a:tailEnd len="med" w="med" type="none"/>
           </a:ln>
         </p:spPr>
       </p:sp>
       <p:sp>
         <p:nvSpPr>
           <p:cNvPr id="92" name="Shape 92"/>
-          <p:cNvSpPr txBox="1">
-            <a:spLocks noGrp="1"/>
-          </p:cNvSpPr>
+          <p:cNvSpPr txBox="1"/>
           <p:nvPr>
-            <p:ph type="body" idx="1"/>
+            <p:ph idx="1" type="body"/>
           </p:nvPr>
         </p:nvSpPr>
         <p:spPr>
@@ -1215,12 +1048,12 @@
           </a:ln>
         </p:spPr>
         <p:txBody>
-          <a:bodyPr lIns="91425" tIns="91425" rIns="91425" bIns="91425" anchor="t" anchorCtr="0">
+          <a:bodyPr anchorCtr="0" anchor="t" bIns="91425" lIns="91425" rIns="91425" tIns="91425">
             <a:noAutofit/>
           </a:bodyPr>
           <a:lstStyle/>
           <a:p>
-            <a:pPr marL="0" marR="0" lvl="0" indent="0" algn="l" rtl="0">
+            <a:pPr indent="0" lvl="0" marL="0" marR="0" rtl="0" algn="l">
               <a:spcBef>
                 <a:spcPts val="0"/>
               </a:spcBef>
@@ -1231,7 +1064,10 @@
               <a:buFont typeface="Arial"/>
               <a:buNone/>
             </a:pPr>
-            <a:endParaRPr sz="1100" b="0" i="0" u="none" strike="noStrike" cap="none">
+            <a:r>
+              <a:t/>
+            </a:r>
+            <a:endParaRPr b="0" i="0" sz="1100" u="none" cap="none" strike="noStrike">
               <a:solidFill>
                 <a:schemeClr val="dk1"/>
               </a:solidFill>
@@ -1244,11 +1080,6 @@
         </p:txBody>
       </p:sp>
     </p:spTree>
-    <p:extLst>
-      <p:ext uri="{BB962C8B-B14F-4D97-AF65-F5344CB8AC3E}">
-        <p14:creationId xmlns:p14="http://schemas.microsoft.com/office/powerpoint/2010/main" val="3743554982"/>
-      </p:ext>
-    </p:extLst>
   </p:cSld>
   <p:clrMapOvr>
     <a:masterClrMapping/>
@@ -1257,11 +1088,11 @@
 </file>
 
 <file path=ppt/notesSlides/notesSlide5.xml><?xml version="1.0" encoding="utf-8"?>
-<p:notes xmlns:a="http://schemas.openxmlformats.org/drawingml/2006/main" xmlns:r="http://schemas.openxmlformats.org/officeDocument/2006/relationships" xmlns:p="http://schemas.openxmlformats.org/presentationml/2006/main" showMasterSp="0" showMasterPhAnim="0">
+<p:notes xmlns:a="http://schemas.openxmlformats.org/drawingml/2006/main" xmlns:r="http://schemas.openxmlformats.org/officeDocument/2006/relationships" xmlns:mc="http://schemas.openxmlformats.org/markup-compatibility/2006" xmlns:mv="urn:schemas-microsoft-com:mac:vml" xmlns:p="http://schemas.openxmlformats.org/presentationml/2006/main" xmlns:c="http://schemas.openxmlformats.org/drawingml/2006/chart" xmlns:dgm="http://schemas.openxmlformats.org/drawingml/2006/diagram" xmlns:o="urn:schemas-microsoft-com:office:office" xmlns:v="urn:schemas-microsoft-com:vml" xmlns:pvml="urn:schemas-microsoft-com:office:powerpoint" xmlns:com="http://schemas.openxmlformats.org/drawingml/2006/compatibility" xmlns:p14="http://schemas.microsoft.com/office/powerpoint/2010/main" showMasterPhAnim="0" showMasterSp="0">
   <p:cSld>
     <p:spTree>
       <p:nvGrpSpPr>
-        <p:cNvPr id="1" name="Shape 97"/>
+        <p:cNvPr id="97" name="Shape 97"/>
         <p:cNvGrpSpPr/>
         <p:nvPr/>
       </p:nvGrpSpPr>
@@ -1276,11 +1107,9 @@
       <p:sp>
         <p:nvSpPr>
           <p:cNvPr id="98" name="Shape 98"/>
-          <p:cNvSpPr>
-            <a:spLocks noGrp="1" noRot="1" noChangeAspect="1"/>
-          </p:cNvSpPr>
+          <p:cNvSpPr/>
           <p:nvPr>
-            <p:ph type="sldImg" idx="2"/>
+            <p:ph idx="2" type="sldImg"/>
           </p:nvPr>
         </p:nvSpPr>
         <p:spPr>
@@ -1289,13 +1118,8 @@
             <a:ext cx="4572000" cy="3429000"/>
           </a:xfrm>
           <a:custGeom>
-            <a:avLst/>
-            <a:gdLst/>
-            <a:ahLst/>
-            <a:cxnLst/>
-            <a:rect l="0" t="0" r="0" b="0"/>
             <a:pathLst>
-              <a:path w="120000" h="120000" extrusionOk="0">
+              <a:path extrusionOk="0" h="120000" w="120000">
                 <a:moveTo>
                   <a:pt x="0" y="0"/>
                 </a:moveTo>
@@ -1313,25 +1137,23 @@
             </a:pathLst>
           </a:custGeom>
           <a:noFill/>
-          <a:ln w="9525" cap="flat" cmpd="sng">
+          <a:ln cap="flat" cmpd="sng" w="9525">
             <a:solidFill>
               <a:srgbClr val="000000"/>
             </a:solidFill>
             <a:prstDash val="solid"/>
             <a:round/>
-            <a:headEnd type="none" w="med" len="med"/>
-            <a:tailEnd type="none" w="med" len="med"/>
+            <a:headEnd len="med" w="med" type="none"/>
+            <a:tailEnd len="med" w="med" type="none"/>
           </a:ln>
         </p:spPr>
       </p:sp>
       <p:sp>
         <p:nvSpPr>
           <p:cNvPr id="99" name="Shape 99"/>
-          <p:cNvSpPr txBox="1">
-            <a:spLocks noGrp="1"/>
-          </p:cNvSpPr>
+          <p:cNvSpPr txBox="1"/>
           <p:nvPr>
-            <p:ph type="body" idx="1"/>
+            <p:ph idx="1" type="body"/>
           </p:nvPr>
         </p:nvSpPr>
         <p:spPr>
@@ -1348,12 +1170,12 @@
           </a:ln>
         </p:spPr>
         <p:txBody>
-          <a:bodyPr lIns="91425" tIns="91425" rIns="91425" bIns="91425" anchor="t" anchorCtr="0">
+          <a:bodyPr anchorCtr="0" anchor="t" bIns="91425" lIns="91425" rIns="91425" tIns="91425">
             <a:noAutofit/>
           </a:bodyPr>
           <a:lstStyle/>
           <a:p>
-            <a:pPr marL="0" marR="0" lvl="0" indent="0" algn="l" rtl="0">
+            <a:pPr indent="0" lvl="0" marL="0" marR="0" rtl="0" algn="l">
               <a:spcBef>
                 <a:spcPts val="0"/>
               </a:spcBef>
@@ -1364,7 +1186,10 @@
               <a:buFont typeface="Arial"/>
               <a:buNone/>
             </a:pPr>
-            <a:endParaRPr sz="1100" b="0" i="0" u="none" strike="noStrike" cap="none">
+            <a:r>
+              <a:t/>
+            </a:r>
+            <a:endParaRPr b="0" i="0" sz="1100" u="none" cap="none" strike="noStrike">
               <a:solidFill>
                 <a:schemeClr val="dk1"/>
               </a:solidFill>
@@ -1377,11 +1202,6 @@
         </p:txBody>
       </p:sp>
     </p:spTree>
-    <p:extLst>
-      <p:ext uri="{BB962C8B-B14F-4D97-AF65-F5344CB8AC3E}">
-        <p14:creationId xmlns:p14="http://schemas.microsoft.com/office/powerpoint/2010/main" val="1968679996"/>
-      </p:ext>
-    </p:extLst>
   </p:cSld>
   <p:clrMapOvr>
     <a:masterClrMapping/>
@@ -1390,11 +1210,11 @@
 </file>
 
 <file path=ppt/notesSlides/notesSlide6.xml><?xml version="1.0" encoding="utf-8"?>
-<p:notes xmlns:a="http://schemas.openxmlformats.org/drawingml/2006/main" xmlns:r="http://schemas.openxmlformats.org/officeDocument/2006/relationships" xmlns:p="http://schemas.openxmlformats.org/presentationml/2006/main" showMasterSp="0" showMasterPhAnim="0">
+<p:notes xmlns:a="http://schemas.openxmlformats.org/drawingml/2006/main" xmlns:r="http://schemas.openxmlformats.org/officeDocument/2006/relationships" xmlns:mc="http://schemas.openxmlformats.org/markup-compatibility/2006" xmlns:mv="urn:schemas-microsoft-com:mac:vml" xmlns:p="http://schemas.openxmlformats.org/presentationml/2006/main" xmlns:c="http://schemas.openxmlformats.org/drawingml/2006/chart" xmlns:dgm="http://schemas.openxmlformats.org/drawingml/2006/diagram" xmlns:o="urn:schemas-microsoft-com:office:office" xmlns:v="urn:schemas-microsoft-com:vml" xmlns:pvml="urn:schemas-microsoft-com:office:powerpoint" xmlns:com="http://schemas.openxmlformats.org/drawingml/2006/compatibility" xmlns:p14="http://schemas.microsoft.com/office/powerpoint/2010/main" showMasterPhAnim="0" showMasterSp="0">
   <p:cSld>
     <p:spTree>
       <p:nvGrpSpPr>
-        <p:cNvPr id="1" name="Shape 109"/>
+        <p:cNvPr id="109" name="Shape 109"/>
         <p:cNvGrpSpPr/>
         <p:nvPr/>
       </p:nvGrpSpPr>
@@ -1409,11 +1229,9 @@
       <p:sp>
         <p:nvSpPr>
           <p:cNvPr id="110" name="Shape 110"/>
-          <p:cNvSpPr>
-            <a:spLocks noGrp="1" noRot="1" noChangeAspect="1"/>
-          </p:cNvSpPr>
+          <p:cNvSpPr/>
           <p:nvPr>
-            <p:ph type="sldImg" idx="2"/>
+            <p:ph idx="2" type="sldImg"/>
           </p:nvPr>
         </p:nvSpPr>
         <p:spPr>
@@ -1422,13 +1240,8 @@
             <a:ext cx="4572000" cy="3429000"/>
           </a:xfrm>
           <a:custGeom>
-            <a:avLst/>
-            <a:gdLst/>
-            <a:ahLst/>
-            <a:cxnLst/>
-            <a:rect l="0" t="0" r="0" b="0"/>
             <a:pathLst>
-              <a:path w="120000" h="120000" extrusionOk="0">
+              <a:path extrusionOk="0" h="120000" w="120000">
                 <a:moveTo>
                   <a:pt x="0" y="0"/>
                 </a:moveTo>
@@ -1446,25 +1259,23 @@
             </a:pathLst>
           </a:custGeom>
           <a:noFill/>
-          <a:ln w="9525" cap="flat" cmpd="sng">
+          <a:ln cap="flat" cmpd="sng" w="9525">
             <a:solidFill>
               <a:srgbClr val="000000"/>
             </a:solidFill>
             <a:prstDash val="solid"/>
             <a:round/>
-            <a:headEnd type="none" w="med" len="med"/>
-            <a:tailEnd type="none" w="med" len="med"/>
+            <a:headEnd len="med" w="med" type="none"/>
+            <a:tailEnd len="med" w="med" type="none"/>
           </a:ln>
         </p:spPr>
       </p:sp>
       <p:sp>
         <p:nvSpPr>
           <p:cNvPr id="111" name="Shape 111"/>
-          <p:cNvSpPr txBox="1">
-            <a:spLocks noGrp="1"/>
-          </p:cNvSpPr>
+          <p:cNvSpPr txBox="1"/>
           <p:nvPr>
-            <p:ph type="body" idx="1"/>
+            <p:ph idx="1" type="body"/>
           </p:nvPr>
         </p:nvSpPr>
         <p:spPr>
@@ -1481,12 +1292,12 @@
           </a:ln>
         </p:spPr>
         <p:txBody>
-          <a:bodyPr lIns="91425" tIns="91425" rIns="91425" bIns="91425" anchor="t" anchorCtr="0">
+          <a:bodyPr anchorCtr="0" anchor="t" bIns="91425" lIns="91425" rIns="91425" tIns="91425">
             <a:noAutofit/>
           </a:bodyPr>
           <a:lstStyle/>
           <a:p>
-            <a:pPr marL="0" marR="0" lvl="0" indent="0" algn="l" rtl="0">
+            <a:pPr indent="0" lvl="0" marL="0" marR="0" rtl="0" algn="l">
               <a:spcBef>
                 <a:spcPts val="0"/>
               </a:spcBef>
@@ -1497,7 +1308,10 @@
               <a:buFont typeface="Arial"/>
               <a:buNone/>
             </a:pPr>
-            <a:endParaRPr sz="1100" b="0" i="0" u="none" strike="noStrike" cap="none">
+            <a:r>
+              <a:t/>
+            </a:r>
+            <a:endParaRPr b="0" i="0" sz="1100" u="none" cap="none" strike="noStrike">
               <a:solidFill>
                 <a:schemeClr val="dk1"/>
               </a:solidFill>
@@ -1510,11 +1324,6 @@
         </p:txBody>
       </p:sp>
     </p:spTree>
-    <p:extLst>
-      <p:ext uri="{BB962C8B-B14F-4D97-AF65-F5344CB8AC3E}">
-        <p14:creationId xmlns:p14="http://schemas.microsoft.com/office/powerpoint/2010/main" val="21422624"/>
-      </p:ext>
-    </p:extLst>
   </p:cSld>
   <p:clrMapOvr>
     <a:masterClrMapping/>
@@ -1523,11 +1332,11 @@
 </file>
 
 <file path=ppt/notesSlides/notesSlide7.xml><?xml version="1.0" encoding="utf-8"?>
-<p:notes xmlns:a="http://schemas.openxmlformats.org/drawingml/2006/main" xmlns:r="http://schemas.openxmlformats.org/officeDocument/2006/relationships" xmlns:p="http://schemas.openxmlformats.org/presentationml/2006/main" showMasterSp="0" showMasterPhAnim="0">
+<p:notes xmlns:a="http://schemas.openxmlformats.org/drawingml/2006/main" xmlns:r="http://schemas.openxmlformats.org/officeDocument/2006/relationships" xmlns:mc="http://schemas.openxmlformats.org/markup-compatibility/2006" xmlns:mv="urn:schemas-microsoft-com:mac:vml" xmlns:p="http://schemas.openxmlformats.org/presentationml/2006/main" xmlns:c="http://schemas.openxmlformats.org/drawingml/2006/chart" xmlns:dgm="http://schemas.openxmlformats.org/drawingml/2006/diagram" xmlns:o="urn:schemas-microsoft-com:office:office" xmlns:v="urn:schemas-microsoft-com:vml" xmlns:pvml="urn:schemas-microsoft-com:office:powerpoint" xmlns:com="http://schemas.openxmlformats.org/drawingml/2006/compatibility" xmlns:p14="http://schemas.microsoft.com/office/powerpoint/2010/main" showMasterPhAnim="0" showMasterSp="0">
   <p:cSld>
     <p:spTree>
       <p:nvGrpSpPr>
-        <p:cNvPr id="1" name="Shape 116"/>
+        <p:cNvPr id="116" name="Shape 116"/>
         <p:cNvGrpSpPr/>
         <p:nvPr/>
       </p:nvGrpSpPr>
@@ -1542,11 +1351,9 @@
       <p:sp>
         <p:nvSpPr>
           <p:cNvPr id="117" name="Shape 117"/>
-          <p:cNvSpPr>
-            <a:spLocks noGrp="1" noRot="1" noChangeAspect="1"/>
-          </p:cNvSpPr>
+          <p:cNvSpPr/>
           <p:nvPr>
-            <p:ph type="sldImg" idx="2"/>
+            <p:ph idx="2" type="sldImg"/>
           </p:nvPr>
         </p:nvSpPr>
         <p:spPr>
@@ -1555,13 +1362,8 @@
             <a:ext cx="4572000" cy="3429000"/>
           </a:xfrm>
           <a:custGeom>
-            <a:avLst/>
-            <a:gdLst/>
-            <a:ahLst/>
-            <a:cxnLst/>
-            <a:rect l="0" t="0" r="0" b="0"/>
             <a:pathLst>
-              <a:path w="120000" h="120000" extrusionOk="0">
+              <a:path extrusionOk="0" h="120000" w="120000">
                 <a:moveTo>
                   <a:pt x="0" y="0"/>
                 </a:moveTo>
@@ -1579,25 +1381,23 @@
             </a:pathLst>
           </a:custGeom>
           <a:noFill/>
-          <a:ln w="9525" cap="flat" cmpd="sng">
+          <a:ln cap="flat" cmpd="sng" w="9525">
             <a:solidFill>
               <a:srgbClr val="000000"/>
             </a:solidFill>
             <a:prstDash val="solid"/>
             <a:round/>
-            <a:headEnd type="none" w="med" len="med"/>
-            <a:tailEnd type="none" w="med" len="med"/>
+            <a:headEnd len="med" w="med" type="none"/>
+            <a:tailEnd len="med" w="med" type="none"/>
           </a:ln>
         </p:spPr>
       </p:sp>
       <p:sp>
         <p:nvSpPr>
           <p:cNvPr id="118" name="Shape 118"/>
-          <p:cNvSpPr txBox="1">
-            <a:spLocks noGrp="1"/>
-          </p:cNvSpPr>
+          <p:cNvSpPr txBox="1"/>
           <p:nvPr>
-            <p:ph type="body" idx="1"/>
+            <p:ph idx="1" type="body"/>
           </p:nvPr>
         </p:nvSpPr>
         <p:spPr>
@@ -1614,12 +1414,12 @@
           </a:ln>
         </p:spPr>
         <p:txBody>
-          <a:bodyPr lIns="91425" tIns="91425" rIns="91425" bIns="91425" anchor="t" anchorCtr="0">
+          <a:bodyPr anchorCtr="0" anchor="t" bIns="91425" lIns="91425" rIns="91425" tIns="91425">
             <a:noAutofit/>
           </a:bodyPr>
           <a:lstStyle/>
           <a:p>
-            <a:pPr marL="0" marR="0" lvl="0" indent="0" algn="l" rtl="0">
+            <a:pPr indent="0" lvl="0" marL="0" marR="0" rtl="0" algn="l">
               <a:spcBef>
                 <a:spcPts val="0"/>
               </a:spcBef>
@@ -1630,7 +1430,10 @@
               <a:buFont typeface="Arial"/>
               <a:buNone/>
             </a:pPr>
-            <a:endParaRPr sz="1100" b="0" i="0" u="none" strike="noStrike" cap="none">
+            <a:r>
+              <a:t/>
+            </a:r>
+            <a:endParaRPr b="0" i="0" sz="1100" u="none" cap="none" strike="noStrike">
               <a:solidFill>
                 <a:schemeClr val="dk1"/>
               </a:solidFill>
@@ -1643,11 +1446,6 @@
         </p:txBody>
       </p:sp>
     </p:spTree>
-    <p:extLst>
-      <p:ext uri="{BB962C8B-B14F-4D97-AF65-F5344CB8AC3E}">
-        <p14:creationId xmlns:p14="http://schemas.microsoft.com/office/powerpoint/2010/main" val="1170287538"/>
-      </p:ext>
-    </p:extLst>
   </p:cSld>
   <p:clrMapOvr>
     <a:masterClrMapping/>
@@ -1656,11 +1454,11 @@
 </file>
 
 <file path=ppt/notesSlides/notesSlide8.xml><?xml version="1.0" encoding="utf-8"?>
-<p:notes xmlns:a="http://schemas.openxmlformats.org/drawingml/2006/main" xmlns:r="http://schemas.openxmlformats.org/officeDocument/2006/relationships" xmlns:p="http://schemas.openxmlformats.org/presentationml/2006/main" showMasterSp="0" showMasterPhAnim="0">
+<p:notes xmlns:a="http://schemas.openxmlformats.org/drawingml/2006/main" xmlns:r="http://schemas.openxmlformats.org/officeDocument/2006/relationships" xmlns:mc="http://schemas.openxmlformats.org/markup-compatibility/2006" xmlns:mv="urn:schemas-microsoft-com:mac:vml" xmlns:p="http://schemas.openxmlformats.org/presentationml/2006/main" xmlns:c="http://schemas.openxmlformats.org/drawingml/2006/chart" xmlns:dgm="http://schemas.openxmlformats.org/drawingml/2006/diagram" xmlns:o="urn:schemas-microsoft-com:office:office" xmlns:v="urn:schemas-microsoft-com:vml" xmlns:pvml="urn:schemas-microsoft-com:office:powerpoint" xmlns:com="http://schemas.openxmlformats.org/drawingml/2006/compatibility" xmlns:p14="http://schemas.microsoft.com/office/powerpoint/2010/main" showMasterPhAnim="0" showMasterSp="0">
   <p:cSld>
     <p:spTree>
       <p:nvGrpSpPr>
-        <p:cNvPr id="1" name="Shape 123"/>
+        <p:cNvPr id="123" name="Shape 123"/>
         <p:cNvGrpSpPr/>
         <p:nvPr/>
       </p:nvGrpSpPr>
@@ -1675,11 +1473,9 @@
       <p:sp>
         <p:nvSpPr>
           <p:cNvPr id="124" name="Shape 124"/>
-          <p:cNvSpPr>
-            <a:spLocks noGrp="1" noRot="1" noChangeAspect="1"/>
-          </p:cNvSpPr>
+          <p:cNvSpPr/>
           <p:nvPr>
-            <p:ph type="sldImg" idx="2"/>
+            <p:ph idx="2" type="sldImg"/>
           </p:nvPr>
         </p:nvSpPr>
         <p:spPr>
@@ -1688,13 +1484,8 @@
             <a:ext cx="4572000" cy="3429000"/>
           </a:xfrm>
           <a:custGeom>
-            <a:avLst/>
-            <a:gdLst/>
-            <a:ahLst/>
-            <a:cxnLst/>
-            <a:rect l="0" t="0" r="0" b="0"/>
             <a:pathLst>
-              <a:path w="120000" h="120000" extrusionOk="0">
+              <a:path extrusionOk="0" h="120000" w="120000">
                 <a:moveTo>
                   <a:pt x="0" y="0"/>
                 </a:moveTo>
@@ -1712,25 +1503,23 @@
             </a:pathLst>
           </a:custGeom>
           <a:noFill/>
-          <a:ln w="9525" cap="flat" cmpd="sng">
+          <a:ln cap="flat" cmpd="sng" w="9525">
             <a:solidFill>
               <a:srgbClr val="000000"/>
             </a:solidFill>
             <a:prstDash val="solid"/>
             <a:round/>
-            <a:headEnd type="none" w="med" len="med"/>
-            <a:tailEnd type="none" w="med" len="med"/>
+            <a:headEnd len="med" w="med" type="none"/>
+            <a:tailEnd len="med" w="med" type="none"/>
           </a:ln>
         </p:spPr>
       </p:sp>
       <p:sp>
         <p:nvSpPr>
           <p:cNvPr id="125" name="Shape 125"/>
-          <p:cNvSpPr txBox="1">
-            <a:spLocks noGrp="1"/>
-          </p:cNvSpPr>
+          <p:cNvSpPr txBox="1"/>
           <p:nvPr>
-            <p:ph type="body" idx="1"/>
+            <p:ph idx="1" type="body"/>
           </p:nvPr>
         </p:nvSpPr>
         <p:spPr>
@@ -1747,12 +1536,12 @@
           </a:ln>
         </p:spPr>
         <p:txBody>
-          <a:bodyPr lIns="91425" tIns="91425" rIns="91425" bIns="91425" anchor="t" anchorCtr="0">
+          <a:bodyPr anchorCtr="0" anchor="t" bIns="91425" lIns="91425" rIns="91425" tIns="91425">
             <a:noAutofit/>
           </a:bodyPr>
           <a:lstStyle/>
           <a:p>
-            <a:pPr marL="0" marR="0" lvl="0" indent="0" algn="l" rtl="0">
+            <a:pPr indent="0" lvl="0" marL="0" marR="0" rtl="0" algn="l">
               <a:spcBef>
                 <a:spcPts val="0"/>
               </a:spcBef>
@@ -1763,7 +1552,10 @@
               <a:buFont typeface="Arial"/>
               <a:buNone/>
             </a:pPr>
-            <a:endParaRPr sz="1100" b="0" i="0" u="none" strike="noStrike" cap="none">
+            <a:r>
+              <a:t/>
+            </a:r>
+            <a:endParaRPr b="0" i="0" sz="1100" u="none" cap="none" strike="noStrike">
               <a:solidFill>
                 <a:schemeClr val="dk1"/>
               </a:solidFill>
@@ -1776,11 +1568,6 @@
         </p:txBody>
       </p:sp>
     </p:spTree>
-    <p:extLst>
-      <p:ext uri="{BB962C8B-B14F-4D97-AF65-F5344CB8AC3E}">
-        <p14:creationId xmlns:p14="http://schemas.microsoft.com/office/powerpoint/2010/main" val="1340983242"/>
-      </p:ext>
-    </p:extLst>
   </p:cSld>
   <p:clrMapOvr>
     <a:masterClrMapping/>
@@ -1789,11 +1576,11 @@
 </file>
 
 <file path=ppt/notesSlides/notesSlide9.xml><?xml version="1.0" encoding="utf-8"?>
-<p:notes xmlns:a="http://schemas.openxmlformats.org/drawingml/2006/main" xmlns:r="http://schemas.openxmlformats.org/officeDocument/2006/relationships" xmlns:p="http://schemas.openxmlformats.org/presentationml/2006/main" showMasterSp="0" showMasterPhAnim="0">
+<p:notes xmlns:a="http://schemas.openxmlformats.org/drawingml/2006/main" xmlns:r="http://schemas.openxmlformats.org/officeDocument/2006/relationships" xmlns:mc="http://schemas.openxmlformats.org/markup-compatibility/2006" xmlns:mv="urn:schemas-microsoft-com:mac:vml" xmlns:p="http://schemas.openxmlformats.org/presentationml/2006/main" xmlns:c="http://schemas.openxmlformats.org/drawingml/2006/chart" xmlns:dgm="http://schemas.openxmlformats.org/drawingml/2006/diagram" xmlns:o="urn:schemas-microsoft-com:office:office" xmlns:v="urn:schemas-microsoft-com:vml" xmlns:pvml="urn:schemas-microsoft-com:office:powerpoint" xmlns:com="http://schemas.openxmlformats.org/drawingml/2006/compatibility" xmlns:p14="http://schemas.microsoft.com/office/powerpoint/2010/main" showMasterPhAnim="0" showMasterSp="0">
   <p:cSld>
     <p:spTree>
       <p:nvGrpSpPr>
-        <p:cNvPr id="1" name="Shape 130"/>
+        <p:cNvPr id="130" name="Shape 130"/>
         <p:cNvGrpSpPr/>
         <p:nvPr/>
       </p:nvGrpSpPr>
@@ -1808,11 +1595,9 @@
       <p:sp>
         <p:nvSpPr>
           <p:cNvPr id="131" name="Shape 131"/>
-          <p:cNvSpPr>
-            <a:spLocks noGrp="1" noRot="1" noChangeAspect="1"/>
-          </p:cNvSpPr>
+          <p:cNvSpPr/>
           <p:nvPr>
-            <p:ph type="sldImg" idx="2"/>
+            <p:ph idx="2" type="sldImg"/>
           </p:nvPr>
         </p:nvSpPr>
         <p:spPr>
@@ -1821,13 +1606,8 @@
             <a:ext cx="4572000" cy="3429000"/>
           </a:xfrm>
           <a:custGeom>
-            <a:avLst/>
-            <a:gdLst/>
-            <a:ahLst/>
-            <a:cxnLst/>
-            <a:rect l="0" t="0" r="0" b="0"/>
             <a:pathLst>
-              <a:path w="120000" h="120000" extrusionOk="0">
+              <a:path extrusionOk="0" h="120000" w="120000">
                 <a:moveTo>
                   <a:pt x="0" y="0"/>
                 </a:moveTo>
@@ -1845,25 +1625,23 @@
             </a:pathLst>
           </a:custGeom>
           <a:noFill/>
-          <a:ln w="9525" cap="flat" cmpd="sng">
+          <a:ln cap="flat" cmpd="sng" w="9525">
             <a:solidFill>
               <a:srgbClr val="000000"/>
             </a:solidFill>
             <a:prstDash val="solid"/>
             <a:round/>
-            <a:headEnd type="none" w="med" len="med"/>
-            <a:tailEnd type="none" w="med" len="med"/>
+            <a:headEnd len="med" w="med" type="none"/>
+            <a:tailEnd len="med" w="med" type="none"/>
           </a:ln>
         </p:spPr>
       </p:sp>
       <p:sp>
         <p:nvSpPr>
           <p:cNvPr id="132" name="Shape 132"/>
-          <p:cNvSpPr txBox="1">
-            <a:spLocks noGrp="1"/>
-          </p:cNvSpPr>
+          <p:cNvSpPr txBox="1"/>
           <p:nvPr>
-            <p:ph type="body" idx="1"/>
+            <p:ph idx="1" type="body"/>
           </p:nvPr>
         </p:nvSpPr>
         <p:spPr>
@@ -1880,12 +1658,12 @@
           </a:ln>
         </p:spPr>
         <p:txBody>
-          <a:bodyPr lIns="91425" tIns="91425" rIns="91425" bIns="91425" anchor="t" anchorCtr="0">
+          <a:bodyPr anchorCtr="0" anchor="t" bIns="91425" lIns="91425" rIns="91425" tIns="91425">
             <a:noAutofit/>
           </a:bodyPr>
           <a:lstStyle/>
           <a:p>
-            <a:pPr marL="0" marR="0" lvl="0" indent="0" algn="l" rtl="0">
+            <a:pPr indent="0" lvl="0" marL="0" marR="0" rtl="0" algn="l">
               <a:spcBef>
                 <a:spcPts val="0"/>
               </a:spcBef>
@@ -1896,7 +1674,10 @@
               <a:buFont typeface="Arial"/>
               <a:buNone/>
             </a:pPr>
-            <a:endParaRPr sz="1100" b="0" i="0" u="none" strike="noStrike" cap="none">
+            <a:r>
+              <a:t/>
+            </a:r>
+            <a:endParaRPr b="0" i="0" sz="1100" u="none" cap="none" strike="noStrike">
               <a:solidFill>
                 <a:schemeClr val="dk1"/>
               </a:solidFill>
@@ -1909,11 +1690,6 @@
         </p:txBody>
       </p:sp>
     </p:spTree>
-    <p:extLst>
-      <p:ext uri="{BB962C8B-B14F-4D97-AF65-F5344CB8AC3E}">
-        <p14:creationId xmlns:p14="http://schemas.microsoft.com/office/powerpoint/2010/main" val="167311145"/>
-      </p:ext>
-    </p:extLst>
   </p:cSld>
   <p:clrMapOvr>
     <a:masterClrMapping/>
@@ -1922,7 +1698,7 @@
 </file>
 
 <file path=ppt/slideLayouts/slideLayout1.xml><?xml version="1.0" encoding="utf-8"?>
-<p:sldLayout xmlns:a="http://schemas.openxmlformats.org/drawingml/2006/main" xmlns:r="http://schemas.openxmlformats.org/officeDocument/2006/relationships" xmlns:p="http://schemas.openxmlformats.org/presentationml/2006/main" type="title">
+<p:sldLayout xmlns:a="http://schemas.openxmlformats.org/drawingml/2006/main" xmlns:r="http://schemas.openxmlformats.org/officeDocument/2006/relationships" xmlns:mc="http://schemas.openxmlformats.org/markup-compatibility/2006" xmlns:mv="urn:schemas-microsoft-com:mac:vml" xmlns:p="http://schemas.openxmlformats.org/presentationml/2006/main" xmlns:c="http://schemas.openxmlformats.org/drawingml/2006/chart" xmlns:dgm="http://schemas.openxmlformats.org/drawingml/2006/diagram" xmlns:o="urn:schemas-microsoft-com:office:office" xmlns:v="urn:schemas-microsoft-com:vml" xmlns:pvml="urn:schemas-microsoft-com:office:powerpoint" xmlns:com="http://schemas.openxmlformats.org/drawingml/2006/compatibility" xmlns:p14="http://schemas.microsoft.com/office/powerpoint/2010/main" type="title">
   <p:cSld name="Title">
     <p:bg>
       <p:bgPr>
@@ -1931,15 +1707,14 @@
             <a:alphaModFix/>
           </a:blip>
           <a:stretch>
-            <a:fillRect/>
+            <a:fillRect b="0" l="0" r="0" t="0"/>
           </a:stretch>
         </a:blipFill>
-        <a:effectLst/>
       </p:bgPr>
     </p:bg>
     <p:spTree>
       <p:nvGrpSpPr>
-        <p:cNvPr id="1" name="Shape 8"/>
+        <p:cNvPr id="8" name="Shape 8"/>
         <p:cNvGrpSpPr/>
         <p:nvPr/>
       </p:nvGrpSpPr>
@@ -1954,9 +1729,7 @@
       <p:sp>
         <p:nvSpPr>
           <p:cNvPr id="9" name="Shape 9"/>
-          <p:cNvSpPr txBox="1">
-            <a:spLocks noGrp="1"/>
-          </p:cNvSpPr>
+          <p:cNvSpPr txBox="1"/>
           <p:nvPr>
             <p:ph type="ctrTitle"/>
           </p:nvPr>
@@ -1975,9 +1748,9 @@
           </a:ln>
         </p:spPr>
         <p:txBody>
-          <a:bodyPr lIns="91425" tIns="91425" rIns="91425" bIns="91425" anchor="t" anchorCtr="0"/>
+          <a:bodyPr anchorCtr="0" anchor="t" bIns="91425" lIns="91425" rIns="91425" tIns="91425"/>
           <a:lstStyle>
-            <a:lvl1pPr marL="0" marR="0" lvl="0" indent="0" algn="l" rtl="0">
+            <a:lvl1pPr indent="0" lvl="0" marL="0" marR="0" rtl="0" algn="l">
               <a:lnSpc>
                 <a:spcPct val="100000"/>
               </a:lnSpc>
@@ -1992,7 +1765,7 @@
               </a:buClr>
               <a:buFont typeface="Roboto Slab"/>
               <a:buNone/>
-              <a:defRPr sz="6000" b="1" i="0" u="none" strike="noStrike" cap="none">
+              <a:defRPr b="1" i="0" sz="6000" u="none" cap="none" strike="noStrike">
                 <a:solidFill>
                   <a:srgbClr val="0091EA"/>
                 </a:solidFill>
@@ -2002,7 +1775,7 @@
                 <a:sym typeface="Roboto Slab"/>
               </a:defRPr>
             </a:lvl1pPr>
-            <a:lvl2pPr lvl="1" indent="0">
+            <a:lvl2pPr indent="0" lvl="1">
               <a:spcBef>
                 <a:spcPts val="0"/>
               </a:spcBef>
@@ -2011,7 +1784,7 @@
               </a:buClr>
               <a:buFont typeface="Roboto Slab"/>
               <a:buNone/>
-              <a:defRPr sz="6000" b="1">
+              <a:defRPr b="1" sz="6000">
                 <a:solidFill>
                   <a:srgbClr val="0091EA"/>
                 </a:solidFill>
@@ -2021,7 +1794,7 @@
                 <a:sym typeface="Roboto Slab"/>
               </a:defRPr>
             </a:lvl2pPr>
-            <a:lvl3pPr lvl="2" indent="0">
+            <a:lvl3pPr indent="0" lvl="2">
               <a:spcBef>
                 <a:spcPts val="0"/>
               </a:spcBef>
@@ -2030,7 +1803,7 @@
               </a:buClr>
               <a:buFont typeface="Roboto Slab"/>
               <a:buNone/>
-              <a:defRPr sz="6000" b="1">
+              <a:defRPr b="1" sz="6000">
                 <a:solidFill>
                   <a:srgbClr val="0091EA"/>
                 </a:solidFill>
@@ -2040,7 +1813,7 @@
                 <a:sym typeface="Roboto Slab"/>
               </a:defRPr>
             </a:lvl3pPr>
-            <a:lvl4pPr lvl="3" indent="0">
+            <a:lvl4pPr indent="0" lvl="3">
               <a:spcBef>
                 <a:spcPts val="0"/>
               </a:spcBef>
@@ -2049,7 +1822,7 @@
               </a:buClr>
               <a:buFont typeface="Roboto Slab"/>
               <a:buNone/>
-              <a:defRPr sz="6000" b="1">
+              <a:defRPr b="1" sz="6000">
                 <a:solidFill>
                   <a:srgbClr val="0091EA"/>
                 </a:solidFill>
@@ -2059,7 +1832,7 @@
                 <a:sym typeface="Roboto Slab"/>
               </a:defRPr>
             </a:lvl4pPr>
-            <a:lvl5pPr lvl="4" indent="0">
+            <a:lvl5pPr indent="0" lvl="4">
               <a:spcBef>
                 <a:spcPts val="0"/>
               </a:spcBef>
@@ -2068,7 +1841,7 @@
               </a:buClr>
               <a:buFont typeface="Roboto Slab"/>
               <a:buNone/>
-              <a:defRPr sz="6000" b="1">
+              <a:defRPr b="1" sz="6000">
                 <a:solidFill>
                   <a:srgbClr val="0091EA"/>
                 </a:solidFill>
@@ -2078,7 +1851,7 @@
                 <a:sym typeface="Roboto Slab"/>
               </a:defRPr>
             </a:lvl5pPr>
-            <a:lvl6pPr lvl="5" indent="0">
+            <a:lvl6pPr indent="0" lvl="5">
               <a:spcBef>
                 <a:spcPts val="0"/>
               </a:spcBef>
@@ -2087,7 +1860,7 @@
               </a:buClr>
               <a:buFont typeface="Roboto Slab"/>
               <a:buNone/>
-              <a:defRPr sz="6000" b="1">
+              <a:defRPr b="1" sz="6000">
                 <a:solidFill>
                   <a:srgbClr val="0091EA"/>
                 </a:solidFill>
@@ -2097,7 +1870,7 @@
                 <a:sym typeface="Roboto Slab"/>
               </a:defRPr>
             </a:lvl6pPr>
-            <a:lvl7pPr lvl="6" indent="0">
+            <a:lvl7pPr indent="0" lvl="6">
               <a:spcBef>
                 <a:spcPts val="0"/>
               </a:spcBef>
@@ -2106,7 +1879,7 @@
               </a:buClr>
               <a:buFont typeface="Roboto Slab"/>
               <a:buNone/>
-              <a:defRPr sz="6000" b="1">
+              <a:defRPr b="1" sz="6000">
                 <a:solidFill>
                   <a:srgbClr val="0091EA"/>
                 </a:solidFill>
@@ -2116,7 +1889,7 @@
                 <a:sym typeface="Roboto Slab"/>
               </a:defRPr>
             </a:lvl7pPr>
-            <a:lvl8pPr lvl="7" indent="0">
+            <a:lvl8pPr indent="0" lvl="7">
               <a:spcBef>
                 <a:spcPts val="0"/>
               </a:spcBef>
@@ -2125,7 +1898,7 @@
               </a:buClr>
               <a:buFont typeface="Roboto Slab"/>
               <a:buNone/>
-              <a:defRPr sz="6000" b="1">
+              <a:defRPr b="1" sz="6000">
                 <a:solidFill>
                   <a:srgbClr val="0091EA"/>
                 </a:solidFill>
@@ -2135,7 +1908,7 @@
                 <a:sym typeface="Roboto Slab"/>
               </a:defRPr>
             </a:lvl8pPr>
-            <a:lvl9pPr lvl="8" indent="0">
+            <a:lvl9pPr indent="0" lvl="8">
               <a:spcBef>
                 <a:spcPts val="0"/>
               </a:spcBef>
@@ -2144,7 +1917,7 @@
               </a:buClr>
               <a:buFont typeface="Roboto Slab"/>
               <a:buNone/>
-              <a:defRPr sz="6000" b="1">
+              <a:defRPr b="1" sz="6000">
                 <a:solidFill>
                   <a:srgbClr val="0091EA"/>
                 </a:solidFill>
@@ -2155,9 +1928,7 @@
               </a:defRPr>
             </a:lvl9pPr>
           </a:lstStyle>
-          <a:p>
-            <a:endParaRPr/>
-          </a:p>
+          <a:p/>
         </p:txBody>
       </p:sp>
       <p:sp>
@@ -2182,12 +1953,12 @@
           </a:ln>
         </p:spPr>
         <p:txBody>
-          <a:bodyPr lIns="91425" tIns="91425" rIns="91425" bIns="91425" anchor="ctr" anchorCtr="0">
+          <a:bodyPr anchorCtr="0" anchor="ctr" bIns="91425" lIns="91425" rIns="91425" tIns="91425">
             <a:noAutofit/>
           </a:bodyPr>
           <a:lstStyle/>
           <a:p>
-            <a:pPr marL="0" marR="0" lvl="0" indent="0" algn="l" rtl="0">
+            <a:pPr indent="0" lvl="0" marL="0" marR="0" rtl="0" algn="l">
               <a:lnSpc>
                 <a:spcPct val="100000"/>
               </a:lnSpc>
@@ -2203,7 +1974,10 @@
               <a:buFont typeface="Arial"/>
               <a:buNone/>
             </a:pPr>
-            <a:endParaRPr sz="1400" b="0" i="0" u="none" strike="noStrike" cap="none">
+            <a:r>
+              <a:t/>
+            </a:r>
+            <a:endParaRPr b="0" i="0" sz="1400" u="none" cap="none" strike="noStrike">
               <a:solidFill>
                 <a:srgbClr val="000000"/>
               </a:solidFill>
@@ -2237,12 +2011,12 @@
           </a:ln>
         </p:spPr>
         <p:txBody>
-          <a:bodyPr lIns="91425" tIns="91425" rIns="91425" bIns="91425" anchor="ctr" anchorCtr="0">
+          <a:bodyPr anchorCtr="0" anchor="ctr" bIns="91425" lIns="91425" rIns="91425" tIns="91425">
             <a:noAutofit/>
           </a:bodyPr>
           <a:lstStyle/>
           <a:p>
-            <a:pPr marL="0" marR="0" lvl="0" indent="0" algn="l" rtl="0">
+            <a:pPr indent="0" lvl="0" marL="0" marR="0" rtl="0" algn="l">
               <a:lnSpc>
                 <a:spcPct val="100000"/>
               </a:lnSpc>
@@ -2258,7 +2032,10 @@
               <a:buFont typeface="Arial"/>
               <a:buNone/>
             </a:pPr>
-            <a:endParaRPr sz="1400" b="0" i="0" u="none" strike="noStrike" cap="none">
+            <a:r>
+              <a:t/>
+            </a:r>
+            <a:endParaRPr b="0" i="0" sz="1400" u="none" cap="none" strike="noStrike">
               <a:solidFill>
                 <a:srgbClr val="000000"/>
               </a:solidFill>
@@ -2292,12 +2069,12 @@
           </a:ln>
         </p:spPr>
         <p:txBody>
-          <a:bodyPr lIns="91425" tIns="91425" rIns="91425" bIns="91425" anchor="ctr" anchorCtr="0">
+          <a:bodyPr anchorCtr="0" anchor="ctr" bIns="91425" lIns="91425" rIns="91425" tIns="91425">
             <a:noAutofit/>
           </a:bodyPr>
           <a:lstStyle/>
           <a:p>
-            <a:pPr marL="0" marR="0" lvl="0" indent="0" algn="l" rtl="0">
+            <a:pPr indent="0" lvl="0" marL="0" marR="0" rtl="0" algn="l">
               <a:lnSpc>
                 <a:spcPct val="100000"/>
               </a:lnSpc>
@@ -2313,7 +2090,10 @@
               <a:buFont typeface="Arial"/>
               <a:buNone/>
             </a:pPr>
-            <a:endParaRPr sz="1400" b="0" i="0" u="none" strike="noStrike" cap="none">
+            <a:r>
+              <a:t/>
+            </a:r>
+            <a:endParaRPr b="0" i="0" sz="1400" u="none" cap="none" strike="noStrike">
               <a:solidFill>
                 <a:srgbClr val="000000"/>
               </a:solidFill>
@@ -2347,12 +2127,12 @@
           </a:ln>
         </p:spPr>
         <p:txBody>
-          <a:bodyPr lIns="91425" tIns="91425" rIns="91425" bIns="91425" anchor="ctr" anchorCtr="0">
+          <a:bodyPr anchorCtr="0" anchor="ctr" bIns="91425" lIns="91425" rIns="91425" tIns="91425">
             <a:noAutofit/>
           </a:bodyPr>
           <a:lstStyle/>
           <a:p>
-            <a:pPr marL="0" marR="0" lvl="0" indent="0" algn="l" rtl="0">
+            <a:pPr indent="0" lvl="0" marL="0" marR="0" rtl="0" algn="l">
               <a:lnSpc>
                 <a:spcPct val="100000"/>
               </a:lnSpc>
@@ -2368,7 +2148,10 @@
               <a:buFont typeface="Arial"/>
               <a:buNone/>
             </a:pPr>
-            <a:endParaRPr sz="1400" b="0" i="0" u="none" strike="noStrike" cap="none">
+            <a:r>
+              <a:t/>
+            </a:r>
+            <a:endParaRPr b="0" i="0" sz="1400" u="none" cap="none" strike="noStrike">
               <a:solidFill>
                 <a:srgbClr val="000000"/>
               </a:solidFill>
@@ -2402,12 +2185,12 @@
           </a:ln>
         </p:spPr>
         <p:txBody>
-          <a:bodyPr lIns="91425" tIns="91425" rIns="91425" bIns="91425" anchor="ctr" anchorCtr="0">
+          <a:bodyPr anchorCtr="0" anchor="ctr" bIns="91425" lIns="91425" rIns="91425" tIns="91425">
             <a:noAutofit/>
           </a:bodyPr>
           <a:lstStyle/>
           <a:p>
-            <a:pPr marL="0" marR="0" lvl="0" indent="0" algn="l" rtl="0">
+            <a:pPr indent="0" lvl="0" marL="0" marR="0" rtl="0" algn="l">
               <a:lnSpc>
                 <a:spcPct val="100000"/>
               </a:lnSpc>
@@ -2423,7 +2206,10 @@
               <a:buFont typeface="Arial"/>
               <a:buNone/>
             </a:pPr>
-            <a:endParaRPr sz="1400" b="0" i="0" u="none" strike="noStrike" cap="none">
+            <a:r>
+              <a:t/>
+            </a:r>
+            <a:endParaRPr b="0" i="0" sz="1400" u="none" cap="none" strike="noStrike">
               <a:solidFill>
                 <a:srgbClr val="000000"/>
               </a:solidFill>
@@ -2457,12 +2243,12 @@
           </a:ln>
         </p:spPr>
         <p:txBody>
-          <a:bodyPr lIns="91425" tIns="91425" rIns="91425" bIns="91425" anchor="ctr" anchorCtr="0">
+          <a:bodyPr anchorCtr="0" anchor="ctr" bIns="91425" lIns="91425" rIns="91425" tIns="91425">
             <a:noAutofit/>
           </a:bodyPr>
           <a:lstStyle/>
           <a:p>
-            <a:pPr marL="0" marR="0" lvl="0" indent="0" algn="l" rtl="0">
+            <a:pPr indent="0" lvl="0" marL="0" marR="0" rtl="0" algn="l">
               <a:lnSpc>
                 <a:spcPct val="100000"/>
               </a:lnSpc>
@@ -2478,7 +2264,10 @@
               <a:buFont typeface="Arial"/>
               <a:buNone/>
             </a:pPr>
-            <a:endParaRPr sz="1400" b="0" i="0" u="none" strike="noStrike" cap="none">
+            <a:r>
+              <a:t/>
+            </a:r>
+            <a:endParaRPr b="0" i="0" sz="1400" u="none" cap="none" strike="noStrike">
               <a:solidFill>
                 <a:srgbClr val="000000"/>
               </a:solidFill>
@@ -2512,12 +2301,12 @@
           </a:ln>
         </p:spPr>
         <p:txBody>
-          <a:bodyPr lIns="91425" tIns="91425" rIns="91425" bIns="91425" anchor="ctr" anchorCtr="0">
+          <a:bodyPr anchorCtr="0" anchor="ctr" bIns="91425" lIns="91425" rIns="91425" tIns="91425">
             <a:noAutofit/>
           </a:bodyPr>
           <a:lstStyle/>
           <a:p>
-            <a:pPr marL="0" marR="0" lvl="0" indent="0" algn="l" rtl="0">
+            <a:pPr indent="0" lvl="0" marL="0" marR="0" rtl="0" algn="l">
               <a:lnSpc>
                 <a:spcPct val="100000"/>
               </a:lnSpc>
@@ -2533,7 +2322,10 @@
               <a:buFont typeface="Arial"/>
               <a:buNone/>
             </a:pPr>
-            <a:endParaRPr sz="1400" b="0" i="0" u="none" strike="noStrike" cap="none">
+            <a:r>
+              <a:t/>
+            </a:r>
+            <a:endParaRPr b="0" i="0" sz="1400" u="none" cap="none" strike="noStrike">
               <a:solidFill>
                 <a:srgbClr val="000000"/>
               </a:solidFill>
@@ -2560,23 +2352,23 @@
             <a:avLst/>
           </a:prstGeom>
           <a:noFill/>
-          <a:ln w="19050" cap="flat" cmpd="sng">
+          <a:ln cap="flat" cmpd="sng" w="19050">
             <a:solidFill>
               <a:srgbClr val="0091EA"/>
             </a:solidFill>
             <a:prstDash val="solid"/>
             <a:round/>
-            <a:headEnd type="none" w="med" len="med"/>
-            <a:tailEnd type="none" w="med" len="med"/>
+            <a:headEnd len="med" w="med" type="none"/>
+            <a:tailEnd len="med" w="med" type="none"/>
           </a:ln>
         </p:spPr>
         <p:txBody>
-          <a:bodyPr lIns="91425" tIns="91425" rIns="91425" bIns="91425" anchor="ctr" anchorCtr="0">
+          <a:bodyPr anchorCtr="0" anchor="ctr" bIns="91425" lIns="91425" rIns="91425" tIns="91425">
             <a:noAutofit/>
           </a:bodyPr>
           <a:lstStyle/>
           <a:p>
-            <a:pPr marL="0" marR="0" lvl="0" indent="0" algn="l" rtl="0">
+            <a:pPr indent="0" lvl="0" marL="0" marR="0" rtl="0" algn="l">
               <a:lnSpc>
                 <a:spcPct val="100000"/>
               </a:lnSpc>
@@ -2592,7 +2384,10 @@
               <a:buFont typeface="Arial"/>
               <a:buNone/>
             </a:pPr>
-            <a:endParaRPr sz="1400" b="0" i="0" u="none" strike="noStrike" cap="none">
+            <a:r>
+              <a:t/>
+            </a:r>
+            <a:endParaRPr b="0" i="0" sz="1400" u="none" cap="none" strike="noStrike">
               <a:solidFill>
                 <a:srgbClr val="000000"/>
               </a:solidFill>
@@ -2619,23 +2414,23 @@
             <a:avLst/>
           </a:prstGeom>
           <a:noFill/>
-          <a:ln w="19050" cap="flat" cmpd="sng">
+          <a:ln cap="flat" cmpd="sng" w="19050">
             <a:solidFill>
               <a:srgbClr val="0091EA"/>
             </a:solidFill>
             <a:prstDash val="solid"/>
             <a:round/>
-            <a:headEnd type="none" w="med" len="med"/>
-            <a:tailEnd type="none" w="med" len="med"/>
+            <a:headEnd len="med" w="med" type="none"/>
+            <a:tailEnd len="med" w="med" type="none"/>
           </a:ln>
         </p:spPr>
         <p:txBody>
-          <a:bodyPr lIns="91425" tIns="91425" rIns="91425" bIns="91425" anchor="ctr" anchorCtr="0">
+          <a:bodyPr anchorCtr="0" anchor="ctr" bIns="91425" lIns="91425" rIns="91425" tIns="91425">
             <a:noAutofit/>
           </a:bodyPr>
           <a:lstStyle/>
           <a:p>
-            <a:pPr marL="0" marR="0" lvl="0" indent="0" algn="l" rtl="0">
+            <a:pPr indent="0" lvl="0" marL="0" marR="0" rtl="0" algn="l">
               <a:lnSpc>
                 <a:spcPct val="100000"/>
               </a:lnSpc>
@@ -2651,7 +2446,10 @@
               <a:buFont typeface="Arial"/>
               <a:buNone/>
             </a:pPr>
-            <a:endParaRPr sz="1400" b="0" i="0" u="none" strike="noStrike" cap="none">
+            <a:r>
+              <a:t/>
+            </a:r>
+            <a:endParaRPr b="0" i="0" sz="1400" u="none" cap="none" strike="noStrike">
               <a:solidFill>
                 <a:srgbClr val="000000"/>
               </a:solidFill>
@@ -2678,23 +2476,23 @@
             <a:avLst/>
           </a:prstGeom>
           <a:noFill/>
-          <a:ln w="19050" cap="flat" cmpd="sng">
+          <a:ln cap="flat" cmpd="sng" w="19050">
             <a:solidFill>
               <a:srgbClr val="0091EA"/>
             </a:solidFill>
             <a:prstDash val="solid"/>
             <a:round/>
-            <a:headEnd type="none" w="med" len="med"/>
-            <a:tailEnd type="none" w="med" len="med"/>
+            <a:headEnd len="med" w="med" type="none"/>
+            <a:tailEnd len="med" w="med" type="none"/>
           </a:ln>
         </p:spPr>
         <p:txBody>
-          <a:bodyPr lIns="91425" tIns="91425" rIns="91425" bIns="91425" anchor="ctr" anchorCtr="0">
+          <a:bodyPr anchorCtr="0" anchor="ctr" bIns="91425" lIns="91425" rIns="91425" tIns="91425">
             <a:noAutofit/>
           </a:bodyPr>
           <a:lstStyle/>
           <a:p>
-            <a:pPr marL="0" marR="0" lvl="0" indent="0" algn="l" rtl="0">
+            <a:pPr indent="0" lvl="0" marL="0" marR="0" rtl="0" algn="l">
               <a:lnSpc>
                 <a:spcPct val="100000"/>
               </a:lnSpc>
@@ -2710,7 +2508,10 @@
               <a:buFont typeface="Arial"/>
               <a:buNone/>
             </a:pPr>
-            <a:endParaRPr sz="1400" b="0" i="0" u="none" strike="noStrike" cap="none">
+            <a:r>
+              <a:t/>
+            </a:r>
+            <a:endParaRPr b="0" i="0" sz="1400" u="none" cap="none" strike="noStrike">
               <a:solidFill>
                 <a:srgbClr val="000000"/>
               </a:solidFill>
@@ -2744,12 +2545,12 @@
           </a:ln>
         </p:spPr>
         <p:txBody>
-          <a:bodyPr lIns="91425" tIns="91425" rIns="91425" bIns="91425" anchor="ctr" anchorCtr="0">
+          <a:bodyPr anchorCtr="0" anchor="ctr" bIns="91425" lIns="91425" rIns="91425" tIns="91425">
             <a:noAutofit/>
           </a:bodyPr>
           <a:lstStyle/>
           <a:p>
-            <a:pPr marL="0" marR="0" lvl="0" indent="0" algn="l" rtl="0">
+            <a:pPr indent="0" lvl="0" marL="0" marR="0" rtl="0" algn="l">
               <a:lnSpc>
                 <a:spcPct val="100000"/>
               </a:lnSpc>
@@ -2765,7 +2566,10 @@
               <a:buFont typeface="Arial"/>
               <a:buNone/>
             </a:pPr>
-            <a:endParaRPr sz="1400" b="0" i="0" u="none" strike="noStrike" cap="none">
+            <a:r>
+              <a:t/>
+            </a:r>
+            <a:endParaRPr b="0" i="0" sz="1400" u="none" cap="none" strike="noStrike">
               <a:solidFill>
                 <a:srgbClr val="000000"/>
               </a:solidFill>
@@ -2792,23 +2596,23 @@
             <a:avLst/>
           </a:prstGeom>
           <a:noFill/>
-          <a:ln w="19050" cap="flat" cmpd="sng">
+          <a:ln cap="flat" cmpd="sng" w="19050">
             <a:solidFill>
               <a:srgbClr val="0091EA"/>
             </a:solidFill>
             <a:prstDash val="solid"/>
             <a:round/>
-            <a:headEnd type="none" w="med" len="med"/>
-            <a:tailEnd type="none" w="med" len="med"/>
+            <a:headEnd len="med" w="med" type="none"/>
+            <a:tailEnd len="med" w="med" type="none"/>
           </a:ln>
         </p:spPr>
         <p:txBody>
-          <a:bodyPr lIns="91425" tIns="91425" rIns="91425" bIns="91425" anchor="ctr" anchorCtr="0">
+          <a:bodyPr anchorCtr="0" anchor="ctr" bIns="91425" lIns="91425" rIns="91425" tIns="91425">
             <a:noAutofit/>
           </a:bodyPr>
           <a:lstStyle/>
           <a:p>
-            <a:pPr marL="0" marR="0" lvl="0" indent="0" algn="l" rtl="0">
+            <a:pPr indent="0" lvl="0" marL="0" marR="0" rtl="0" algn="l">
               <a:lnSpc>
                 <a:spcPct val="100000"/>
               </a:lnSpc>
@@ -2824,7 +2628,10 @@
               <a:buFont typeface="Arial"/>
               <a:buNone/>
             </a:pPr>
-            <a:endParaRPr sz="1400" b="0" i="0" u="none" strike="noStrike" cap="none">
+            <a:r>
+              <a:t/>
+            </a:r>
+            <a:endParaRPr b="0" i="0" sz="1400" u="none" cap="none" strike="noStrike">
               <a:solidFill>
                 <a:srgbClr val="000000"/>
               </a:solidFill>
@@ -2858,12 +2665,12 @@
           </a:ln>
         </p:spPr>
         <p:txBody>
-          <a:bodyPr lIns="91425" tIns="91425" rIns="91425" bIns="91425" anchor="ctr" anchorCtr="0">
+          <a:bodyPr anchorCtr="0" anchor="ctr" bIns="91425" lIns="91425" rIns="91425" tIns="91425">
             <a:noAutofit/>
           </a:bodyPr>
           <a:lstStyle/>
           <a:p>
-            <a:pPr marL="0" marR="0" lvl="0" indent="0" algn="l" rtl="0">
+            <a:pPr indent="0" lvl="0" marL="0" marR="0" rtl="0" algn="l">
               <a:lnSpc>
                 <a:spcPct val="100000"/>
               </a:lnSpc>
@@ -2879,7 +2686,10 @@
               <a:buFont typeface="Arial"/>
               <a:buNone/>
             </a:pPr>
-            <a:endParaRPr sz="1400" b="0" i="0" u="none" strike="noStrike" cap="none">
+            <a:r>
+              <a:t/>
+            </a:r>
+            <a:endParaRPr b="0" i="0" sz="1400" u="none" cap="none" strike="noStrike">
               <a:solidFill>
                 <a:srgbClr val="000000"/>
               </a:solidFill>
@@ -2913,12 +2723,12 @@
           </a:ln>
         </p:spPr>
         <p:txBody>
-          <a:bodyPr lIns="91425" tIns="91425" rIns="91425" bIns="91425" anchor="ctr" anchorCtr="0">
+          <a:bodyPr anchorCtr="0" anchor="ctr" bIns="91425" lIns="91425" rIns="91425" tIns="91425">
             <a:noAutofit/>
           </a:bodyPr>
           <a:lstStyle/>
           <a:p>
-            <a:pPr marL="0" marR="0" lvl="0" indent="0" algn="l" rtl="0">
+            <a:pPr indent="0" lvl="0" marL="0" marR="0" rtl="0" algn="l">
               <a:lnSpc>
                 <a:spcPct val="100000"/>
               </a:lnSpc>
@@ -2934,7 +2744,10 @@
               <a:buFont typeface="Arial"/>
               <a:buNone/>
             </a:pPr>
-            <a:endParaRPr sz="1400" b="0" i="0" u="none" strike="noStrike" cap="none">
+            <a:r>
+              <a:t/>
+            </a:r>
+            <a:endParaRPr b="0" i="0" sz="1400" u="none" cap="none" strike="noStrike">
               <a:solidFill>
                 <a:srgbClr val="000000"/>
               </a:solidFill>
@@ -2961,23 +2774,23 @@
             <a:avLst/>
           </a:prstGeom>
           <a:noFill/>
-          <a:ln w="19050" cap="flat" cmpd="sng">
+          <a:ln cap="flat" cmpd="sng" w="19050">
             <a:solidFill>
               <a:srgbClr val="0091EA"/>
             </a:solidFill>
             <a:prstDash val="solid"/>
             <a:round/>
-            <a:headEnd type="none" w="med" len="med"/>
-            <a:tailEnd type="none" w="med" len="med"/>
+            <a:headEnd len="med" w="med" type="none"/>
+            <a:tailEnd len="med" w="med" type="none"/>
           </a:ln>
         </p:spPr>
         <p:txBody>
-          <a:bodyPr lIns="91425" tIns="91425" rIns="91425" bIns="91425" anchor="ctr" anchorCtr="0">
+          <a:bodyPr anchorCtr="0" anchor="ctr" bIns="91425" lIns="91425" rIns="91425" tIns="91425">
             <a:noAutofit/>
           </a:bodyPr>
           <a:lstStyle/>
           <a:p>
-            <a:pPr marL="0" marR="0" lvl="0" indent="0" algn="l" rtl="0">
+            <a:pPr indent="0" lvl="0" marL="0" marR="0" rtl="0" algn="l">
               <a:lnSpc>
                 <a:spcPct val="100000"/>
               </a:lnSpc>
@@ -2993,7 +2806,10 @@
               <a:buFont typeface="Arial"/>
               <a:buNone/>
             </a:pPr>
-            <a:endParaRPr sz="1400" b="0" i="0" u="none" strike="noStrike" cap="none">
+            <a:r>
+              <a:t/>
+            </a:r>
+            <a:endParaRPr b="0" i="0" sz="1400" u="none" cap="none" strike="noStrike">
               <a:solidFill>
                 <a:srgbClr val="000000"/>
               </a:solidFill>
@@ -3014,7 +2830,7 @@
 </file>
 
 <file path=ppt/slideLayouts/slideLayout10.xml><?xml version="1.0" encoding="utf-8"?>
-<p:sldLayout xmlns:a="http://schemas.openxmlformats.org/drawingml/2006/main" xmlns:r="http://schemas.openxmlformats.org/officeDocument/2006/relationships" xmlns:p="http://schemas.openxmlformats.org/presentationml/2006/main">
+<p:sldLayout xmlns:a="http://schemas.openxmlformats.org/drawingml/2006/main" xmlns:r="http://schemas.openxmlformats.org/officeDocument/2006/relationships" xmlns:mc="http://schemas.openxmlformats.org/markup-compatibility/2006" xmlns:mv="urn:schemas-microsoft-com:mac:vml" xmlns:p="http://schemas.openxmlformats.org/presentationml/2006/main" xmlns:c="http://schemas.openxmlformats.org/drawingml/2006/chart" xmlns:dgm="http://schemas.openxmlformats.org/drawingml/2006/diagram" xmlns:o="urn:schemas-microsoft-com:office:office" xmlns:v="urn:schemas-microsoft-com:vml" xmlns:pvml="urn:schemas-microsoft-com:office:powerpoint" xmlns:com="http://schemas.openxmlformats.org/drawingml/2006/compatibility" xmlns:p14="http://schemas.microsoft.com/office/powerpoint/2010/main">
   <p:cSld name="Caption">
     <p:bg>
       <p:bgPr>
@@ -3023,15 +2839,14 @@
             <a:alphaModFix/>
           </a:blip>
           <a:stretch>
-            <a:fillRect/>
+            <a:fillRect b="0" l="0" r="0" t="0"/>
           </a:stretch>
         </a:blipFill>
-        <a:effectLst/>
       </p:bgPr>
     </p:bg>
     <p:spTree>
       <p:nvGrpSpPr>
-        <p:cNvPr id="1" name="Shape 55"/>
+        <p:cNvPr id="55" name="Shape 55"/>
         <p:cNvGrpSpPr/>
         <p:nvPr/>
       </p:nvGrpSpPr>
@@ -3046,11 +2861,9 @@
       <p:sp>
         <p:nvSpPr>
           <p:cNvPr id="56" name="Shape 56"/>
-          <p:cNvSpPr txBox="1">
-            <a:spLocks noGrp="1"/>
-          </p:cNvSpPr>
+          <p:cNvSpPr txBox="1"/>
           <p:nvPr>
-            <p:ph type="body" idx="1"/>
+            <p:ph idx="1" type="body"/>
           </p:nvPr>
         </p:nvSpPr>
         <p:spPr>
@@ -3067,9 +2880,9 @@
           </a:ln>
         </p:spPr>
         <p:txBody>
-          <a:bodyPr lIns="91425" tIns="91425" rIns="91425" bIns="91425" anchor="t" anchorCtr="0"/>
+          <a:bodyPr anchorCtr="0" anchor="t" bIns="91425" lIns="91425" rIns="91425" tIns="91425"/>
           <a:lstStyle>
-            <a:lvl1pPr marL="0" marR="0" lvl="0" indent="0" algn="ctr" rtl="0">
+            <a:lvl1pPr indent="0" lvl="0" marL="0" marR="0" rtl="0" algn="ctr">
               <a:lnSpc>
                 <a:spcPct val="100000"/>
               </a:lnSpc>
@@ -3084,7 +2897,7 @@
               </a:buClr>
               <a:buFont typeface="Source Sans Pro"/>
               <a:buNone/>
-              <a:defRPr sz="1800" b="0" i="0" u="none" strike="noStrike" cap="none">
+              <a:defRPr b="0" i="0" sz="1800" u="none" cap="none" strike="noStrike">
                 <a:solidFill>
                   <a:srgbClr val="263238"/>
                 </a:solidFill>
@@ -3094,7 +2907,7 @@
                 <a:sym typeface="Source Sans Pro"/>
               </a:defRPr>
             </a:lvl1pPr>
-            <a:lvl2pPr marL="457200" marR="0" lvl="1" indent="152400" algn="l" rtl="0">
+            <a:lvl2pPr indent="152400" lvl="1" marL="457200" marR="0" rtl="0" algn="l">
               <a:lnSpc>
                 <a:spcPct val="100000"/>
               </a:lnSpc>
@@ -3110,7 +2923,7 @@
               <a:buSzPct val="100000"/>
               <a:buFont typeface="Source Sans Pro"/>
               <a:buChar char="○"/>
-              <a:defRPr sz="2400" b="0" i="0" u="none" strike="noStrike" cap="none">
+              <a:defRPr b="0" i="0" sz="2400" u="none" cap="none" strike="noStrike">
                 <a:solidFill>
                   <a:srgbClr val="263238"/>
                 </a:solidFill>
@@ -3120,7 +2933,7 @@
                 <a:sym typeface="Source Sans Pro"/>
               </a:defRPr>
             </a:lvl2pPr>
-            <a:lvl3pPr marL="914400" marR="0" lvl="2" indent="152400" algn="l" rtl="0">
+            <a:lvl3pPr indent="152400" lvl="2" marL="914400" marR="0" rtl="0" algn="l">
               <a:lnSpc>
                 <a:spcPct val="100000"/>
               </a:lnSpc>
@@ -3136,7 +2949,7 @@
               <a:buSzPct val="100000"/>
               <a:buFont typeface="Source Sans Pro"/>
               <a:buChar char="◉"/>
-              <a:defRPr sz="2400" b="0" i="0" u="none" strike="noStrike" cap="none">
+              <a:defRPr b="0" i="0" sz="2400" u="none" cap="none" strike="noStrike">
                 <a:solidFill>
                   <a:srgbClr val="263238"/>
                 </a:solidFill>
@@ -3146,7 +2959,7 @@
                 <a:sym typeface="Source Sans Pro"/>
               </a:defRPr>
             </a:lvl3pPr>
-            <a:lvl4pPr marL="1371600" marR="0" lvl="3" indent="0" algn="l" rtl="0">
+            <a:lvl4pPr indent="0" lvl="3" marL="1371600" marR="0" rtl="0" algn="l">
               <a:lnSpc>
                 <a:spcPct val="100000"/>
               </a:lnSpc>
@@ -3161,7 +2974,7 @@
               </a:buClr>
               <a:buFont typeface="Source Sans Pro"/>
               <a:buNone/>
-              <a:defRPr sz="1800" b="0" i="0" u="none" strike="noStrike" cap="none">
+              <a:defRPr b="0" i="0" sz="1800" u="none" cap="none" strike="noStrike">
                 <a:solidFill>
                   <a:srgbClr val="263238"/>
                 </a:solidFill>
@@ -3171,7 +2984,7 @@
                 <a:sym typeface="Source Sans Pro"/>
               </a:defRPr>
             </a:lvl4pPr>
-            <a:lvl5pPr marL="1828800" marR="0" lvl="4" indent="0" algn="l" rtl="0">
+            <a:lvl5pPr indent="0" lvl="4" marL="1828800" marR="0" rtl="0" algn="l">
               <a:lnSpc>
                 <a:spcPct val="100000"/>
               </a:lnSpc>
@@ -3186,7 +2999,7 @@
               </a:buClr>
               <a:buFont typeface="Source Sans Pro"/>
               <a:buNone/>
-              <a:defRPr sz="1800" b="0" i="0" u="none" strike="noStrike" cap="none">
+              <a:defRPr b="0" i="0" sz="1800" u="none" cap="none" strike="noStrike">
                 <a:solidFill>
                   <a:srgbClr val="263238"/>
                 </a:solidFill>
@@ -3196,7 +3009,7 @@
                 <a:sym typeface="Source Sans Pro"/>
               </a:defRPr>
             </a:lvl5pPr>
-            <a:lvl6pPr marL="2286000" marR="0" lvl="5" indent="0" algn="l" rtl="0">
+            <a:lvl6pPr indent="0" lvl="5" marL="2286000" marR="0" rtl="0" algn="l">
               <a:lnSpc>
                 <a:spcPct val="100000"/>
               </a:lnSpc>
@@ -3211,7 +3024,7 @@
               </a:buClr>
               <a:buFont typeface="Source Sans Pro"/>
               <a:buNone/>
-              <a:defRPr sz="1800" b="0" i="0" u="none" strike="noStrike" cap="none">
+              <a:defRPr b="0" i="0" sz="1800" u="none" cap="none" strike="noStrike">
                 <a:solidFill>
                   <a:srgbClr val="263238"/>
                 </a:solidFill>
@@ -3221,7 +3034,7 @@
                 <a:sym typeface="Source Sans Pro"/>
               </a:defRPr>
             </a:lvl6pPr>
-            <a:lvl7pPr marL="2743200" marR="0" lvl="6" indent="0" algn="l" rtl="0">
+            <a:lvl7pPr indent="0" lvl="6" marL="2743200" marR="0" rtl="0" algn="l">
               <a:lnSpc>
                 <a:spcPct val="100000"/>
               </a:lnSpc>
@@ -3236,7 +3049,7 @@
               </a:buClr>
               <a:buFont typeface="Source Sans Pro"/>
               <a:buNone/>
-              <a:defRPr sz="1800" b="0" i="0" u="none" strike="noStrike" cap="none">
+              <a:defRPr b="0" i="0" sz="1800" u="none" cap="none" strike="noStrike">
                 <a:solidFill>
                   <a:srgbClr val="263238"/>
                 </a:solidFill>
@@ -3246,7 +3059,7 @@
                 <a:sym typeface="Source Sans Pro"/>
               </a:defRPr>
             </a:lvl7pPr>
-            <a:lvl8pPr marL="3200400" marR="0" lvl="7" indent="0" algn="l" rtl="0">
+            <a:lvl8pPr indent="0" lvl="7" marL="3200400" marR="0" rtl="0" algn="l">
               <a:lnSpc>
                 <a:spcPct val="100000"/>
               </a:lnSpc>
@@ -3261,7 +3074,7 @@
               </a:buClr>
               <a:buFont typeface="Source Sans Pro"/>
               <a:buNone/>
-              <a:defRPr sz="1800" b="0" i="0" u="none" strike="noStrike" cap="none">
+              <a:defRPr b="0" i="0" sz="1800" u="none" cap="none" strike="noStrike">
                 <a:solidFill>
                   <a:srgbClr val="263238"/>
                 </a:solidFill>
@@ -3271,7 +3084,7 @@
                 <a:sym typeface="Source Sans Pro"/>
               </a:defRPr>
             </a:lvl8pPr>
-            <a:lvl9pPr marL="3657600" marR="0" lvl="8" indent="0" algn="l" rtl="0">
+            <a:lvl9pPr indent="0" lvl="8" marL="3657600" marR="0" rtl="0" algn="l">
               <a:lnSpc>
                 <a:spcPct val="100000"/>
               </a:lnSpc>
@@ -3286,7 +3099,7 @@
               </a:buClr>
               <a:buFont typeface="Source Sans Pro"/>
               <a:buNone/>
-              <a:defRPr sz="1800" b="0" i="0" u="none" strike="noStrike" cap="none">
+              <a:defRPr b="0" i="0" sz="1800" u="none" cap="none" strike="noStrike">
                 <a:solidFill>
                   <a:srgbClr val="263238"/>
                 </a:solidFill>
@@ -3297,9 +3110,7 @@
               </a:defRPr>
             </a:lvl9pPr>
           </a:lstStyle>
-          <a:p>
-            <a:endParaRPr/>
-          </a:p>
+          <a:p/>
         </p:txBody>
       </p:sp>
     </p:spTree>
@@ -3311,11 +3122,11 @@
 </file>
 
 <file path=ppt/slideLayouts/slideLayout2.xml><?xml version="1.0" encoding="utf-8"?>
-<p:sldLayout xmlns:a="http://schemas.openxmlformats.org/drawingml/2006/main" xmlns:r="http://schemas.openxmlformats.org/officeDocument/2006/relationships" xmlns:p="http://schemas.openxmlformats.org/presentationml/2006/main">
+<p:sldLayout xmlns:a="http://schemas.openxmlformats.org/drawingml/2006/main" xmlns:r="http://schemas.openxmlformats.org/officeDocument/2006/relationships" xmlns:mc="http://schemas.openxmlformats.org/markup-compatibility/2006" xmlns:mv="urn:schemas-microsoft-com:mac:vml" xmlns:p="http://schemas.openxmlformats.org/presentationml/2006/main" xmlns:c="http://schemas.openxmlformats.org/drawingml/2006/chart" xmlns:dgm="http://schemas.openxmlformats.org/drawingml/2006/diagram" xmlns:o="urn:schemas-microsoft-com:office:office" xmlns:v="urn:schemas-microsoft-com:vml" xmlns:pvml="urn:schemas-microsoft-com:office:powerpoint" xmlns:com="http://schemas.openxmlformats.org/drawingml/2006/compatibility" xmlns:p14="http://schemas.microsoft.com/office/powerpoint/2010/main">
   <p:cSld name="Quote">
     <p:spTree>
       <p:nvGrpSpPr>
-        <p:cNvPr id="1" name="Shape 25"/>
+        <p:cNvPr id="25" name="Shape 25"/>
         <p:cNvGrpSpPr/>
         <p:nvPr/>
       </p:nvGrpSpPr>
@@ -3329,7 +3140,7 @@
       </p:grpSpPr>
       <p:pic>
         <p:nvPicPr>
-          <p:cNvPr id="26" name="Shape 26" descr="connections-05.png"/>
+          <p:cNvPr descr="connections-05.png" id="26" name="Shape 26"/>
           <p:cNvPicPr preferRelativeResize="0"/>
           <p:nvPr/>
         </p:nvPicPr>
@@ -3337,11 +3148,11 @@
           <a:blip r:embed="rId2">
             <a:alphaModFix/>
           </a:blip>
-          <a:srcRect/>
+          <a:srcRect b="0" l="0" r="0" t="0"/>
           <a:stretch/>
         </p:blipFill>
         <p:spPr>
-          <a:xfrm rot="10800000" flipH="1">
+          <a:xfrm flipH="1" rot="10800000">
             <a:off x="5945" y="0"/>
             <a:ext cx="9132107" cy="6857999"/>
           </a:xfrm>
@@ -3357,11 +3168,9 @@
       <p:sp>
         <p:nvSpPr>
           <p:cNvPr id="27" name="Shape 27"/>
-          <p:cNvSpPr txBox="1">
-            <a:spLocks noGrp="1"/>
-          </p:cNvSpPr>
+          <p:cNvSpPr txBox="1"/>
           <p:nvPr>
-            <p:ph type="body" idx="1"/>
+            <p:ph idx="1" type="body"/>
           </p:nvPr>
         </p:nvSpPr>
         <p:spPr>
@@ -3378,9 +3187,9 @@
           </a:ln>
         </p:spPr>
         <p:txBody>
-          <a:bodyPr lIns="91425" tIns="91425" rIns="91425" bIns="91425" anchor="t" anchorCtr="0"/>
+          <a:bodyPr anchorCtr="0" anchor="t" bIns="91425" lIns="91425" rIns="91425" tIns="91425"/>
           <a:lstStyle>
-            <a:lvl1pPr marL="0" marR="0" lvl="0" indent="228600" algn="ctr" rtl="0">
+            <a:lvl1pPr indent="228600" lvl="0" marL="0" marR="0" rtl="0" algn="ctr">
               <a:lnSpc>
                 <a:spcPct val="100000"/>
               </a:lnSpc>
@@ -3396,7 +3205,7 @@
               <a:buSzPct val="100000"/>
               <a:buFont typeface="Source Sans Pro"/>
               <a:buChar char="◎"/>
-              <a:defRPr sz="3600" b="0" i="1" u="none" strike="noStrike" cap="none">
+              <a:defRPr b="0" i="1" sz="3600" u="none" cap="none" strike="noStrike">
                 <a:solidFill>
                   <a:srgbClr val="263238"/>
                 </a:solidFill>
@@ -3406,7 +3215,7 @@
                 <a:sym typeface="Source Sans Pro"/>
               </a:defRPr>
             </a:lvl1pPr>
-            <a:lvl2pPr marL="457200" marR="0" lvl="1" indent="228600" algn="ctr" rtl="0">
+            <a:lvl2pPr indent="228600" lvl="1" marL="457200" marR="0" rtl="0" algn="ctr">
               <a:lnSpc>
                 <a:spcPct val="100000"/>
               </a:lnSpc>
@@ -3422,7 +3231,7 @@
               <a:buSzPct val="100000"/>
               <a:buFont typeface="Source Sans Pro"/>
               <a:buChar char="○"/>
-              <a:defRPr sz="3600" b="0" i="1" u="none" strike="noStrike" cap="none">
+              <a:defRPr b="0" i="1" sz="3600" u="none" cap="none" strike="noStrike">
                 <a:solidFill>
                   <a:srgbClr val="263238"/>
                 </a:solidFill>
@@ -3432,7 +3241,7 @@
                 <a:sym typeface="Source Sans Pro"/>
               </a:defRPr>
             </a:lvl2pPr>
-            <a:lvl3pPr marL="914400" marR="0" lvl="2" indent="228600" algn="ctr" rtl="0">
+            <a:lvl3pPr indent="228600" lvl="2" marL="914400" marR="0" rtl="0" algn="ctr">
               <a:lnSpc>
                 <a:spcPct val="100000"/>
               </a:lnSpc>
@@ -3448,7 +3257,7 @@
               <a:buSzPct val="100000"/>
               <a:buFont typeface="Source Sans Pro"/>
               <a:buChar char="◉"/>
-              <a:defRPr sz="3600" b="0" i="1" u="none" strike="noStrike" cap="none">
+              <a:defRPr b="0" i="1" sz="3600" u="none" cap="none" strike="noStrike">
                 <a:solidFill>
                   <a:srgbClr val="263238"/>
                 </a:solidFill>
@@ -3458,7 +3267,7 @@
                 <a:sym typeface="Source Sans Pro"/>
               </a:defRPr>
             </a:lvl3pPr>
-            <a:lvl4pPr marL="1371600" marR="0" lvl="3" indent="0" algn="ctr" rtl="0">
+            <a:lvl4pPr indent="0" lvl="3" marL="1371600" marR="0" rtl="0" algn="ctr">
               <a:lnSpc>
                 <a:spcPct val="100000"/>
               </a:lnSpc>
@@ -3473,7 +3282,7 @@
               </a:buClr>
               <a:buFont typeface="Source Sans Pro"/>
               <a:buNone/>
-              <a:defRPr sz="3600" b="0" i="1" u="none" strike="noStrike" cap="none">
+              <a:defRPr b="0" i="1" sz="3600" u="none" cap="none" strike="noStrike">
                 <a:solidFill>
                   <a:srgbClr val="263238"/>
                 </a:solidFill>
@@ -3483,7 +3292,7 @@
                 <a:sym typeface="Source Sans Pro"/>
               </a:defRPr>
             </a:lvl4pPr>
-            <a:lvl5pPr marL="1828800" marR="0" lvl="4" indent="0" algn="ctr" rtl="0">
+            <a:lvl5pPr indent="0" lvl="4" marL="1828800" marR="0" rtl="0" algn="ctr">
               <a:lnSpc>
                 <a:spcPct val="100000"/>
               </a:lnSpc>
@@ -3498,7 +3307,7 @@
               </a:buClr>
               <a:buFont typeface="Source Sans Pro"/>
               <a:buNone/>
-              <a:defRPr sz="3600" b="0" i="1" u="none" strike="noStrike" cap="none">
+              <a:defRPr b="0" i="1" sz="3600" u="none" cap="none" strike="noStrike">
                 <a:solidFill>
                   <a:srgbClr val="263238"/>
                 </a:solidFill>
@@ -3508,7 +3317,7 @@
                 <a:sym typeface="Source Sans Pro"/>
               </a:defRPr>
             </a:lvl5pPr>
-            <a:lvl6pPr marL="2286000" marR="0" lvl="5" indent="0" algn="ctr" rtl="0">
+            <a:lvl6pPr indent="0" lvl="5" marL="2286000" marR="0" rtl="0" algn="ctr">
               <a:lnSpc>
                 <a:spcPct val="100000"/>
               </a:lnSpc>
@@ -3523,7 +3332,7 @@
               </a:buClr>
               <a:buFont typeface="Source Sans Pro"/>
               <a:buNone/>
-              <a:defRPr sz="3600" b="0" i="1" u="none" strike="noStrike" cap="none">
+              <a:defRPr b="0" i="1" sz="3600" u="none" cap="none" strike="noStrike">
                 <a:solidFill>
                   <a:srgbClr val="263238"/>
                 </a:solidFill>
@@ -3533,7 +3342,7 @@
                 <a:sym typeface="Source Sans Pro"/>
               </a:defRPr>
             </a:lvl6pPr>
-            <a:lvl7pPr marL="2743200" marR="0" lvl="6" indent="0" algn="ctr" rtl="0">
+            <a:lvl7pPr indent="0" lvl="6" marL="2743200" marR="0" rtl="0" algn="ctr">
               <a:lnSpc>
                 <a:spcPct val="100000"/>
               </a:lnSpc>
@@ -3548,7 +3357,7 @@
               </a:buClr>
               <a:buFont typeface="Source Sans Pro"/>
               <a:buNone/>
-              <a:defRPr sz="3600" b="0" i="1" u="none" strike="noStrike" cap="none">
+              <a:defRPr b="0" i="1" sz="3600" u="none" cap="none" strike="noStrike">
                 <a:solidFill>
                   <a:srgbClr val="263238"/>
                 </a:solidFill>
@@ -3558,7 +3367,7 @@
                 <a:sym typeface="Source Sans Pro"/>
               </a:defRPr>
             </a:lvl7pPr>
-            <a:lvl8pPr marL="3200400" marR="0" lvl="7" indent="0" algn="ctr" rtl="0">
+            <a:lvl8pPr indent="0" lvl="7" marL="3200400" marR="0" rtl="0" algn="ctr">
               <a:lnSpc>
                 <a:spcPct val="100000"/>
               </a:lnSpc>
@@ -3573,7 +3382,7 @@
               </a:buClr>
               <a:buFont typeface="Source Sans Pro"/>
               <a:buNone/>
-              <a:defRPr sz="3600" b="0" i="1" u="none" strike="noStrike" cap="none">
+              <a:defRPr b="0" i="1" sz="3600" u="none" cap="none" strike="noStrike">
                 <a:solidFill>
                   <a:srgbClr val="263238"/>
                 </a:solidFill>
@@ -3583,7 +3392,7 @@
                 <a:sym typeface="Source Sans Pro"/>
               </a:defRPr>
             </a:lvl8pPr>
-            <a:lvl9pPr marL="3657600" marR="0" lvl="8" indent="0" algn="ctr" rtl="0">
+            <a:lvl9pPr indent="0" lvl="8" marL="3657600" marR="0" rtl="0" algn="ctr">
               <a:lnSpc>
                 <a:spcPct val="100000"/>
               </a:lnSpc>
@@ -3598,7 +3407,7 @@
               </a:buClr>
               <a:buFont typeface="Source Sans Pro"/>
               <a:buNone/>
-              <a:defRPr sz="3600" b="0" i="1" u="none" strike="noStrike" cap="none">
+              <a:defRPr b="0" i="1" sz="3600" u="none" cap="none" strike="noStrike">
                 <a:solidFill>
                   <a:srgbClr val="263238"/>
                 </a:solidFill>
@@ -3609,9 +3418,7 @@
               </a:defRPr>
             </a:lvl9pPr>
           </a:lstStyle>
-          <a:p>
-            <a:endParaRPr/>
-          </a:p>
+          <a:p/>
         </p:txBody>
       </p:sp>
       <p:grpSp>
@@ -3648,12 +3455,12 @@
             </a:ln>
           </p:spPr>
           <p:txBody>
-            <a:bodyPr lIns="91425" tIns="91425" rIns="91425" bIns="91425" anchor="t" anchorCtr="0">
+            <a:bodyPr anchorCtr="0" anchor="t" bIns="91425" lIns="91425" rIns="91425" tIns="91425">
               <a:noAutofit/>
             </a:bodyPr>
             <a:lstStyle/>
             <a:p>
-              <a:pPr marL="0" marR="0" lvl="0" indent="0" algn="ctr" rtl="0">
+              <a:pPr indent="0" lvl="0" marL="0" marR="0" rtl="0" algn="ctr">
                 <a:lnSpc>
                   <a:spcPct val="100000"/>
                 </a:lnSpc>
@@ -3671,7 +3478,7 @@
                 <a:buNone/>
               </a:pPr>
               <a:r>
-                <a:rPr lang="en" sz="6000" b="1" i="0" u="none" strike="noStrike" cap="none">
+                <a:rPr b="1" i="0" lang="en" sz="6000" u="none" cap="none" strike="noStrike">
                   <a:solidFill>
                     <a:srgbClr val="0091EA"/>
                   </a:solidFill>
@@ -3700,23 +3507,23 @@
               <a:avLst/>
             </a:prstGeom>
             <a:noFill/>
-            <a:ln w="9525" cap="flat" cmpd="sng">
+            <a:ln cap="flat" cmpd="sng" w="9525">
               <a:solidFill>
                 <a:srgbClr val="CFD8DC"/>
               </a:solidFill>
               <a:prstDash val="dash"/>
               <a:round/>
-              <a:headEnd type="none" w="med" len="med"/>
-              <a:tailEnd type="none" w="med" len="med"/>
+              <a:headEnd len="med" w="med" type="none"/>
+              <a:tailEnd len="med" w="med" type="none"/>
             </a:ln>
           </p:spPr>
           <p:txBody>
-            <a:bodyPr lIns="91425" tIns="91425" rIns="91425" bIns="91425" anchor="ctr" anchorCtr="0">
+            <a:bodyPr anchorCtr="0" anchor="ctr" bIns="91425" lIns="91425" rIns="91425" tIns="91425">
               <a:noAutofit/>
             </a:bodyPr>
             <a:lstStyle/>
             <a:p>
-              <a:pPr marL="0" marR="0" lvl="0" indent="0" algn="l" rtl="0">
+              <a:pPr indent="0" lvl="0" marL="0" marR="0" rtl="0" algn="l">
                 <a:lnSpc>
                   <a:spcPct val="100000"/>
                 </a:lnSpc>
@@ -3732,7 +3539,10 @@
                 <a:buFont typeface="Arial"/>
                 <a:buNone/>
               </a:pPr>
-              <a:endParaRPr sz="1400" b="0" i="0" u="none" strike="noStrike" cap="none">
+              <a:r>
+                <a:t/>
+              </a:r>
+              <a:endParaRPr b="0" i="0" sz="1400" u="none" cap="none" strike="noStrike">
                 <a:solidFill>
                   <a:srgbClr val="000000"/>
                 </a:solidFill>
@@ -3759,23 +3569,23 @@
               <a:avLst/>
             </a:prstGeom>
             <a:noFill/>
-            <a:ln w="19050" cap="flat" cmpd="sng">
+            <a:ln cap="flat" cmpd="sng" w="19050">
               <a:solidFill>
                 <a:srgbClr val="CFD8DC"/>
               </a:solidFill>
               <a:prstDash val="solid"/>
               <a:round/>
-              <a:headEnd type="none" w="med" len="med"/>
-              <a:tailEnd type="none" w="med" len="med"/>
+              <a:headEnd len="med" w="med" type="none"/>
+              <a:tailEnd len="med" w="med" type="none"/>
             </a:ln>
           </p:spPr>
           <p:txBody>
-            <a:bodyPr lIns="91425" tIns="91425" rIns="91425" bIns="91425" anchor="ctr" anchorCtr="0">
+            <a:bodyPr anchorCtr="0" anchor="ctr" bIns="91425" lIns="91425" rIns="91425" tIns="91425">
               <a:noAutofit/>
             </a:bodyPr>
             <a:lstStyle/>
             <a:p>
-              <a:pPr marL="0" marR="0" lvl="0" indent="0" algn="l" rtl="0">
+              <a:pPr indent="0" lvl="0" marL="0" marR="0" rtl="0" algn="l">
                 <a:lnSpc>
                   <a:spcPct val="100000"/>
                 </a:lnSpc>
@@ -3791,7 +3601,10 @@
                 <a:buFont typeface="Arial"/>
                 <a:buNone/>
               </a:pPr>
-              <a:endParaRPr sz="1400" b="0" i="0" u="none" strike="noStrike" cap="none">
+              <a:r>
+                <a:t/>
+              </a:r>
+              <a:endParaRPr b="0" i="0" sz="1400" u="none" cap="none" strike="noStrike">
                 <a:solidFill>
                   <a:srgbClr val="000000"/>
                 </a:solidFill>
@@ -3821,14 +3634,14 @@
             <a:avLst/>
           </a:prstGeom>
           <a:noFill/>
-          <a:ln w="9525" cap="flat" cmpd="sng">
+          <a:ln cap="flat" cmpd="sng" w="9525">
             <a:solidFill>
               <a:srgbClr val="CFD8DC"/>
             </a:solidFill>
             <a:prstDash val="solid"/>
             <a:round/>
-            <a:headEnd type="none" w="med" len="med"/>
-            <a:tailEnd type="none" w="med" len="med"/>
+            <a:headEnd len="med" w="med" type="none"/>
+            <a:tailEnd len="med" w="med" type="none"/>
           </a:ln>
         </p:spPr>
       </p:cxnSp>
@@ -3847,14 +3660,14 @@
             <a:avLst/>
           </a:prstGeom>
           <a:noFill/>
-          <a:ln w="9525" cap="flat" cmpd="sng">
+          <a:ln cap="flat" cmpd="sng" w="9525">
             <a:solidFill>
               <a:srgbClr val="CFD8DC"/>
             </a:solidFill>
             <a:prstDash val="solid"/>
             <a:round/>
-            <a:headEnd type="none" w="med" len="med"/>
-            <a:tailEnd type="none" w="med" len="med"/>
+            <a:headEnd len="med" w="med" type="none"/>
+            <a:tailEnd len="med" w="med" type="none"/>
           </a:ln>
         </p:spPr>
       </p:cxnSp>
@@ -3865,7 +3678,7 @@
           <p:nvPr/>
         </p:nvCxnSpPr>
         <p:spPr>
-          <a:xfrm rot="10800000" flipH="1">
+          <a:xfrm flipH="1" rot="10800000">
             <a:off x="4749075" y="753124"/>
             <a:ext cx="95100" cy="348900"/>
           </a:xfrm>
@@ -3873,14 +3686,14 @@
             <a:avLst/>
           </a:prstGeom>
           <a:noFill/>
-          <a:ln w="9525" cap="flat" cmpd="sng">
+          <a:ln cap="flat" cmpd="sng" w="9525">
             <a:solidFill>
               <a:srgbClr val="CFD8DC"/>
             </a:solidFill>
             <a:prstDash val="solid"/>
             <a:round/>
-            <a:headEnd type="none" w="med" len="med"/>
-            <a:tailEnd type="none" w="med" len="med"/>
+            <a:headEnd len="med" w="med" type="none"/>
+            <a:tailEnd len="med" w="med" type="none"/>
           </a:ln>
         </p:spPr>
       </p:cxnSp>
@@ -3893,7 +3706,7 @@
 </file>
 
 <file path=ppt/slideLayouts/slideLayout3.xml><?xml version="1.0" encoding="utf-8"?>
-<p:sldLayout xmlns:a="http://schemas.openxmlformats.org/drawingml/2006/main" xmlns:r="http://schemas.openxmlformats.org/officeDocument/2006/relationships" xmlns:p="http://schemas.openxmlformats.org/presentationml/2006/main" type="titleOnly">
+<p:sldLayout xmlns:a="http://schemas.openxmlformats.org/drawingml/2006/main" xmlns:r="http://schemas.openxmlformats.org/officeDocument/2006/relationships" xmlns:mc="http://schemas.openxmlformats.org/markup-compatibility/2006" xmlns:mv="urn:schemas-microsoft-com:mac:vml" xmlns:p="http://schemas.openxmlformats.org/presentationml/2006/main" xmlns:c="http://schemas.openxmlformats.org/drawingml/2006/chart" xmlns:dgm="http://schemas.openxmlformats.org/drawingml/2006/diagram" xmlns:o="urn:schemas-microsoft-com:office:office" xmlns:v="urn:schemas-microsoft-com:vml" xmlns:pvml="urn:schemas-microsoft-com:office:powerpoint" xmlns:com="http://schemas.openxmlformats.org/drawingml/2006/compatibility" xmlns:p14="http://schemas.microsoft.com/office/powerpoint/2010/main" type="titleOnly">
   <p:cSld name="Title only">
     <p:bg>
       <p:bgPr>
@@ -3902,15 +3715,14 @@
             <a:alphaModFix/>
           </a:blip>
           <a:stretch>
-            <a:fillRect/>
+            <a:fillRect b="0" l="0" r="0" t="0"/>
           </a:stretch>
         </a:blipFill>
-        <a:effectLst/>
       </p:bgPr>
     </p:bg>
     <p:spTree>
       <p:nvGrpSpPr>
-        <p:cNvPr id="1" name="Shape 35"/>
+        <p:cNvPr id="35" name="Shape 35"/>
         <p:cNvGrpSpPr/>
         <p:nvPr/>
       </p:nvGrpSpPr>
@@ -3925,9 +3737,7 @@
       <p:sp>
         <p:nvSpPr>
           <p:cNvPr id="36" name="Shape 36"/>
-          <p:cNvSpPr txBox="1">
-            <a:spLocks noGrp="1"/>
-          </p:cNvSpPr>
+          <p:cNvSpPr txBox="1"/>
           <p:nvPr>
             <p:ph type="title"/>
           </p:nvPr>
@@ -3946,9 +3756,9 @@
           </a:ln>
         </p:spPr>
         <p:txBody>
-          <a:bodyPr lIns="91425" tIns="91425" rIns="91425" bIns="91425" anchor="b" anchorCtr="0"/>
+          <a:bodyPr anchorCtr="0" anchor="b" bIns="91425" lIns="91425" rIns="91425" tIns="91425"/>
           <a:lstStyle>
-            <a:lvl1pPr marL="0" marR="0" lvl="0" indent="0" algn="l" rtl="0">
+            <a:lvl1pPr indent="0" lvl="0" marL="0" marR="0" rtl="0" algn="l">
               <a:lnSpc>
                 <a:spcPct val="100000"/>
               </a:lnSpc>
@@ -3963,7 +3773,7 @@
               </a:buClr>
               <a:buFont typeface="Roboto Slab"/>
               <a:buNone/>
-              <a:defRPr sz="2000" b="0" i="0" u="none" strike="noStrike" cap="none">
+              <a:defRPr b="0" i="0" sz="2000" u="none" cap="none" strike="noStrike">
                 <a:solidFill>
                   <a:srgbClr val="0091EA"/>
                 </a:solidFill>
@@ -3973,7 +3783,7 @@
                 <a:sym typeface="Roboto Slab"/>
               </a:defRPr>
             </a:lvl1pPr>
-            <a:lvl2pPr lvl="1" indent="0">
+            <a:lvl2pPr indent="0" lvl="1">
               <a:spcBef>
                 <a:spcPts val="0"/>
               </a:spcBef>
@@ -3992,7 +3802,7 @@
                 <a:sym typeface="Roboto Slab"/>
               </a:defRPr>
             </a:lvl2pPr>
-            <a:lvl3pPr lvl="2" indent="0">
+            <a:lvl3pPr indent="0" lvl="2">
               <a:spcBef>
                 <a:spcPts val="0"/>
               </a:spcBef>
@@ -4011,7 +3821,7 @@
                 <a:sym typeface="Roboto Slab"/>
               </a:defRPr>
             </a:lvl3pPr>
-            <a:lvl4pPr lvl="3" indent="0">
+            <a:lvl4pPr indent="0" lvl="3">
               <a:spcBef>
                 <a:spcPts val="0"/>
               </a:spcBef>
@@ -4030,7 +3840,7 @@
                 <a:sym typeface="Roboto Slab"/>
               </a:defRPr>
             </a:lvl4pPr>
-            <a:lvl5pPr lvl="4" indent="0">
+            <a:lvl5pPr indent="0" lvl="4">
               <a:spcBef>
                 <a:spcPts val="0"/>
               </a:spcBef>
@@ -4049,7 +3859,7 @@
                 <a:sym typeface="Roboto Slab"/>
               </a:defRPr>
             </a:lvl5pPr>
-            <a:lvl6pPr lvl="5" indent="0">
+            <a:lvl6pPr indent="0" lvl="5">
               <a:spcBef>
                 <a:spcPts val="0"/>
               </a:spcBef>
@@ -4068,7 +3878,7 @@
                 <a:sym typeface="Roboto Slab"/>
               </a:defRPr>
             </a:lvl6pPr>
-            <a:lvl7pPr lvl="6" indent="0">
+            <a:lvl7pPr indent="0" lvl="6">
               <a:spcBef>
                 <a:spcPts val="0"/>
               </a:spcBef>
@@ -4087,7 +3897,7 @@
                 <a:sym typeface="Roboto Slab"/>
               </a:defRPr>
             </a:lvl7pPr>
-            <a:lvl8pPr lvl="7" indent="0">
+            <a:lvl8pPr indent="0" lvl="7">
               <a:spcBef>
                 <a:spcPts val="0"/>
               </a:spcBef>
@@ -4106,7 +3916,7 @@
                 <a:sym typeface="Roboto Slab"/>
               </a:defRPr>
             </a:lvl8pPr>
-            <a:lvl9pPr lvl="8" indent="0">
+            <a:lvl9pPr indent="0" lvl="8">
               <a:spcBef>
                 <a:spcPts val="0"/>
               </a:spcBef>
@@ -4126,9 +3936,7 @@
               </a:defRPr>
             </a:lvl9pPr>
           </a:lstStyle>
-          <a:p>
-            <a:endParaRPr/>
-          </a:p>
+          <a:p/>
         </p:txBody>
       </p:sp>
     </p:spTree>
@@ -4140,11 +3948,11 @@
 </file>
 
 <file path=ppt/slideLayouts/slideLayout4.xml><?xml version="1.0" encoding="utf-8"?>
-<p:sldLayout xmlns:a="http://schemas.openxmlformats.org/drawingml/2006/main" xmlns:r="http://schemas.openxmlformats.org/officeDocument/2006/relationships" xmlns:p="http://schemas.openxmlformats.org/presentationml/2006/main" type="twoColTx">
+<p:sldLayout xmlns:a="http://schemas.openxmlformats.org/drawingml/2006/main" xmlns:r="http://schemas.openxmlformats.org/officeDocument/2006/relationships" xmlns:mc="http://schemas.openxmlformats.org/markup-compatibility/2006" xmlns:mv="urn:schemas-microsoft-com:mac:vml" xmlns:p="http://schemas.openxmlformats.org/presentationml/2006/main" xmlns:c="http://schemas.openxmlformats.org/drawingml/2006/chart" xmlns:dgm="http://schemas.openxmlformats.org/drawingml/2006/diagram" xmlns:o="urn:schemas-microsoft-com:office:office" xmlns:v="urn:schemas-microsoft-com:vml" xmlns:pvml="urn:schemas-microsoft-com:office:powerpoint" xmlns:com="http://schemas.openxmlformats.org/drawingml/2006/compatibility" xmlns:p14="http://schemas.microsoft.com/office/powerpoint/2010/main" type="twoColTx">
   <p:cSld name="Title + 2 columns">
     <p:spTree>
       <p:nvGrpSpPr>
-        <p:cNvPr id="1" name="Shape 37"/>
+        <p:cNvPr id="37" name="Shape 37"/>
         <p:cNvGrpSpPr/>
         <p:nvPr/>
       </p:nvGrpSpPr>
@@ -4159,9 +3967,7 @@
       <p:sp>
         <p:nvSpPr>
           <p:cNvPr id="38" name="Shape 38"/>
-          <p:cNvSpPr txBox="1">
-            <a:spLocks noGrp="1"/>
-          </p:cNvSpPr>
+          <p:cNvSpPr txBox="1"/>
           <p:nvPr>
             <p:ph type="title"/>
           </p:nvPr>
@@ -4180,9 +3986,9 @@
           </a:ln>
         </p:spPr>
         <p:txBody>
-          <a:bodyPr lIns="91425" tIns="91425" rIns="91425" bIns="91425" anchor="b" anchorCtr="0"/>
+          <a:bodyPr anchorCtr="0" anchor="b" bIns="91425" lIns="91425" rIns="91425" tIns="91425"/>
           <a:lstStyle>
-            <a:lvl1pPr marL="0" marR="0" lvl="0" indent="0" algn="l" rtl="0">
+            <a:lvl1pPr indent="0" lvl="0" marL="0" marR="0" rtl="0" algn="l">
               <a:lnSpc>
                 <a:spcPct val="100000"/>
               </a:lnSpc>
@@ -4197,7 +4003,7 @@
               </a:buClr>
               <a:buFont typeface="Roboto Slab"/>
               <a:buNone/>
-              <a:defRPr sz="2000" b="0" i="0" u="none" strike="noStrike" cap="none">
+              <a:defRPr b="0" i="0" sz="2000" u="none" cap="none" strike="noStrike">
                 <a:solidFill>
                   <a:srgbClr val="0091EA"/>
                 </a:solidFill>
@@ -4207,7 +4013,7 @@
                 <a:sym typeface="Roboto Slab"/>
               </a:defRPr>
             </a:lvl1pPr>
-            <a:lvl2pPr lvl="1" indent="0">
+            <a:lvl2pPr indent="0" lvl="1">
               <a:spcBef>
                 <a:spcPts val="0"/>
               </a:spcBef>
@@ -4226,7 +4032,7 @@
                 <a:sym typeface="Roboto Slab"/>
               </a:defRPr>
             </a:lvl2pPr>
-            <a:lvl3pPr lvl="2" indent="0">
+            <a:lvl3pPr indent="0" lvl="2">
               <a:spcBef>
                 <a:spcPts val="0"/>
               </a:spcBef>
@@ -4245,7 +4051,7 @@
                 <a:sym typeface="Roboto Slab"/>
               </a:defRPr>
             </a:lvl3pPr>
-            <a:lvl4pPr lvl="3" indent="0">
+            <a:lvl4pPr indent="0" lvl="3">
               <a:spcBef>
                 <a:spcPts val="0"/>
               </a:spcBef>
@@ -4264,7 +4070,7 @@
                 <a:sym typeface="Roboto Slab"/>
               </a:defRPr>
             </a:lvl4pPr>
-            <a:lvl5pPr lvl="4" indent="0">
+            <a:lvl5pPr indent="0" lvl="4">
               <a:spcBef>
                 <a:spcPts val="0"/>
               </a:spcBef>
@@ -4283,7 +4089,7 @@
                 <a:sym typeface="Roboto Slab"/>
               </a:defRPr>
             </a:lvl5pPr>
-            <a:lvl6pPr lvl="5" indent="0">
+            <a:lvl6pPr indent="0" lvl="5">
               <a:spcBef>
                 <a:spcPts val="0"/>
               </a:spcBef>
@@ -4302,7 +4108,7 @@
                 <a:sym typeface="Roboto Slab"/>
               </a:defRPr>
             </a:lvl6pPr>
-            <a:lvl7pPr lvl="6" indent="0">
+            <a:lvl7pPr indent="0" lvl="6">
               <a:spcBef>
                 <a:spcPts val="0"/>
               </a:spcBef>
@@ -4321,7 +4127,7 @@
                 <a:sym typeface="Roboto Slab"/>
               </a:defRPr>
             </a:lvl7pPr>
-            <a:lvl8pPr lvl="7" indent="0">
+            <a:lvl8pPr indent="0" lvl="7">
               <a:spcBef>
                 <a:spcPts val="0"/>
               </a:spcBef>
@@ -4340,7 +4146,7 @@
                 <a:sym typeface="Roboto Slab"/>
               </a:defRPr>
             </a:lvl8pPr>
-            <a:lvl9pPr lvl="8" indent="0">
+            <a:lvl9pPr indent="0" lvl="8">
               <a:spcBef>
                 <a:spcPts val="0"/>
               </a:spcBef>
@@ -4360,19 +4166,15 @@
               </a:defRPr>
             </a:lvl9pPr>
           </a:lstStyle>
-          <a:p>
-            <a:endParaRPr/>
-          </a:p>
+          <a:p/>
         </p:txBody>
       </p:sp>
       <p:sp>
         <p:nvSpPr>
           <p:cNvPr id="39" name="Shape 39"/>
-          <p:cNvSpPr txBox="1">
-            <a:spLocks noGrp="1"/>
-          </p:cNvSpPr>
+          <p:cNvSpPr txBox="1"/>
           <p:nvPr>
-            <p:ph type="body" idx="1"/>
+            <p:ph idx="1" type="body"/>
           </p:nvPr>
         </p:nvSpPr>
         <p:spPr>
@@ -4389,9 +4191,9 @@
           </a:ln>
         </p:spPr>
         <p:txBody>
-          <a:bodyPr lIns="91425" tIns="91425" rIns="91425" bIns="91425" anchor="t" anchorCtr="0"/>
+          <a:bodyPr anchorCtr="0" anchor="t" bIns="91425" lIns="91425" rIns="91425" tIns="91425"/>
           <a:lstStyle>
-            <a:lvl1pPr marL="0" marR="0" lvl="0" indent="165100" algn="l" rtl="0">
+            <a:lvl1pPr indent="165100" lvl="0" marL="0" marR="0" rtl="0" algn="l">
               <a:lnSpc>
                 <a:spcPct val="100000"/>
               </a:lnSpc>
@@ -4407,7 +4209,7 @@
               <a:buSzPct val="100000"/>
               <a:buFont typeface="Source Sans Pro"/>
               <a:buChar char="◎"/>
-              <a:defRPr sz="2600" b="0" i="0" u="none" strike="noStrike" cap="none">
+              <a:defRPr b="0" i="0" sz="2600" u="none" cap="none" strike="noStrike">
                 <a:solidFill>
                   <a:srgbClr val="263238"/>
                 </a:solidFill>
@@ -4417,7 +4219,7 @@
                 <a:sym typeface="Source Sans Pro"/>
               </a:defRPr>
             </a:lvl1pPr>
-            <a:lvl2pPr marL="457200" marR="0" lvl="1" indent="165100" algn="l" rtl="0">
+            <a:lvl2pPr indent="165100" lvl="1" marL="457200" marR="0" rtl="0" algn="l">
               <a:lnSpc>
                 <a:spcPct val="100000"/>
               </a:lnSpc>
@@ -4433,7 +4235,7 @@
               <a:buSzPct val="100000"/>
               <a:buFont typeface="Source Sans Pro"/>
               <a:buChar char="○"/>
-              <a:defRPr sz="2600" b="0" i="0" u="none" strike="noStrike" cap="none">
+              <a:defRPr b="0" i="0" sz="2600" u="none" cap="none" strike="noStrike">
                 <a:solidFill>
                   <a:srgbClr val="263238"/>
                 </a:solidFill>
@@ -4443,7 +4245,7 @@
                 <a:sym typeface="Source Sans Pro"/>
               </a:defRPr>
             </a:lvl2pPr>
-            <a:lvl3pPr marL="914400" marR="0" lvl="2" indent="165100" algn="l" rtl="0">
+            <a:lvl3pPr indent="165100" lvl="2" marL="914400" marR="0" rtl="0" algn="l">
               <a:lnSpc>
                 <a:spcPct val="100000"/>
               </a:lnSpc>
@@ -4459,7 +4261,7 @@
               <a:buSzPct val="100000"/>
               <a:buFont typeface="Source Sans Pro"/>
               <a:buChar char="◉"/>
-              <a:defRPr sz="2600" b="0" i="0" u="none" strike="noStrike" cap="none">
+              <a:defRPr b="0" i="0" sz="2600" u="none" cap="none" strike="noStrike">
                 <a:solidFill>
                   <a:srgbClr val="263238"/>
                 </a:solidFill>
@@ -4469,7 +4271,7 @@
                 <a:sym typeface="Source Sans Pro"/>
               </a:defRPr>
             </a:lvl3pPr>
-            <a:lvl4pPr marL="1371600" marR="0" lvl="3" indent="0" algn="l" rtl="0">
+            <a:lvl4pPr indent="0" lvl="3" marL="1371600" marR="0" rtl="0" algn="l">
               <a:lnSpc>
                 <a:spcPct val="100000"/>
               </a:lnSpc>
@@ -4484,7 +4286,7 @@
               </a:buClr>
               <a:buFont typeface="Source Sans Pro"/>
               <a:buNone/>
-              <a:defRPr sz="2600" b="0" i="0" u="none" strike="noStrike" cap="none">
+              <a:defRPr b="0" i="0" sz="2600" u="none" cap="none" strike="noStrike">
                 <a:solidFill>
                   <a:srgbClr val="263238"/>
                 </a:solidFill>
@@ -4494,7 +4296,7 @@
                 <a:sym typeface="Source Sans Pro"/>
               </a:defRPr>
             </a:lvl4pPr>
-            <a:lvl5pPr marL="1828800" marR="0" lvl="4" indent="0" algn="l" rtl="0">
+            <a:lvl5pPr indent="0" lvl="4" marL="1828800" marR="0" rtl="0" algn="l">
               <a:lnSpc>
                 <a:spcPct val="100000"/>
               </a:lnSpc>
@@ -4509,7 +4311,7 @@
               </a:buClr>
               <a:buFont typeface="Source Sans Pro"/>
               <a:buNone/>
-              <a:defRPr sz="2600" b="0" i="0" u="none" strike="noStrike" cap="none">
+              <a:defRPr b="0" i="0" sz="2600" u="none" cap="none" strike="noStrike">
                 <a:solidFill>
                   <a:srgbClr val="263238"/>
                 </a:solidFill>
@@ -4519,7 +4321,7 @@
                 <a:sym typeface="Source Sans Pro"/>
               </a:defRPr>
             </a:lvl5pPr>
-            <a:lvl6pPr marL="2286000" marR="0" lvl="5" indent="0" algn="l" rtl="0">
+            <a:lvl6pPr indent="0" lvl="5" marL="2286000" marR="0" rtl="0" algn="l">
               <a:lnSpc>
                 <a:spcPct val="100000"/>
               </a:lnSpc>
@@ -4534,7 +4336,7 @@
               </a:buClr>
               <a:buFont typeface="Source Sans Pro"/>
               <a:buNone/>
-              <a:defRPr sz="2600" b="0" i="0" u="none" strike="noStrike" cap="none">
+              <a:defRPr b="0" i="0" sz="2600" u="none" cap="none" strike="noStrike">
                 <a:solidFill>
                   <a:srgbClr val="263238"/>
                 </a:solidFill>
@@ -4544,7 +4346,7 @@
                 <a:sym typeface="Source Sans Pro"/>
               </a:defRPr>
             </a:lvl6pPr>
-            <a:lvl7pPr marL="2743200" marR="0" lvl="6" indent="0" algn="l" rtl="0">
+            <a:lvl7pPr indent="0" lvl="6" marL="2743200" marR="0" rtl="0" algn="l">
               <a:lnSpc>
                 <a:spcPct val="100000"/>
               </a:lnSpc>
@@ -4559,7 +4361,7 @@
               </a:buClr>
               <a:buFont typeface="Source Sans Pro"/>
               <a:buNone/>
-              <a:defRPr sz="2600" b="0" i="0" u="none" strike="noStrike" cap="none">
+              <a:defRPr b="0" i="0" sz="2600" u="none" cap="none" strike="noStrike">
                 <a:solidFill>
                   <a:srgbClr val="263238"/>
                 </a:solidFill>
@@ -4569,7 +4371,7 @@
                 <a:sym typeface="Source Sans Pro"/>
               </a:defRPr>
             </a:lvl7pPr>
-            <a:lvl8pPr marL="3200400" marR="0" lvl="7" indent="0" algn="l" rtl="0">
+            <a:lvl8pPr indent="0" lvl="7" marL="3200400" marR="0" rtl="0" algn="l">
               <a:lnSpc>
                 <a:spcPct val="100000"/>
               </a:lnSpc>
@@ -4584,7 +4386,7 @@
               </a:buClr>
               <a:buFont typeface="Source Sans Pro"/>
               <a:buNone/>
-              <a:defRPr sz="2600" b="0" i="0" u="none" strike="noStrike" cap="none">
+              <a:defRPr b="0" i="0" sz="2600" u="none" cap="none" strike="noStrike">
                 <a:solidFill>
                   <a:srgbClr val="263238"/>
                 </a:solidFill>
@@ -4594,7 +4396,7 @@
                 <a:sym typeface="Source Sans Pro"/>
               </a:defRPr>
             </a:lvl8pPr>
-            <a:lvl9pPr marL="3657600" marR="0" lvl="8" indent="0" algn="l" rtl="0">
+            <a:lvl9pPr indent="0" lvl="8" marL="3657600" marR="0" rtl="0" algn="l">
               <a:lnSpc>
                 <a:spcPct val="100000"/>
               </a:lnSpc>
@@ -4609,7 +4411,7 @@
               </a:buClr>
               <a:buFont typeface="Source Sans Pro"/>
               <a:buNone/>
-              <a:defRPr sz="2600" b="0" i="0" u="none" strike="noStrike" cap="none">
+              <a:defRPr b="0" i="0" sz="2600" u="none" cap="none" strike="noStrike">
                 <a:solidFill>
                   <a:srgbClr val="263238"/>
                 </a:solidFill>
@@ -4620,19 +4422,15 @@
               </a:defRPr>
             </a:lvl9pPr>
           </a:lstStyle>
-          <a:p>
-            <a:endParaRPr/>
-          </a:p>
+          <a:p/>
         </p:txBody>
       </p:sp>
       <p:sp>
         <p:nvSpPr>
           <p:cNvPr id="40" name="Shape 40"/>
-          <p:cNvSpPr txBox="1">
-            <a:spLocks noGrp="1"/>
-          </p:cNvSpPr>
+          <p:cNvSpPr txBox="1"/>
           <p:nvPr>
-            <p:ph type="body" idx="2"/>
+            <p:ph idx="2" type="body"/>
           </p:nvPr>
         </p:nvSpPr>
         <p:spPr>
@@ -4649,9 +4447,9 @@
           </a:ln>
         </p:spPr>
         <p:txBody>
-          <a:bodyPr lIns="91425" tIns="91425" rIns="91425" bIns="91425" anchor="t" anchorCtr="0"/>
+          <a:bodyPr anchorCtr="0" anchor="t" bIns="91425" lIns="91425" rIns="91425" tIns="91425"/>
           <a:lstStyle>
-            <a:lvl1pPr marL="0" marR="0" lvl="0" indent="165100" algn="l" rtl="0">
+            <a:lvl1pPr indent="165100" lvl="0" marL="0" marR="0" rtl="0" algn="l">
               <a:lnSpc>
                 <a:spcPct val="100000"/>
               </a:lnSpc>
@@ -4667,7 +4465,7 @@
               <a:buSzPct val="100000"/>
               <a:buFont typeface="Source Sans Pro"/>
               <a:buChar char="◎"/>
-              <a:defRPr sz="2600" b="0" i="0" u="none" strike="noStrike" cap="none">
+              <a:defRPr b="0" i="0" sz="2600" u="none" cap="none" strike="noStrike">
                 <a:solidFill>
                   <a:srgbClr val="263238"/>
                 </a:solidFill>
@@ -4677,7 +4475,7 @@
                 <a:sym typeface="Source Sans Pro"/>
               </a:defRPr>
             </a:lvl1pPr>
-            <a:lvl2pPr marL="457200" marR="0" lvl="1" indent="165100" algn="l" rtl="0">
+            <a:lvl2pPr indent="165100" lvl="1" marL="457200" marR="0" rtl="0" algn="l">
               <a:lnSpc>
                 <a:spcPct val="100000"/>
               </a:lnSpc>
@@ -4693,7 +4491,7 @@
               <a:buSzPct val="100000"/>
               <a:buFont typeface="Source Sans Pro"/>
               <a:buChar char="○"/>
-              <a:defRPr sz="2600" b="0" i="0" u="none" strike="noStrike" cap="none">
+              <a:defRPr b="0" i="0" sz="2600" u="none" cap="none" strike="noStrike">
                 <a:solidFill>
                   <a:srgbClr val="263238"/>
                 </a:solidFill>
@@ -4703,7 +4501,7 @@
                 <a:sym typeface="Source Sans Pro"/>
               </a:defRPr>
             </a:lvl2pPr>
-            <a:lvl3pPr marL="914400" marR="0" lvl="2" indent="165100" algn="l" rtl="0">
+            <a:lvl3pPr indent="165100" lvl="2" marL="914400" marR="0" rtl="0" algn="l">
               <a:lnSpc>
                 <a:spcPct val="100000"/>
               </a:lnSpc>
@@ -4719,7 +4517,7 @@
               <a:buSzPct val="100000"/>
               <a:buFont typeface="Source Sans Pro"/>
               <a:buChar char="◉"/>
-              <a:defRPr sz="2600" b="0" i="0" u="none" strike="noStrike" cap="none">
+              <a:defRPr b="0" i="0" sz="2600" u="none" cap="none" strike="noStrike">
                 <a:solidFill>
                   <a:srgbClr val="263238"/>
                 </a:solidFill>
@@ -4729,7 +4527,7 @@
                 <a:sym typeface="Source Sans Pro"/>
               </a:defRPr>
             </a:lvl3pPr>
-            <a:lvl4pPr marL="1371600" marR="0" lvl="3" indent="0" algn="l" rtl="0">
+            <a:lvl4pPr indent="0" lvl="3" marL="1371600" marR="0" rtl="0" algn="l">
               <a:lnSpc>
                 <a:spcPct val="100000"/>
               </a:lnSpc>
@@ -4744,7 +4542,7 @@
               </a:buClr>
               <a:buFont typeface="Source Sans Pro"/>
               <a:buNone/>
-              <a:defRPr sz="2600" b="0" i="0" u="none" strike="noStrike" cap="none">
+              <a:defRPr b="0" i="0" sz="2600" u="none" cap="none" strike="noStrike">
                 <a:solidFill>
                   <a:srgbClr val="263238"/>
                 </a:solidFill>
@@ -4754,7 +4552,7 @@
                 <a:sym typeface="Source Sans Pro"/>
               </a:defRPr>
             </a:lvl4pPr>
-            <a:lvl5pPr marL="1828800" marR="0" lvl="4" indent="0" algn="l" rtl="0">
+            <a:lvl5pPr indent="0" lvl="4" marL="1828800" marR="0" rtl="0" algn="l">
               <a:lnSpc>
                 <a:spcPct val="100000"/>
               </a:lnSpc>
@@ -4769,7 +4567,7 @@
               </a:buClr>
               <a:buFont typeface="Source Sans Pro"/>
               <a:buNone/>
-              <a:defRPr sz="2600" b="0" i="0" u="none" strike="noStrike" cap="none">
+              <a:defRPr b="0" i="0" sz="2600" u="none" cap="none" strike="noStrike">
                 <a:solidFill>
                   <a:srgbClr val="263238"/>
                 </a:solidFill>
@@ -4779,7 +4577,7 @@
                 <a:sym typeface="Source Sans Pro"/>
               </a:defRPr>
             </a:lvl5pPr>
-            <a:lvl6pPr marL="2286000" marR="0" lvl="5" indent="0" algn="l" rtl="0">
+            <a:lvl6pPr indent="0" lvl="5" marL="2286000" marR="0" rtl="0" algn="l">
               <a:lnSpc>
                 <a:spcPct val="100000"/>
               </a:lnSpc>
@@ -4794,7 +4592,7 @@
               </a:buClr>
               <a:buFont typeface="Source Sans Pro"/>
               <a:buNone/>
-              <a:defRPr sz="2600" b="0" i="0" u="none" strike="noStrike" cap="none">
+              <a:defRPr b="0" i="0" sz="2600" u="none" cap="none" strike="noStrike">
                 <a:solidFill>
                   <a:srgbClr val="263238"/>
                 </a:solidFill>
@@ -4804,7 +4602,7 @@
                 <a:sym typeface="Source Sans Pro"/>
               </a:defRPr>
             </a:lvl6pPr>
-            <a:lvl7pPr marL="2743200" marR="0" lvl="6" indent="0" algn="l" rtl="0">
+            <a:lvl7pPr indent="0" lvl="6" marL="2743200" marR="0" rtl="0" algn="l">
               <a:lnSpc>
                 <a:spcPct val="100000"/>
               </a:lnSpc>
@@ -4819,7 +4617,7 @@
               </a:buClr>
               <a:buFont typeface="Source Sans Pro"/>
               <a:buNone/>
-              <a:defRPr sz="2600" b="0" i="0" u="none" strike="noStrike" cap="none">
+              <a:defRPr b="0" i="0" sz="2600" u="none" cap="none" strike="noStrike">
                 <a:solidFill>
                   <a:srgbClr val="263238"/>
                 </a:solidFill>
@@ -4829,7 +4627,7 @@
                 <a:sym typeface="Source Sans Pro"/>
               </a:defRPr>
             </a:lvl7pPr>
-            <a:lvl8pPr marL="3200400" marR="0" lvl="7" indent="0" algn="l" rtl="0">
+            <a:lvl8pPr indent="0" lvl="7" marL="3200400" marR="0" rtl="0" algn="l">
               <a:lnSpc>
                 <a:spcPct val="100000"/>
               </a:lnSpc>
@@ -4844,7 +4642,7 @@
               </a:buClr>
               <a:buFont typeface="Source Sans Pro"/>
               <a:buNone/>
-              <a:defRPr sz="2600" b="0" i="0" u="none" strike="noStrike" cap="none">
+              <a:defRPr b="0" i="0" sz="2600" u="none" cap="none" strike="noStrike">
                 <a:solidFill>
                   <a:srgbClr val="263238"/>
                 </a:solidFill>
@@ -4854,7 +4652,7 @@
                 <a:sym typeface="Source Sans Pro"/>
               </a:defRPr>
             </a:lvl8pPr>
-            <a:lvl9pPr marL="3657600" marR="0" lvl="8" indent="0" algn="l" rtl="0">
+            <a:lvl9pPr indent="0" lvl="8" marL="3657600" marR="0" rtl="0" algn="l">
               <a:lnSpc>
                 <a:spcPct val="100000"/>
               </a:lnSpc>
@@ -4869,7 +4667,7 @@
               </a:buClr>
               <a:buFont typeface="Source Sans Pro"/>
               <a:buNone/>
-              <a:defRPr sz="2600" b="0" i="0" u="none" strike="noStrike" cap="none">
+              <a:defRPr b="0" i="0" sz="2600" u="none" cap="none" strike="noStrike">
                 <a:solidFill>
                   <a:srgbClr val="263238"/>
                 </a:solidFill>
@@ -4880,9 +4678,7 @@
               </a:defRPr>
             </a:lvl9pPr>
           </a:lstStyle>
-          <a:p>
-            <a:endParaRPr/>
-          </a:p>
+          <a:p/>
         </p:txBody>
       </p:sp>
     </p:spTree>
@@ -4894,7 +4690,7 @@
 </file>
 
 <file path=ppt/slideLayouts/slideLayout5.xml><?xml version="1.0" encoding="utf-8"?>
-<p:sldLayout xmlns:a="http://schemas.openxmlformats.org/drawingml/2006/main" xmlns:r="http://schemas.openxmlformats.org/officeDocument/2006/relationships" xmlns:p="http://schemas.openxmlformats.org/presentationml/2006/main" type="blank">
+<p:sldLayout xmlns:a="http://schemas.openxmlformats.org/drawingml/2006/main" xmlns:r="http://schemas.openxmlformats.org/officeDocument/2006/relationships" xmlns:mc="http://schemas.openxmlformats.org/markup-compatibility/2006" xmlns:mv="urn:schemas-microsoft-com:mac:vml" xmlns:p="http://schemas.openxmlformats.org/presentationml/2006/main" xmlns:c="http://schemas.openxmlformats.org/drawingml/2006/chart" xmlns:dgm="http://schemas.openxmlformats.org/drawingml/2006/diagram" xmlns:o="urn:schemas-microsoft-com:office:office" xmlns:v="urn:schemas-microsoft-com:vml" xmlns:pvml="urn:schemas-microsoft-com:office:powerpoint" xmlns:com="http://schemas.openxmlformats.org/drawingml/2006/compatibility" xmlns:p14="http://schemas.microsoft.com/office/powerpoint/2010/main" type="blank">
   <p:cSld name="Blank">
     <p:bg>
       <p:bgPr>
@@ -4903,15 +4699,14 @@
             <a:alphaModFix/>
           </a:blip>
           <a:stretch>
-            <a:fillRect/>
+            <a:fillRect b="0" l="0" r="0" t="0"/>
           </a:stretch>
         </a:blipFill>
-        <a:effectLst/>
       </p:bgPr>
     </p:bg>
     <p:spTree>
       <p:nvGrpSpPr>
-        <p:cNvPr id="1" name="Shape 41"/>
+        <p:cNvPr id="41" name="Shape 41"/>
         <p:cNvGrpSpPr/>
         <p:nvPr/>
       </p:nvGrpSpPr>
@@ -4932,7 +4727,7 @@
 </file>
 
 <file path=ppt/slideLayouts/slideLayout6.xml><?xml version="1.0" encoding="utf-8"?>
-<p:sldLayout xmlns:a="http://schemas.openxmlformats.org/drawingml/2006/main" xmlns:r="http://schemas.openxmlformats.org/officeDocument/2006/relationships" xmlns:p="http://schemas.openxmlformats.org/presentationml/2006/main">
+<p:sldLayout xmlns:a="http://schemas.openxmlformats.org/drawingml/2006/main" xmlns:r="http://schemas.openxmlformats.org/officeDocument/2006/relationships" xmlns:mc="http://schemas.openxmlformats.org/markup-compatibility/2006" xmlns:mv="urn:schemas-microsoft-com:mac:vml" xmlns:p="http://schemas.openxmlformats.org/presentationml/2006/main" xmlns:c="http://schemas.openxmlformats.org/drawingml/2006/chart" xmlns:dgm="http://schemas.openxmlformats.org/drawingml/2006/diagram" xmlns:o="urn:schemas-microsoft-com:office:office" xmlns:v="urn:schemas-microsoft-com:vml" xmlns:pvml="urn:schemas-microsoft-com:office:powerpoint" xmlns:com="http://schemas.openxmlformats.org/drawingml/2006/compatibility" xmlns:p14="http://schemas.microsoft.com/office/powerpoint/2010/main">
   <p:cSld name="Subtitle">
     <p:bg>
       <p:bgPr>
@@ -4941,15 +4736,14 @@
             <a:alphaModFix/>
           </a:blip>
           <a:stretch>
-            <a:fillRect/>
+            <a:fillRect b="0" l="0" r="0" t="0"/>
           </a:stretch>
         </a:blipFill>
-        <a:effectLst/>
       </p:bgPr>
     </p:bg>
     <p:spTree>
       <p:nvGrpSpPr>
-        <p:cNvPr id="1" name="Shape 42"/>
+        <p:cNvPr id="42" name="Shape 42"/>
         <p:cNvGrpSpPr/>
         <p:nvPr/>
       </p:nvGrpSpPr>
@@ -4964,9 +4758,7 @@
       <p:sp>
         <p:nvSpPr>
           <p:cNvPr id="43" name="Shape 43"/>
-          <p:cNvSpPr txBox="1">
-            <a:spLocks noGrp="1"/>
-          </p:cNvSpPr>
+          <p:cNvSpPr txBox="1"/>
           <p:nvPr>
             <p:ph type="ctrTitle"/>
           </p:nvPr>
@@ -4985,9 +4777,9 @@
           </a:ln>
         </p:spPr>
         <p:txBody>
-          <a:bodyPr lIns="91425" tIns="91425" rIns="91425" bIns="91425" anchor="b" anchorCtr="0"/>
+          <a:bodyPr anchorCtr="0" anchor="b" bIns="91425" lIns="91425" rIns="91425" tIns="91425"/>
           <a:lstStyle>
-            <a:lvl1pPr marL="0" marR="0" lvl="0" indent="0" algn="l" rtl="0">
+            <a:lvl1pPr indent="0" lvl="0" marL="0" marR="0" rtl="0" algn="l">
               <a:lnSpc>
                 <a:spcPct val="100000"/>
               </a:lnSpc>
@@ -5002,7 +4794,7 @@
               </a:buClr>
               <a:buFont typeface="Roboto Slab"/>
               <a:buNone/>
-              <a:defRPr sz="4800" b="1" i="0" u="none" strike="noStrike" cap="none">
+              <a:defRPr b="1" i="0" sz="4800" u="none" cap="none" strike="noStrike">
                 <a:solidFill>
                   <a:srgbClr val="0091EA"/>
                 </a:solidFill>
@@ -5012,7 +4804,7 @@
                 <a:sym typeface="Roboto Slab"/>
               </a:defRPr>
             </a:lvl1pPr>
-            <a:lvl2pPr lvl="1" indent="0" rtl="0">
+            <a:lvl2pPr indent="0" lvl="1" rtl="0">
               <a:spcBef>
                 <a:spcPts val="0"/>
               </a:spcBef>
@@ -5021,7 +4813,7 @@
               </a:buClr>
               <a:buFont typeface="Roboto Slab"/>
               <a:buNone/>
-              <a:defRPr sz="4800" b="1">
+              <a:defRPr b="1" sz="4800">
                 <a:solidFill>
                   <a:srgbClr val="0091EA"/>
                 </a:solidFill>
@@ -5031,7 +4823,7 @@
                 <a:sym typeface="Roboto Slab"/>
               </a:defRPr>
             </a:lvl2pPr>
-            <a:lvl3pPr lvl="2" indent="0" rtl="0">
+            <a:lvl3pPr indent="0" lvl="2" rtl="0">
               <a:spcBef>
                 <a:spcPts val="0"/>
               </a:spcBef>
@@ -5040,7 +4832,7 @@
               </a:buClr>
               <a:buFont typeface="Roboto Slab"/>
               <a:buNone/>
-              <a:defRPr sz="4800" b="1">
+              <a:defRPr b="1" sz="4800">
                 <a:solidFill>
                   <a:srgbClr val="0091EA"/>
                 </a:solidFill>
@@ -5050,7 +4842,7 @@
                 <a:sym typeface="Roboto Slab"/>
               </a:defRPr>
             </a:lvl3pPr>
-            <a:lvl4pPr lvl="3" indent="0" rtl="0">
+            <a:lvl4pPr indent="0" lvl="3" rtl="0">
               <a:spcBef>
                 <a:spcPts val="0"/>
               </a:spcBef>
@@ -5059,7 +4851,7 @@
               </a:buClr>
               <a:buFont typeface="Roboto Slab"/>
               <a:buNone/>
-              <a:defRPr sz="4800" b="1">
+              <a:defRPr b="1" sz="4800">
                 <a:solidFill>
                   <a:srgbClr val="0091EA"/>
                 </a:solidFill>
@@ -5069,7 +4861,7 @@
                 <a:sym typeface="Roboto Slab"/>
               </a:defRPr>
             </a:lvl4pPr>
-            <a:lvl5pPr lvl="4" indent="0" rtl="0">
+            <a:lvl5pPr indent="0" lvl="4" rtl="0">
               <a:spcBef>
                 <a:spcPts val="0"/>
               </a:spcBef>
@@ -5078,7 +4870,7 @@
               </a:buClr>
               <a:buFont typeface="Roboto Slab"/>
               <a:buNone/>
-              <a:defRPr sz="4800" b="1">
+              <a:defRPr b="1" sz="4800">
                 <a:solidFill>
                   <a:srgbClr val="0091EA"/>
                 </a:solidFill>
@@ -5088,7 +4880,7 @@
                 <a:sym typeface="Roboto Slab"/>
               </a:defRPr>
             </a:lvl5pPr>
-            <a:lvl6pPr lvl="5" indent="0" rtl="0">
+            <a:lvl6pPr indent="0" lvl="5" rtl="0">
               <a:spcBef>
                 <a:spcPts val="0"/>
               </a:spcBef>
@@ -5097,7 +4889,7 @@
               </a:buClr>
               <a:buFont typeface="Roboto Slab"/>
               <a:buNone/>
-              <a:defRPr sz="4800" b="1">
+              <a:defRPr b="1" sz="4800">
                 <a:solidFill>
                   <a:srgbClr val="0091EA"/>
                 </a:solidFill>
@@ -5107,7 +4899,7 @@
                 <a:sym typeface="Roboto Slab"/>
               </a:defRPr>
             </a:lvl6pPr>
-            <a:lvl7pPr lvl="6" indent="0" rtl="0">
+            <a:lvl7pPr indent="0" lvl="6" rtl="0">
               <a:spcBef>
                 <a:spcPts val="0"/>
               </a:spcBef>
@@ -5116,7 +4908,7 @@
               </a:buClr>
               <a:buFont typeface="Roboto Slab"/>
               <a:buNone/>
-              <a:defRPr sz="4800" b="1">
+              <a:defRPr b="1" sz="4800">
                 <a:solidFill>
                   <a:srgbClr val="0091EA"/>
                 </a:solidFill>
@@ -5126,7 +4918,7 @@
                 <a:sym typeface="Roboto Slab"/>
               </a:defRPr>
             </a:lvl7pPr>
-            <a:lvl8pPr lvl="7" indent="0" rtl="0">
+            <a:lvl8pPr indent="0" lvl="7" rtl="0">
               <a:spcBef>
                 <a:spcPts val="0"/>
               </a:spcBef>
@@ -5135,7 +4927,7 @@
               </a:buClr>
               <a:buFont typeface="Roboto Slab"/>
               <a:buNone/>
-              <a:defRPr sz="4800" b="1">
+              <a:defRPr b="1" sz="4800">
                 <a:solidFill>
                   <a:srgbClr val="0091EA"/>
                 </a:solidFill>
@@ -5145,7 +4937,7 @@
                 <a:sym typeface="Roboto Slab"/>
               </a:defRPr>
             </a:lvl8pPr>
-            <a:lvl9pPr lvl="8" indent="0" rtl="0">
+            <a:lvl9pPr indent="0" lvl="8" rtl="0">
               <a:spcBef>
                 <a:spcPts val="0"/>
               </a:spcBef>
@@ -5154,7 +4946,7 @@
               </a:buClr>
               <a:buFont typeface="Roboto Slab"/>
               <a:buNone/>
-              <a:defRPr sz="4800" b="1">
+              <a:defRPr b="1" sz="4800">
                 <a:solidFill>
                   <a:srgbClr val="0091EA"/>
                 </a:solidFill>
@@ -5165,19 +4957,15 @@
               </a:defRPr>
             </a:lvl9pPr>
           </a:lstStyle>
-          <a:p>
-            <a:endParaRPr/>
-          </a:p>
+          <a:p/>
         </p:txBody>
       </p:sp>
       <p:sp>
         <p:nvSpPr>
           <p:cNvPr id="44" name="Shape 44"/>
-          <p:cNvSpPr txBox="1">
-            <a:spLocks noGrp="1"/>
-          </p:cNvSpPr>
+          <p:cNvSpPr txBox="1"/>
           <p:nvPr>
-            <p:ph type="subTitle" idx="1"/>
+            <p:ph idx="1" type="subTitle"/>
           </p:nvPr>
         </p:nvSpPr>
         <p:spPr>
@@ -5194,9 +4982,9 @@
           </a:ln>
         </p:spPr>
         <p:txBody>
-          <a:bodyPr lIns="91425" tIns="91425" rIns="91425" bIns="91425" anchor="t" anchorCtr="0"/>
+          <a:bodyPr anchorCtr="0" anchor="t" bIns="91425" lIns="91425" rIns="91425" tIns="91425"/>
           <a:lstStyle>
-            <a:lvl1pPr marL="0" marR="0" lvl="0" indent="0" algn="l" rtl="0">
+            <a:lvl1pPr indent="0" lvl="0" marL="0" marR="0" rtl="0" algn="l">
               <a:lnSpc>
                 <a:spcPct val="100000"/>
               </a:lnSpc>
@@ -5211,7 +4999,7 @@
               </a:buClr>
               <a:buFont typeface="Source Sans Pro"/>
               <a:buNone/>
-              <a:defRPr sz="3000" b="0" i="0" u="none" strike="noStrike" cap="none">
+              <a:defRPr b="0" i="0" sz="3000" u="none" cap="none" strike="noStrike">
                 <a:solidFill>
                   <a:srgbClr val="607D8B"/>
                 </a:solidFill>
@@ -5221,7 +5009,7 @@
                 <a:sym typeface="Source Sans Pro"/>
               </a:defRPr>
             </a:lvl1pPr>
-            <a:lvl2pPr marL="457200" marR="0" lvl="1" indent="0" algn="l" rtl="0">
+            <a:lvl2pPr indent="0" lvl="1" marL="457200" marR="0" rtl="0" algn="l">
               <a:lnSpc>
                 <a:spcPct val="100000"/>
               </a:lnSpc>
@@ -5236,7 +5024,7 @@
               </a:buClr>
               <a:buFont typeface="Source Sans Pro"/>
               <a:buNone/>
-              <a:defRPr sz="3000" b="0" i="0" u="none" strike="noStrike" cap="none">
+              <a:defRPr b="0" i="0" sz="3000" u="none" cap="none" strike="noStrike">
                 <a:solidFill>
                   <a:srgbClr val="607D8B"/>
                 </a:solidFill>
@@ -5246,7 +5034,7 @@
                 <a:sym typeface="Source Sans Pro"/>
               </a:defRPr>
             </a:lvl2pPr>
-            <a:lvl3pPr marL="914400" marR="0" lvl="2" indent="0" algn="l" rtl="0">
+            <a:lvl3pPr indent="0" lvl="2" marL="914400" marR="0" rtl="0" algn="l">
               <a:lnSpc>
                 <a:spcPct val="100000"/>
               </a:lnSpc>
@@ -5261,7 +5049,7 @@
               </a:buClr>
               <a:buFont typeface="Source Sans Pro"/>
               <a:buNone/>
-              <a:defRPr sz="3000" b="0" i="0" u="none" strike="noStrike" cap="none">
+              <a:defRPr b="0" i="0" sz="3000" u="none" cap="none" strike="noStrike">
                 <a:solidFill>
                   <a:srgbClr val="607D8B"/>
                 </a:solidFill>
@@ -5271,7 +5059,7 @@
                 <a:sym typeface="Source Sans Pro"/>
               </a:defRPr>
             </a:lvl3pPr>
-            <a:lvl4pPr marL="1371600" marR="0" lvl="3" indent="0" algn="l" rtl="0">
+            <a:lvl4pPr indent="0" lvl="3" marL="1371600" marR="0" rtl="0" algn="l">
               <a:lnSpc>
                 <a:spcPct val="100000"/>
               </a:lnSpc>
@@ -5286,7 +5074,7 @@
               </a:buClr>
               <a:buFont typeface="Source Sans Pro"/>
               <a:buNone/>
-              <a:defRPr sz="3000" b="0" i="0" u="none" strike="noStrike" cap="none">
+              <a:defRPr b="0" i="0" sz="3000" u="none" cap="none" strike="noStrike">
                 <a:solidFill>
                   <a:srgbClr val="607D8B"/>
                 </a:solidFill>
@@ -5296,7 +5084,7 @@
                 <a:sym typeface="Source Sans Pro"/>
               </a:defRPr>
             </a:lvl4pPr>
-            <a:lvl5pPr marL="1828800" marR="0" lvl="4" indent="0" algn="l" rtl="0">
+            <a:lvl5pPr indent="0" lvl="4" marL="1828800" marR="0" rtl="0" algn="l">
               <a:lnSpc>
                 <a:spcPct val="100000"/>
               </a:lnSpc>
@@ -5311,7 +5099,7 @@
               </a:buClr>
               <a:buFont typeface="Source Sans Pro"/>
               <a:buNone/>
-              <a:defRPr sz="3000" b="0" i="0" u="none" strike="noStrike" cap="none">
+              <a:defRPr b="0" i="0" sz="3000" u="none" cap="none" strike="noStrike">
                 <a:solidFill>
                   <a:srgbClr val="607D8B"/>
                 </a:solidFill>
@@ -5321,7 +5109,7 @@
                 <a:sym typeface="Source Sans Pro"/>
               </a:defRPr>
             </a:lvl5pPr>
-            <a:lvl6pPr marL="2286000" marR="0" lvl="5" indent="0" algn="l" rtl="0">
+            <a:lvl6pPr indent="0" lvl="5" marL="2286000" marR="0" rtl="0" algn="l">
               <a:lnSpc>
                 <a:spcPct val="100000"/>
               </a:lnSpc>
@@ -5336,7 +5124,7 @@
               </a:buClr>
               <a:buFont typeface="Source Sans Pro"/>
               <a:buNone/>
-              <a:defRPr sz="3000" b="0" i="0" u="none" strike="noStrike" cap="none">
+              <a:defRPr b="0" i="0" sz="3000" u="none" cap="none" strike="noStrike">
                 <a:solidFill>
                   <a:srgbClr val="607D8B"/>
                 </a:solidFill>
@@ -5346,7 +5134,7 @@
                 <a:sym typeface="Source Sans Pro"/>
               </a:defRPr>
             </a:lvl6pPr>
-            <a:lvl7pPr marL="2743200" marR="0" lvl="6" indent="0" algn="l" rtl="0">
+            <a:lvl7pPr indent="0" lvl="6" marL="2743200" marR="0" rtl="0" algn="l">
               <a:lnSpc>
                 <a:spcPct val="100000"/>
               </a:lnSpc>
@@ -5361,7 +5149,7 @@
               </a:buClr>
               <a:buFont typeface="Source Sans Pro"/>
               <a:buNone/>
-              <a:defRPr sz="3000" b="0" i="0" u="none" strike="noStrike" cap="none">
+              <a:defRPr b="0" i="0" sz="3000" u="none" cap="none" strike="noStrike">
                 <a:solidFill>
                   <a:srgbClr val="607D8B"/>
                 </a:solidFill>
@@ -5371,7 +5159,7 @@
                 <a:sym typeface="Source Sans Pro"/>
               </a:defRPr>
             </a:lvl7pPr>
-            <a:lvl8pPr marL="3200400" marR="0" lvl="7" indent="0" algn="l" rtl="0">
+            <a:lvl8pPr indent="0" lvl="7" marL="3200400" marR="0" rtl="0" algn="l">
               <a:lnSpc>
                 <a:spcPct val="100000"/>
               </a:lnSpc>
@@ -5386,7 +5174,7 @@
               </a:buClr>
               <a:buFont typeface="Source Sans Pro"/>
               <a:buNone/>
-              <a:defRPr sz="3000" b="0" i="0" u="none" strike="noStrike" cap="none">
+              <a:defRPr b="0" i="0" sz="3000" u="none" cap="none" strike="noStrike">
                 <a:solidFill>
                   <a:srgbClr val="607D8B"/>
                 </a:solidFill>
@@ -5396,7 +5184,7 @@
                 <a:sym typeface="Source Sans Pro"/>
               </a:defRPr>
             </a:lvl8pPr>
-            <a:lvl9pPr marL="3657600" marR="0" lvl="8" indent="0" algn="l" rtl="0">
+            <a:lvl9pPr indent="0" lvl="8" marL="3657600" marR="0" rtl="0" algn="l">
               <a:lnSpc>
                 <a:spcPct val="100000"/>
               </a:lnSpc>
@@ -5411,7 +5199,7 @@
               </a:buClr>
               <a:buFont typeface="Source Sans Pro"/>
               <a:buNone/>
-              <a:defRPr sz="3000" b="0" i="0" u="none" strike="noStrike" cap="none">
+              <a:defRPr b="0" i="0" sz="3000" u="none" cap="none" strike="noStrike">
                 <a:solidFill>
                   <a:srgbClr val="607D8B"/>
                 </a:solidFill>
@@ -5422,9 +5210,7 @@
               </a:defRPr>
             </a:lvl9pPr>
           </a:lstStyle>
-          <a:p>
-            <a:endParaRPr/>
-          </a:p>
+          <a:p/>
         </p:txBody>
       </p:sp>
     </p:spTree>
@@ -5436,11 +5222,11 @@
 </file>
 
 <file path=ppt/slideLayouts/slideLayout7.xml><?xml version="1.0" encoding="utf-8"?>
-<p:sldLayout xmlns:a="http://schemas.openxmlformats.org/drawingml/2006/main" xmlns:r="http://schemas.openxmlformats.org/officeDocument/2006/relationships" xmlns:p="http://schemas.openxmlformats.org/presentationml/2006/main" type="tx">
+<p:sldLayout xmlns:a="http://schemas.openxmlformats.org/drawingml/2006/main" xmlns:r="http://schemas.openxmlformats.org/officeDocument/2006/relationships" xmlns:mc="http://schemas.openxmlformats.org/markup-compatibility/2006" xmlns:mv="urn:schemas-microsoft-com:mac:vml" xmlns:p="http://schemas.openxmlformats.org/presentationml/2006/main" xmlns:c="http://schemas.openxmlformats.org/drawingml/2006/chart" xmlns:dgm="http://schemas.openxmlformats.org/drawingml/2006/diagram" xmlns:o="urn:schemas-microsoft-com:office:office" xmlns:v="urn:schemas-microsoft-com:vml" xmlns:pvml="urn:schemas-microsoft-com:office:powerpoint" xmlns:com="http://schemas.openxmlformats.org/drawingml/2006/compatibility" xmlns:p14="http://schemas.microsoft.com/office/powerpoint/2010/main" type="tx">
   <p:cSld name="Title + 1 column">
     <p:spTree>
       <p:nvGrpSpPr>
-        <p:cNvPr id="1" name="Shape 45"/>
+        <p:cNvPr id="45" name="Shape 45"/>
         <p:cNvGrpSpPr/>
         <p:nvPr/>
       </p:nvGrpSpPr>
@@ -5455,9 +5241,7 @@
       <p:sp>
         <p:nvSpPr>
           <p:cNvPr id="46" name="Shape 46"/>
-          <p:cNvSpPr txBox="1">
-            <a:spLocks noGrp="1"/>
-          </p:cNvSpPr>
+          <p:cNvSpPr txBox="1"/>
           <p:nvPr>
             <p:ph type="title"/>
           </p:nvPr>
@@ -5476,9 +5260,9 @@
           </a:ln>
         </p:spPr>
         <p:txBody>
-          <a:bodyPr lIns="91425" tIns="91425" rIns="91425" bIns="91425" anchor="b" anchorCtr="0"/>
+          <a:bodyPr anchorCtr="0" anchor="b" bIns="91425" lIns="91425" rIns="91425" tIns="91425"/>
           <a:lstStyle>
-            <a:lvl1pPr marL="0" marR="0" lvl="0" indent="0" algn="l" rtl="0">
+            <a:lvl1pPr indent="0" lvl="0" marL="0" marR="0" rtl="0" algn="l">
               <a:lnSpc>
                 <a:spcPct val="100000"/>
               </a:lnSpc>
@@ -5493,7 +5277,7 @@
               </a:buClr>
               <a:buFont typeface="Roboto Slab"/>
               <a:buNone/>
-              <a:defRPr sz="2000" b="0" i="0" u="none" strike="noStrike" cap="none">
+              <a:defRPr b="0" i="0" sz="2000" u="none" cap="none" strike="noStrike">
                 <a:solidFill>
                   <a:srgbClr val="0091EA"/>
                 </a:solidFill>
@@ -5503,7 +5287,7 @@
                 <a:sym typeface="Roboto Slab"/>
               </a:defRPr>
             </a:lvl1pPr>
-            <a:lvl2pPr lvl="1" indent="0">
+            <a:lvl2pPr indent="0" lvl="1">
               <a:spcBef>
                 <a:spcPts val="0"/>
               </a:spcBef>
@@ -5522,7 +5306,7 @@
                 <a:sym typeface="Roboto Slab"/>
               </a:defRPr>
             </a:lvl2pPr>
-            <a:lvl3pPr lvl="2" indent="0">
+            <a:lvl3pPr indent="0" lvl="2">
               <a:spcBef>
                 <a:spcPts val="0"/>
               </a:spcBef>
@@ -5541,7 +5325,7 @@
                 <a:sym typeface="Roboto Slab"/>
               </a:defRPr>
             </a:lvl3pPr>
-            <a:lvl4pPr lvl="3" indent="0">
+            <a:lvl4pPr indent="0" lvl="3">
               <a:spcBef>
                 <a:spcPts val="0"/>
               </a:spcBef>
@@ -5560,7 +5344,7 @@
                 <a:sym typeface="Roboto Slab"/>
               </a:defRPr>
             </a:lvl4pPr>
-            <a:lvl5pPr lvl="4" indent="0">
+            <a:lvl5pPr indent="0" lvl="4">
               <a:spcBef>
                 <a:spcPts val="0"/>
               </a:spcBef>
@@ -5579,7 +5363,7 @@
                 <a:sym typeface="Roboto Slab"/>
               </a:defRPr>
             </a:lvl5pPr>
-            <a:lvl6pPr lvl="5" indent="0">
+            <a:lvl6pPr indent="0" lvl="5">
               <a:spcBef>
                 <a:spcPts val="0"/>
               </a:spcBef>
@@ -5598,7 +5382,7 @@
                 <a:sym typeface="Roboto Slab"/>
               </a:defRPr>
             </a:lvl6pPr>
-            <a:lvl7pPr lvl="6" indent="0">
+            <a:lvl7pPr indent="0" lvl="6">
               <a:spcBef>
                 <a:spcPts val="0"/>
               </a:spcBef>
@@ -5617,7 +5401,7 @@
                 <a:sym typeface="Roboto Slab"/>
               </a:defRPr>
             </a:lvl7pPr>
-            <a:lvl8pPr lvl="7" indent="0">
+            <a:lvl8pPr indent="0" lvl="7">
               <a:spcBef>
                 <a:spcPts val="0"/>
               </a:spcBef>
@@ -5636,7 +5420,7 @@
                 <a:sym typeface="Roboto Slab"/>
               </a:defRPr>
             </a:lvl8pPr>
-            <a:lvl9pPr lvl="8" indent="0">
+            <a:lvl9pPr indent="0" lvl="8">
               <a:spcBef>
                 <a:spcPts val="0"/>
               </a:spcBef>
@@ -5656,19 +5440,15 @@
               </a:defRPr>
             </a:lvl9pPr>
           </a:lstStyle>
-          <a:p>
-            <a:endParaRPr/>
-          </a:p>
+          <a:p/>
         </p:txBody>
       </p:sp>
       <p:sp>
         <p:nvSpPr>
           <p:cNvPr id="47" name="Shape 47"/>
-          <p:cNvSpPr txBox="1">
-            <a:spLocks noGrp="1"/>
-          </p:cNvSpPr>
+          <p:cNvSpPr txBox="1"/>
           <p:nvPr>
-            <p:ph type="body" idx="1"/>
+            <p:ph idx="1" type="body"/>
           </p:nvPr>
         </p:nvSpPr>
         <p:spPr>
@@ -5685,9 +5465,9 @@
           </a:ln>
         </p:spPr>
         <p:txBody>
-          <a:bodyPr lIns="91425" tIns="91425" rIns="91425" bIns="91425" anchor="t" anchorCtr="0"/>
+          <a:bodyPr anchorCtr="0" anchor="t" bIns="91425" lIns="91425" rIns="91425" tIns="91425"/>
           <a:lstStyle>
-            <a:lvl1pPr marL="0" marR="0" lvl="0" indent="190500" algn="l" rtl="0">
+            <a:lvl1pPr indent="190500" lvl="0" marL="0" marR="0" rtl="0" algn="l">
               <a:lnSpc>
                 <a:spcPct val="100000"/>
               </a:lnSpc>
@@ -5703,7 +5483,7 @@
               <a:buSzPct val="100000"/>
               <a:buFont typeface="Source Sans Pro"/>
               <a:buChar char="◎"/>
-              <a:defRPr sz="3000" b="0" i="0" u="none" strike="noStrike" cap="none">
+              <a:defRPr b="0" i="0" sz="3000" u="none" cap="none" strike="noStrike">
                 <a:solidFill>
                   <a:srgbClr val="263238"/>
                 </a:solidFill>
@@ -5713,7 +5493,7 @@
                 <a:sym typeface="Source Sans Pro"/>
               </a:defRPr>
             </a:lvl1pPr>
-            <a:lvl2pPr marL="457200" marR="0" lvl="1" indent="152400" algn="l" rtl="0">
+            <a:lvl2pPr indent="152400" lvl="1" marL="457200" marR="0" rtl="0" algn="l">
               <a:lnSpc>
                 <a:spcPct val="100000"/>
               </a:lnSpc>
@@ -5729,7 +5509,7 @@
               <a:buSzPct val="100000"/>
               <a:buFont typeface="Source Sans Pro"/>
               <a:buChar char="○"/>
-              <a:defRPr sz="2400" b="0" i="0" u="none" strike="noStrike" cap="none">
+              <a:defRPr b="0" i="0" sz="2400" u="none" cap="none" strike="noStrike">
                 <a:solidFill>
                   <a:srgbClr val="263238"/>
                 </a:solidFill>
@@ -5739,7 +5519,7 @@
                 <a:sym typeface="Source Sans Pro"/>
               </a:defRPr>
             </a:lvl2pPr>
-            <a:lvl3pPr marL="914400" marR="0" lvl="2" indent="152400" algn="l" rtl="0">
+            <a:lvl3pPr indent="152400" lvl="2" marL="914400" marR="0" rtl="0" algn="l">
               <a:lnSpc>
                 <a:spcPct val="100000"/>
               </a:lnSpc>
@@ -5755,7 +5535,7 @@
               <a:buSzPct val="100000"/>
               <a:buFont typeface="Source Sans Pro"/>
               <a:buChar char="◉"/>
-              <a:defRPr sz="2400" b="0" i="0" u="none" strike="noStrike" cap="none">
+              <a:defRPr b="0" i="0" sz="2400" u="none" cap="none" strike="noStrike">
                 <a:solidFill>
                   <a:srgbClr val="263238"/>
                 </a:solidFill>
@@ -5765,7 +5545,7 @@
                 <a:sym typeface="Source Sans Pro"/>
               </a:defRPr>
             </a:lvl3pPr>
-            <a:lvl4pPr marL="1371600" marR="0" lvl="3" indent="0" algn="l" rtl="0">
+            <a:lvl4pPr indent="0" lvl="3" marL="1371600" marR="0" rtl="0" algn="l">
               <a:lnSpc>
                 <a:spcPct val="100000"/>
               </a:lnSpc>
@@ -5780,7 +5560,7 @@
               </a:buClr>
               <a:buFont typeface="Source Sans Pro"/>
               <a:buNone/>
-              <a:defRPr sz="1800" b="0" i="0" u="none" strike="noStrike" cap="none">
+              <a:defRPr b="0" i="0" sz="1800" u="none" cap="none" strike="noStrike">
                 <a:solidFill>
                   <a:srgbClr val="263238"/>
                 </a:solidFill>
@@ -5790,7 +5570,7 @@
                 <a:sym typeface="Source Sans Pro"/>
               </a:defRPr>
             </a:lvl4pPr>
-            <a:lvl5pPr marL="1828800" marR="0" lvl="4" indent="0" algn="l" rtl="0">
+            <a:lvl5pPr indent="0" lvl="4" marL="1828800" marR="0" rtl="0" algn="l">
               <a:lnSpc>
                 <a:spcPct val="100000"/>
               </a:lnSpc>
@@ -5805,7 +5585,7 @@
               </a:buClr>
               <a:buFont typeface="Source Sans Pro"/>
               <a:buNone/>
-              <a:defRPr sz="1800" b="0" i="0" u="none" strike="noStrike" cap="none">
+              <a:defRPr b="0" i="0" sz="1800" u="none" cap="none" strike="noStrike">
                 <a:solidFill>
                   <a:srgbClr val="263238"/>
                 </a:solidFill>
@@ -5815,7 +5595,7 @@
                 <a:sym typeface="Source Sans Pro"/>
               </a:defRPr>
             </a:lvl5pPr>
-            <a:lvl6pPr marL="2286000" marR="0" lvl="5" indent="0" algn="l" rtl="0">
+            <a:lvl6pPr indent="0" lvl="5" marL="2286000" marR="0" rtl="0" algn="l">
               <a:lnSpc>
                 <a:spcPct val="100000"/>
               </a:lnSpc>
@@ -5830,7 +5610,7 @@
               </a:buClr>
               <a:buFont typeface="Source Sans Pro"/>
               <a:buNone/>
-              <a:defRPr sz="1800" b="0" i="0" u="none" strike="noStrike" cap="none">
+              <a:defRPr b="0" i="0" sz="1800" u="none" cap="none" strike="noStrike">
                 <a:solidFill>
                   <a:srgbClr val="263238"/>
                 </a:solidFill>
@@ -5840,7 +5620,7 @@
                 <a:sym typeface="Source Sans Pro"/>
               </a:defRPr>
             </a:lvl6pPr>
-            <a:lvl7pPr marL="2743200" marR="0" lvl="6" indent="0" algn="l" rtl="0">
+            <a:lvl7pPr indent="0" lvl="6" marL="2743200" marR="0" rtl="0" algn="l">
               <a:lnSpc>
                 <a:spcPct val="100000"/>
               </a:lnSpc>
@@ -5855,7 +5635,7 @@
               </a:buClr>
               <a:buFont typeface="Source Sans Pro"/>
               <a:buNone/>
-              <a:defRPr sz="1800" b="0" i="0" u="none" strike="noStrike" cap="none">
+              <a:defRPr b="0" i="0" sz="1800" u="none" cap="none" strike="noStrike">
                 <a:solidFill>
                   <a:srgbClr val="263238"/>
                 </a:solidFill>
@@ -5865,7 +5645,7 @@
                 <a:sym typeface="Source Sans Pro"/>
               </a:defRPr>
             </a:lvl7pPr>
-            <a:lvl8pPr marL="3200400" marR="0" lvl="7" indent="0" algn="l" rtl="0">
+            <a:lvl8pPr indent="0" lvl="7" marL="3200400" marR="0" rtl="0" algn="l">
               <a:lnSpc>
                 <a:spcPct val="100000"/>
               </a:lnSpc>
@@ -5880,7 +5660,7 @@
               </a:buClr>
               <a:buFont typeface="Source Sans Pro"/>
               <a:buNone/>
-              <a:defRPr sz="1800" b="0" i="0" u="none" strike="noStrike" cap="none">
+              <a:defRPr b="0" i="0" sz="1800" u="none" cap="none" strike="noStrike">
                 <a:solidFill>
                   <a:srgbClr val="263238"/>
                 </a:solidFill>
@@ -5890,7 +5670,7 @@
                 <a:sym typeface="Source Sans Pro"/>
               </a:defRPr>
             </a:lvl8pPr>
-            <a:lvl9pPr marL="3657600" marR="0" lvl="8" indent="0" algn="l" rtl="0">
+            <a:lvl9pPr indent="0" lvl="8" marL="3657600" marR="0" rtl="0" algn="l">
               <a:lnSpc>
                 <a:spcPct val="100000"/>
               </a:lnSpc>
@@ -5905,7 +5685,7 @@
               </a:buClr>
               <a:buFont typeface="Source Sans Pro"/>
               <a:buNone/>
-              <a:defRPr sz="1800" b="0" i="0" u="none" strike="noStrike" cap="none">
+              <a:defRPr b="0" i="0" sz="1800" u="none" cap="none" strike="noStrike">
                 <a:solidFill>
                   <a:srgbClr val="263238"/>
                 </a:solidFill>
@@ -5916,9 +5696,7 @@
               </a:defRPr>
             </a:lvl9pPr>
           </a:lstStyle>
-          <a:p>
-            <a:endParaRPr/>
-          </a:p>
+          <a:p/>
         </p:txBody>
       </p:sp>
     </p:spTree>
@@ -5930,11 +5708,11 @@
 </file>
 
 <file path=ppt/slideLayouts/slideLayout8.xml><?xml version="1.0" encoding="utf-8"?>
-<p:sldLayout xmlns:a="http://schemas.openxmlformats.org/drawingml/2006/main" xmlns:r="http://schemas.openxmlformats.org/officeDocument/2006/relationships" xmlns:p="http://schemas.openxmlformats.org/presentationml/2006/main">
+<p:sldLayout xmlns:a="http://schemas.openxmlformats.org/drawingml/2006/main" xmlns:r="http://schemas.openxmlformats.org/officeDocument/2006/relationships" xmlns:mc="http://schemas.openxmlformats.org/markup-compatibility/2006" xmlns:mv="urn:schemas-microsoft-com:mac:vml" xmlns:p="http://schemas.openxmlformats.org/presentationml/2006/main" xmlns:c="http://schemas.openxmlformats.org/drawingml/2006/chart" xmlns:dgm="http://schemas.openxmlformats.org/drawingml/2006/diagram" xmlns:o="urn:schemas-microsoft-com:office:office" xmlns:v="urn:schemas-microsoft-com:vml" xmlns:pvml="urn:schemas-microsoft-com:office:powerpoint" xmlns:com="http://schemas.openxmlformats.org/drawingml/2006/compatibility" xmlns:p14="http://schemas.microsoft.com/office/powerpoint/2010/main">
   <p:cSld name="Title + 3 columns">
     <p:spTree>
       <p:nvGrpSpPr>
-        <p:cNvPr id="1" name="Shape 48"/>
+        <p:cNvPr id="48" name="Shape 48"/>
         <p:cNvGrpSpPr/>
         <p:nvPr/>
       </p:nvGrpSpPr>
@@ -5949,9 +5727,7 @@
       <p:sp>
         <p:nvSpPr>
           <p:cNvPr id="49" name="Shape 49"/>
-          <p:cNvSpPr txBox="1">
-            <a:spLocks noGrp="1"/>
-          </p:cNvSpPr>
+          <p:cNvSpPr txBox="1"/>
           <p:nvPr>
             <p:ph type="title"/>
           </p:nvPr>
@@ -5970,9 +5746,9 @@
           </a:ln>
         </p:spPr>
         <p:txBody>
-          <a:bodyPr lIns="91425" tIns="91425" rIns="91425" bIns="91425" anchor="b" anchorCtr="0"/>
+          <a:bodyPr anchorCtr="0" anchor="b" bIns="91425" lIns="91425" rIns="91425" tIns="91425"/>
           <a:lstStyle>
-            <a:lvl1pPr marL="0" marR="0" lvl="0" indent="0" algn="l" rtl="0">
+            <a:lvl1pPr indent="0" lvl="0" marL="0" marR="0" rtl="0" algn="l">
               <a:lnSpc>
                 <a:spcPct val="100000"/>
               </a:lnSpc>
@@ -5987,7 +5763,7 @@
               </a:buClr>
               <a:buFont typeface="Roboto Slab"/>
               <a:buNone/>
-              <a:defRPr sz="2000" b="0" i="0" u="none" strike="noStrike" cap="none">
+              <a:defRPr b="0" i="0" sz="2000" u="none" cap="none" strike="noStrike">
                 <a:solidFill>
                   <a:srgbClr val="0091EA"/>
                 </a:solidFill>
@@ -5997,7 +5773,7 @@
                 <a:sym typeface="Roboto Slab"/>
               </a:defRPr>
             </a:lvl1pPr>
-            <a:lvl2pPr lvl="1" indent="0" rtl="0">
+            <a:lvl2pPr indent="0" lvl="1" rtl="0">
               <a:spcBef>
                 <a:spcPts val="0"/>
               </a:spcBef>
@@ -6016,7 +5792,7 @@
                 <a:sym typeface="Roboto Slab"/>
               </a:defRPr>
             </a:lvl2pPr>
-            <a:lvl3pPr lvl="2" indent="0" rtl="0">
+            <a:lvl3pPr indent="0" lvl="2" rtl="0">
               <a:spcBef>
                 <a:spcPts val="0"/>
               </a:spcBef>
@@ -6035,7 +5811,7 @@
                 <a:sym typeface="Roboto Slab"/>
               </a:defRPr>
             </a:lvl3pPr>
-            <a:lvl4pPr lvl="3" indent="0" rtl="0">
+            <a:lvl4pPr indent="0" lvl="3" rtl="0">
               <a:spcBef>
                 <a:spcPts val="0"/>
               </a:spcBef>
@@ -6054,7 +5830,7 @@
                 <a:sym typeface="Roboto Slab"/>
               </a:defRPr>
             </a:lvl4pPr>
-            <a:lvl5pPr lvl="4" indent="0" rtl="0">
+            <a:lvl5pPr indent="0" lvl="4" rtl="0">
               <a:spcBef>
                 <a:spcPts val="0"/>
               </a:spcBef>
@@ -6073,7 +5849,7 @@
                 <a:sym typeface="Roboto Slab"/>
               </a:defRPr>
             </a:lvl5pPr>
-            <a:lvl6pPr lvl="5" indent="0" rtl="0">
+            <a:lvl6pPr indent="0" lvl="5" rtl="0">
               <a:spcBef>
                 <a:spcPts val="0"/>
               </a:spcBef>
@@ -6092,7 +5868,7 @@
                 <a:sym typeface="Roboto Slab"/>
               </a:defRPr>
             </a:lvl6pPr>
-            <a:lvl7pPr lvl="6" indent="0" rtl="0">
+            <a:lvl7pPr indent="0" lvl="6" rtl="0">
               <a:spcBef>
                 <a:spcPts val="0"/>
               </a:spcBef>
@@ -6111,7 +5887,7 @@
                 <a:sym typeface="Roboto Slab"/>
               </a:defRPr>
             </a:lvl7pPr>
-            <a:lvl8pPr lvl="7" indent="0" rtl="0">
+            <a:lvl8pPr indent="0" lvl="7" rtl="0">
               <a:spcBef>
                 <a:spcPts val="0"/>
               </a:spcBef>
@@ -6130,7 +5906,7 @@
                 <a:sym typeface="Roboto Slab"/>
               </a:defRPr>
             </a:lvl8pPr>
-            <a:lvl9pPr lvl="8" indent="0" rtl="0">
+            <a:lvl9pPr indent="0" lvl="8" rtl="0">
               <a:spcBef>
                 <a:spcPts val="0"/>
               </a:spcBef>
@@ -6150,19 +5926,15 @@
               </a:defRPr>
             </a:lvl9pPr>
           </a:lstStyle>
-          <a:p>
-            <a:endParaRPr/>
-          </a:p>
+          <a:p/>
         </p:txBody>
       </p:sp>
       <p:sp>
         <p:nvSpPr>
           <p:cNvPr id="50" name="Shape 50"/>
-          <p:cNvSpPr txBox="1">
-            <a:spLocks noGrp="1"/>
-          </p:cNvSpPr>
+          <p:cNvSpPr txBox="1"/>
           <p:nvPr>
-            <p:ph type="body" idx="1"/>
+            <p:ph idx="1" type="body"/>
           </p:nvPr>
         </p:nvSpPr>
         <p:spPr>
@@ -6179,9 +5951,9 @@
           </a:ln>
         </p:spPr>
         <p:txBody>
-          <a:bodyPr lIns="91425" tIns="91425" rIns="91425" bIns="91425" anchor="t" anchorCtr="0"/>
+          <a:bodyPr anchorCtr="0" anchor="t" bIns="91425" lIns="91425" rIns="91425" tIns="91425"/>
           <a:lstStyle>
-            <a:lvl1pPr marL="0" marR="0" lvl="0" indent="127000" algn="l" rtl="0">
+            <a:lvl1pPr indent="127000" lvl="0" marL="0" marR="0" rtl="0" algn="l">
               <a:lnSpc>
                 <a:spcPct val="100000"/>
               </a:lnSpc>
@@ -6197,7 +5969,7 @@
               <a:buSzPct val="100000"/>
               <a:buFont typeface="Source Sans Pro"/>
               <a:buChar char="◎"/>
-              <a:defRPr sz="2000" b="0" i="0" u="none" strike="noStrike" cap="none">
+              <a:defRPr b="0" i="0" sz="2000" u="none" cap="none" strike="noStrike">
                 <a:solidFill>
                   <a:srgbClr val="263238"/>
                 </a:solidFill>
@@ -6207,7 +5979,7 @@
                 <a:sym typeface="Source Sans Pro"/>
               </a:defRPr>
             </a:lvl1pPr>
-            <a:lvl2pPr marL="457200" marR="0" lvl="1" indent="127000" algn="l" rtl="0">
+            <a:lvl2pPr indent="127000" lvl="1" marL="457200" marR="0" rtl="0" algn="l">
               <a:lnSpc>
                 <a:spcPct val="100000"/>
               </a:lnSpc>
@@ -6223,7 +5995,7 @@
               <a:buSzPct val="100000"/>
               <a:buFont typeface="Source Sans Pro"/>
               <a:buChar char="○"/>
-              <a:defRPr sz="2000" b="0" i="0" u="none" strike="noStrike" cap="none">
+              <a:defRPr b="0" i="0" sz="2000" u="none" cap="none" strike="noStrike">
                 <a:solidFill>
                   <a:srgbClr val="263238"/>
                 </a:solidFill>
@@ -6233,7 +6005,7 @@
                 <a:sym typeface="Source Sans Pro"/>
               </a:defRPr>
             </a:lvl2pPr>
-            <a:lvl3pPr marL="914400" marR="0" lvl="2" indent="127000" algn="l" rtl="0">
+            <a:lvl3pPr indent="127000" lvl="2" marL="914400" marR="0" rtl="0" algn="l">
               <a:lnSpc>
                 <a:spcPct val="100000"/>
               </a:lnSpc>
@@ -6249,7 +6021,7 @@
               <a:buSzPct val="100000"/>
               <a:buFont typeface="Source Sans Pro"/>
               <a:buChar char="◉"/>
-              <a:defRPr sz="2000" b="0" i="0" u="none" strike="noStrike" cap="none">
+              <a:defRPr b="0" i="0" sz="2000" u="none" cap="none" strike="noStrike">
                 <a:solidFill>
                   <a:srgbClr val="263238"/>
                 </a:solidFill>
@@ -6259,7 +6031,7 @@
                 <a:sym typeface="Source Sans Pro"/>
               </a:defRPr>
             </a:lvl3pPr>
-            <a:lvl4pPr marL="1371600" marR="0" lvl="3" indent="0" algn="l" rtl="0">
+            <a:lvl4pPr indent="0" lvl="3" marL="1371600" marR="0" rtl="0" algn="l">
               <a:lnSpc>
                 <a:spcPct val="100000"/>
               </a:lnSpc>
@@ -6274,7 +6046,7 @@
               </a:buClr>
               <a:buFont typeface="Source Sans Pro"/>
               <a:buNone/>
-              <a:defRPr sz="2000" b="0" i="0" u="none" strike="noStrike" cap="none">
+              <a:defRPr b="0" i="0" sz="2000" u="none" cap="none" strike="noStrike">
                 <a:solidFill>
                   <a:srgbClr val="263238"/>
                 </a:solidFill>
@@ -6284,7 +6056,7 @@
                 <a:sym typeface="Source Sans Pro"/>
               </a:defRPr>
             </a:lvl4pPr>
-            <a:lvl5pPr marL="1828800" marR="0" lvl="4" indent="0" algn="l" rtl="0">
+            <a:lvl5pPr indent="0" lvl="4" marL="1828800" marR="0" rtl="0" algn="l">
               <a:lnSpc>
                 <a:spcPct val="100000"/>
               </a:lnSpc>
@@ -6299,7 +6071,7 @@
               </a:buClr>
               <a:buFont typeface="Source Sans Pro"/>
               <a:buNone/>
-              <a:defRPr sz="2000" b="0" i="0" u="none" strike="noStrike" cap="none">
+              <a:defRPr b="0" i="0" sz="2000" u="none" cap="none" strike="noStrike">
                 <a:solidFill>
                   <a:srgbClr val="263238"/>
                 </a:solidFill>
@@ -6309,7 +6081,7 @@
                 <a:sym typeface="Source Sans Pro"/>
               </a:defRPr>
             </a:lvl5pPr>
-            <a:lvl6pPr marL="2286000" marR="0" lvl="5" indent="0" algn="l" rtl="0">
+            <a:lvl6pPr indent="0" lvl="5" marL="2286000" marR="0" rtl="0" algn="l">
               <a:lnSpc>
                 <a:spcPct val="100000"/>
               </a:lnSpc>
@@ -6324,7 +6096,7 @@
               </a:buClr>
               <a:buFont typeface="Source Sans Pro"/>
               <a:buNone/>
-              <a:defRPr sz="2000" b="0" i="0" u="none" strike="noStrike" cap="none">
+              <a:defRPr b="0" i="0" sz="2000" u="none" cap="none" strike="noStrike">
                 <a:solidFill>
                   <a:srgbClr val="263238"/>
                 </a:solidFill>
@@ -6334,7 +6106,7 @@
                 <a:sym typeface="Source Sans Pro"/>
               </a:defRPr>
             </a:lvl6pPr>
-            <a:lvl7pPr marL="2743200" marR="0" lvl="6" indent="0" algn="l" rtl="0">
+            <a:lvl7pPr indent="0" lvl="6" marL="2743200" marR="0" rtl="0" algn="l">
               <a:lnSpc>
                 <a:spcPct val="100000"/>
               </a:lnSpc>
@@ -6349,7 +6121,7 @@
               </a:buClr>
               <a:buFont typeface="Source Sans Pro"/>
               <a:buNone/>
-              <a:defRPr sz="2000" b="0" i="0" u="none" strike="noStrike" cap="none">
+              <a:defRPr b="0" i="0" sz="2000" u="none" cap="none" strike="noStrike">
                 <a:solidFill>
                   <a:srgbClr val="263238"/>
                 </a:solidFill>
@@ -6359,7 +6131,7 @@
                 <a:sym typeface="Source Sans Pro"/>
               </a:defRPr>
             </a:lvl7pPr>
-            <a:lvl8pPr marL="3200400" marR="0" lvl="7" indent="0" algn="l" rtl="0">
+            <a:lvl8pPr indent="0" lvl="7" marL="3200400" marR="0" rtl="0" algn="l">
               <a:lnSpc>
                 <a:spcPct val="100000"/>
               </a:lnSpc>
@@ -6374,7 +6146,7 @@
               </a:buClr>
               <a:buFont typeface="Source Sans Pro"/>
               <a:buNone/>
-              <a:defRPr sz="2000" b="0" i="0" u="none" strike="noStrike" cap="none">
+              <a:defRPr b="0" i="0" sz="2000" u="none" cap="none" strike="noStrike">
                 <a:solidFill>
                   <a:srgbClr val="263238"/>
                 </a:solidFill>
@@ -6384,7 +6156,7 @@
                 <a:sym typeface="Source Sans Pro"/>
               </a:defRPr>
             </a:lvl8pPr>
-            <a:lvl9pPr marL="3657600" marR="0" lvl="8" indent="0" algn="l" rtl="0">
+            <a:lvl9pPr indent="0" lvl="8" marL="3657600" marR="0" rtl="0" algn="l">
               <a:lnSpc>
                 <a:spcPct val="100000"/>
               </a:lnSpc>
@@ -6399,7 +6171,7 @@
               </a:buClr>
               <a:buFont typeface="Source Sans Pro"/>
               <a:buNone/>
-              <a:defRPr sz="2000" b="0" i="0" u="none" strike="noStrike" cap="none">
+              <a:defRPr b="0" i="0" sz="2000" u="none" cap="none" strike="noStrike">
                 <a:solidFill>
                   <a:srgbClr val="263238"/>
                 </a:solidFill>
@@ -6410,19 +6182,15 @@
               </a:defRPr>
             </a:lvl9pPr>
           </a:lstStyle>
-          <a:p>
-            <a:endParaRPr/>
-          </a:p>
+          <a:p/>
         </p:txBody>
       </p:sp>
       <p:sp>
         <p:nvSpPr>
           <p:cNvPr id="51" name="Shape 51"/>
-          <p:cNvSpPr txBox="1">
-            <a:spLocks noGrp="1"/>
-          </p:cNvSpPr>
+          <p:cNvSpPr txBox="1"/>
           <p:nvPr>
-            <p:ph type="body" idx="2"/>
+            <p:ph idx="2" type="body"/>
           </p:nvPr>
         </p:nvSpPr>
         <p:spPr>
@@ -6439,9 +6207,9 @@
           </a:ln>
         </p:spPr>
         <p:txBody>
-          <a:bodyPr lIns="91425" tIns="91425" rIns="91425" bIns="91425" anchor="t" anchorCtr="0"/>
+          <a:bodyPr anchorCtr="0" anchor="t" bIns="91425" lIns="91425" rIns="91425" tIns="91425"/>
           <a:lstStyle>
-            <a:lvl1pPr marL="0" marR="0" lvl="0" indent="127000" algn="l" rtl="0">
+            <a:lvl1pPr indent="127000" lvl="0" marL="0" marR="0" rtl="0" algn="l">
               <a:lnSpc>
                 <a:spcPct val="100000"/>
               </a:lnSpc>
@@ -6457,7 +6225,7 @@
               <a:buSzPct val="100000"/>
               <a:buFont typeface="Source Sans Pro"/>
               <a:buChar char="◎"/>
-              <a:defRPr sz="2000" b="0" i="0" u="none" strike="noStrike" cap="none">
+              <a:defRPr b="0" i="0" sz="2000" u="none" cap="none" strike="noStrike">
                 <a:solidFill>
                   <a:srgbClr val="263238"/>
                 </a:solidFill>
@@ -6467,7 +6235,7 @@
                 <a:sym typeface="Source Sans Pro"/>
               </a:defRPr>
             </a:lvl1pPr>
-            <a:lvl2pPr marL="457200" marR="0" lvl="1" indent="127000" algn="l" rtl="0">
+            <a:lvl2pPr indent="127000" lvl="1" marL="457200" marR="0" rtl="0" algn="l">
               <a:lnSpc>
                 <a:spcPct val="100000"/>
               </a:lnSpc>
@@ -6483,7 +6251,7 @@
               <a:buSzPct val="100000"/>
               <a:buFont typeface="Source Sans Pro"/>
               <a:buChar char="○"/>
-              <a:defRPr sz="2000" b="0" i="0" u="none" strike="noStrike" cap="none">
+              <a:defRPr b="0" i="0" sz="2000" u="none" cap="none" strike="noStrike">
                 <a:solidFill>
                   <a:srgbClr val="263238"/>
                 </a:solidFill>
@@ -6493,7 +6261,7 @@
                 <a:sym typeface="Source Sans Pro"/>
               </a:defRPr>
             </a:lvl2pPr>
-            <a:lvl3pPr marL="914400" marR="0" lvl="2" indent="127000" algn="l" rtl="0">
+            <a:lvl3pPr indent="127000" lvl="2" marL="914400" marR="0" rtl="0" algn="l">
               <a:lnSpc>
                 <a:spcPct val="100000"/>
               </a:lnSpc>
@@ -6509,7 +6277,7 @@
               <a:buSzPct val="100000"/>
               <a:buFont typeface="Source Sans Pro"/>
               <a:buChar char="◉"/>
-              <a:defRPr sz="2000" b="0" i="0" u="none" strike="noStrike" cap="none">
+              <a:defRPr b="0" i="0" sz="2000" u="none" cap="none" strike="noStrike">
                 <a:solidFill>
                   <a:srgbClr val="263238"/>
                 </a:solidFill>
@@ -6519,7 +6287,7 @@
                 <a:sym typeface="Source Sans Pro"/>
               </a:defRPr>
             </a:lvl3pPr>
-            <a:lvl4pPr marL="1371600" marR="0" lvl="3" indent="0" algn="l" rtl="0">
+            <a:lvl4pPr indent="0" lvl="3" marL="1371600" marR="0" rtl="0" algn="l">
               <a:lnSpc>
                 <a:spcPct val="100000"/>
               </a:lnSpc>
@@ -6534,7 +6302,7 @@
               </a:buClr>
               <a:buFont typeface="Source Sans Pro"/>
               <a:buNone/>
-              <a:defRPr sz="2000" b="0" i="0" u="none" strike="noStrike" cap="none">
+              <a:defRPr b="0" i="0" sz="2000" u="none" cap="none" strike="noStrike">
                 <a:solidFill>
                   <a:srgbClr val="263238"/>
                 </a:solidFill>
@@ -6544,7 +6312,7 @@
                 <a:sym typeface="Source Sans Pro"/>
               </a:defRPr>
             </a:lvl4pPr>
-            <a:lvl5pPr marL="1828800" marR="0" lvl="4" indent="0" algn="l" rtl="0">
+            <a:lvl5pPr indent="0" lvl="4" marL="1828800" marR="0" rtl="0" algn="l">
               <a:lnSpc>
                 <a:spcPct val="100000"/>
               </a:lnSpc>
@@ -6559,7 +6327,7 @@
               </a:buClr>
               <a:buFont typeface="Source Sans Pro"/>
               <a:buNone/>
-              <a:defRPr sz="2000" b="0" i="0" u="none" strike="noStrike" cap="none">
+              <a:defRPr b="0" i="0" sz="2000" u="none" cap="none" strike="noStrike">
                 <a:solidFill>
                   <a:srgbClr val="263238"/>
                 </a:solidFill>
@@ -6569,7 +6337,7 @@
                 <a:sym typeface="Source Sans Pro"/>
               </a:defRPr>
             </a:lvl5pPr>
-            <a:lvl6pPr marL="2286000" marR="0" lvl="5" indent="0" algn="l" rtl="0">
+            <a:lvl6pPr indent="0" lvl="5" marL="2286000" marR="0" rtl="0" algn="l">
               <a:lnSpc>
                 <a:spcPct val="100000"/>
               </a:lnSpc>
@@ -6584,7 +6352,7 @@
               </a:buClr>
               <a:buFont typeface="Source Sans Pro"/>
               <a:buNone/>
-              <a:defRPr sz="2000" b="0" i="0" u="none" strike="noStrike" cap="none">
+              <a:defRPr b="0" i="0" sz="2000" u="none" cap="none" strike="noStrike">
                 <a:solidFill>
                   <a:srgbClr val="263238"/>
                 </a:solidFill>
@@ -6594,7 +6362,7 @@
                 <a:sym typeface="Source Sans Pro"/>
               </a:defRPr>
             </a:lvl6pPr>
-            <a:lvl7pPr marL="2743200" marR="0" lvl="6" indent="0" algn="l" rtl="0">
+            <a:lvl7pPr indent="0" lvl="6" marL="2743200" marR="0" rtl="0" algn="l">
               <a:lnSpc>
                 <a:spcPct val="100000"/>
               </a:lnSpc>
@@ -6609,7 +6377,7 @@
               </a:buClr>
               <a:buFont typeface="Source Sans Pro"/>
               <a:buNone/>
-              <a:defRPr sz="2000" b="0" i="0" u="none" strike="noStrike" cap="none">
+              <a:defRPr b="0" i="0" sz="2000" u="none" cap="none" strike="noStrike">
                 <a:solidFill>
                   <a:srgbClr val="263238"/>
                 </a:solidFill>
@@ -6619,7 +6387,7 @@
                 <a:sym typeface="Source Sans Pro"/>
               </a:defRPr>
             </a:lvl7pPr>
-            <a:lvl8pPr marL="3200400" marR="0" lvl="7" indent="0" algn="l" rtl="0">
+            <a:lvl8pPr indent="0" lvl="7" marL="3200400" marR="0" rtl="0" algn="l">
               <a:lnSpc>
                 <a:spcPct val="100000"/>
               </a:lnSpc>
@@ -6634,7 +6402,7 @@
               </a:buClr>
               <a:buFont typeface="Source Sans Pro"/>
               <a:buNone/>
-              <a:defRPr sz="2000" b="0" i="0" u="none" strike="noStrike" cap="none">
+              <a:defRPr b="0" i="0" sz="2000" u="none" cap="none" strike="noStrike">
                 <a:solidFill>
                   <a:srgbClr val="263238"/>
                 </a:solidFill>
@@ -6644,7 +6412,7 @@
                 <a:sym typeface="Source Sans Pro"/>
               </a:defRPr>
             </a:lvl8pPr>
-            <a:lvl9pPr marL="3657600" marR="0" lvl="8" indent="0" algn="l" rtl="0">
+            <a:lvl9pPr indent="0" lvl="8" marL="3657600" marR="0" rtl="0" algn="l">
               <a:lnSpc>
                 <a:spcPct val="100000"/>
               </a:lnSpc>
@@ -6659,7 +6427,7 @@
               </a:buClr>
               <a:buFont typeface="Source Sans Pro"/>
               <a:buNone/>
-              <a:defRPr sz="2000" b="0" i="0" u="none" strike="noStrike" cap="none">
+              <a:defRPr b="0" i="0" sz="2000" u="none" cap="none" strike="noStrike">
                 <a:solidFill>
                   <a:srgbClr val="263238"/>
                 </a:solidFill>
@@ -6670,19 +6438,15 @@
               </a:defRPr>
             </a:lvl9pPr>
           </a:lstStyle>
-          <a:p>
-            <a:endParaRPr/>
-          </a:p>
+          <a:p/>
         </p:txBody>
       </p:sp>
       <p:sp>
         <p:nvSpPr>
           <p:cNvPr id="52" name="Shape 52"/>
-          <p:cNvSpPr txBox="1">
-            <a:spLocks noGrp="1"/>
-          </p:cNvSpPr>
+          <p:cNvSpPr txBox="1"/>
           <p:nvPr>
-            <p:ph type="body" idx="3"/>
+            <p:ph idx="3" type="body"/>
           </p:nvPr>
         </p:nvSpPr>
         <p:spPr>
@@ -6699,9 +6463,9 @@
           </a:ln>
         </p:spPr>
         <p:txBody>
-          <a:bodyPr lIns="91425" tIns="91425" rIns="91425" bIns="91425" anchor="t" anchorCtr="0"/>
+          <a:bodyPr anchorCtr="0" anchor="t" bIns="91425" lIns="91425" rIns="91425" tIns="91425"/>
           <a:lstStyle>
-            <a:lvl1pPr marL="0" marR="0" lvl="0" indent="127000" algn="l" rtl="0">
+            <a:lvl1pPr indent="127000" lvl="0" marL="0" marR="0" rtl="0" algn="l">
               <a:lnSpc>
                 <a:spcPct val="100000"/>
               </a:lnSpc>
@@ -6717,7 +6481,7 @@
               <a:buSzPct val="100000"/>
               <a:buFont typeface="Source Sans Pro"/>
               <a:buChar char="◎"/>
-              <a:defRPr sz="2000" b="0" i="0" u="none" strike="noStrike" cap="none">
+              <a:defRPr b="0" i="0" sz="2000" u="none" cap="none" strike="noStrike">
                 <a:solidFill>
                   <a:srgbClr val="263238"/>
                 </a:solidFill>
@@ -6727,7 +6491,7 @@
                 <a:sym typeface="Source Sans Pro"/>
               </a:defRPr>
             </a:lvl1pPr>
-            <a:lvl2pPr marL="457200" marR="0" lvl="1" indent="127000" algn="l" rtl="0">
+            <a:lvl2pPr indent="127000" lvl="1" marL="457200" marR="0" rtl="0" algn="l">
               <a:lnSpc>
                 <a:spcPct val="100000"/>
               </a:lnSpc>
@@ -6743,7 +6507,7 @@
               <a:buSzPct val="100000"/>
               <a:buFont typeface="Source Sans Pro"/>
               <a:buChar char="○"/>
-              <a:defRPr sz="2000" b="0" i="0" u="none" strike="noStrike" cap="none">
+              <a:defRPr b="0" i="0" sz="2000" u="none" cap="none" strike="noStrike">
                 <a:solidFill>
                   <a:srgbClr val="263238"/>
                 </a:solidFill>
@@ -6753,7 +6517,7 @@
                 <a:sym typeface="Source Sans Pro"/>
               </a:defRPr>
             </a:lvl2pPr>
-            <a:lvl3pPr marL="914400" marR="0" lvl="2" indent="127000" algn="l" rtl="0">
+            <a:lvl3pPr indent="127000" lvl="2" marL="914400" marR="0" rtl="0" algn="l">
               <a:lnSpc>
                 <a:spcPct val="100000"/>
               </a:lnSpc>
@@ -6769,7 +6533,7 @@
               <a:buSzPct val="100000"/>
               <a:buFont typeface="Source Sans Pro"/>
               <a:buChar char="◉"/>
-              <a:defRPr sz="2000" b="0" i="0" u="none" strike="noStrike" cap="none">
+              <a:defRPr b="0" i="0" sz="2000" u="none" cap="none" strike="noStrike">
                 <a:solidFill>
                   <a:srgbClr val="263238"/>
                 </a:solidFill>
@@ -6779,7 +6543,7 @@
                 <a:sym typeface="Source Sans Pro"/>
               </a:defRPr>
             </a:lvl3pPr>
-            <a:lvl4pPr marL="1371600" marR="0" lvl="3" indent="0" algn="l" rtl="0">
+            <a:lvl4pPr indent="0" lvl="3" marL="1371600" marR="0" rtl="0" algn="l">
               <a:lnSpc>
                 <a:spcPct val="100000"/>
               </a:lnSpc>
@@ -6794,7 +6558,7 @@
               </a:buClr>
               <a:buFont typeface="Source Sans Pro"/>
               <a:buNone/>
-              <a:defRPr sz="2000" b="0" i="0" u="none" strike="noStrike" cap="none">
+              <a:defRPr b="0" i="0" sz="2000" u="none" cap="none" strike="noStrike">
                 <a:solidFill>
                   <a:srgbClr val="263238"/>
                 </a:solidFill>
@@ -6804,7 +6568,7 @@
                 <a:sym typeface="Source Sans Pro"/>
               </a:defRPr>
             </a:lvl4pPr>
-            <a:lvl5pPr marL="1828800" marR="0" lvl="4" indent="0" algn="l" rtl="0">
+            <a:lvl5pPr indent="0" lvl="4" marL="1828800" marR="0" rtl="0" algn="l">
               <a:lnSpc>
                 <a:spcPct val="100000"/>
               </a:lnSpc>
@@ -6819,7 +6583,7 @@
               </a:buClr>
               <a:buFont typeface="Source Sans Pro"/>
               <a:buNone/>
-              <a:defRPr sz="2000" b="0" i="0" u="none" strike="noStrike" cap="none">
+              <a:defRPr b="0" i="0" sz="2000" u="none" cap="none" strike="noStrike">
                 <a:solidFill>
                   <a:srgbClr val="263238"/>
                 </a:solidFill>
@@ -6829,7 +6593,7 @@
                 <a:sym typeface="Source Sans Pro"/>
               </a:defRPr>
             </a:lvl5pPr>
-            <a:lvl6pPr marL="2286000" marR="0" lvl="5" indent="0" algn="l" rtl="0">
+            <a:lvl6pPr indent="0" lvl="5" marL="2286000" marR="0" rtl="0" algn="l">
               <a:lnSpc>
                 <a:spcPct val="100000"/>
               </a:lnSpc>
@@ -6844,7 +6608,7 @@
               </a:buClr>
               <a:buFont typeface="Source Sans Pro"/>
               <a:buNone/>
-              <a:defRPr sz="2000" b="0" i="0" u="none" strike="noStrike" cap="none">
+              <a:defRPr b="0" i="0" sz="2000" u="none" cap="none" strike="noStrike">
                 <a:solidFill>
                   <a:srgbClr val="263238"/>
                 </a:solidFill>
@@ -6854,7 +6618,7 @@
                 <a:sym typeface="Source Sans Pro"/>
               </a:defRPr>
             </a:lvl6pPr>
-            <a:lvl7pPr marL="2743200" marR="0" lvl="6" indent="0" algn="l" rtl="0">
+            <a:lvl7pPr indent="0" lvl="6" marL="2743200" marR="0" rtl="0" algn="l">
               <a:lnSpc>
                 <a:spcPct val="100000"/>
               </a:lnSpc>
@@ -6869,7 +6633,7 @@
               </a:buClr>
               <a:buFont typeface="Source Sans Pro"/>
               <a:buNone/>
-              <a:defRPr sz="2000" b="0" i="0" u="none" strike="noStrike" cap="none">
+              <a:defRPr b="0" i="0" sz="2000" u="none" cap="none" strike="noStrike">
                 <a:solidFill>
                   <a:srgbClr val="263238"/>
                 </a:solidFill>
@@ -6879,7 +6643,7 @@
                 <a:sym typeface="Source Sans Pro"/>
               </a:defRPr>
             </a:lvl7pPr>
-            <a:lvl8pPr marL="3200400" marR="0" lvl="7" indent="0" algn="l" rtl="0">
+            <a:lvl8pPr indent="0" lvl="7" marL="3200400" marR="0" rtl="0" algn="l">
               <a:lnSpc>
                 <a:spcPct val="100000"/>
               </a:lnSpc>
@@ -6894,7 +6658,7 @@
               </a:buClr>
               <a:buFont typeface="Source Sans Pro"/>
               <a:buNone/>
-              <a:defRPr sz="2000" b="0" i="0" u="none" strike="noStrike" cap="none">
+              <a:defRPr b="0" i="0" sz="2000" u="none" cap="none" strike="noStrike">
                 <a:solidFill>
                   <a:srgbClr val="263238"/>
                 </a:solidFill>
@@ -6904,7 +6668,7 @@
                 <a:sym typeface="Source Sans Pro"/>
               </a:defRPr>
             </a:lvl8pPr>
-            <a:lvl9pPr marL="3657600" marR="0" lvl="8" indent="0" algn="l" rtl="0">
+            <a:lvl9pPr indent="0" lvl="8" marL="3657600" marR="0" rtl="0" algn="l">
               <a:lnSpc>
                 <a:spcPct val="100000"/>
               </a:lnSpc>
@@ -6919,7 +6683,7 @@
               </a:buClr>
               <a:buFont typeface="Source Sans Pro"/>
               <a:buNone/>
-              <a:defRPr sz="2000" b="0" i="0" u="none" strike="noStrike" cap="none">
+              <a:defRPr b="0" i="0" sz="2000" u="none" cap="none" strike="noStrike">
                 <a:solidFill>
                   <a:srgbClr val="263238"/>
                 </a:solidFill>
@@ -6930,9 +6694,7 @@
               </a:defRPr>
             </a:lvl9pPr>
           </a:lstStyle>
-          <a:p>
-            <a:endParaRPr/>
-          </a:p>
+          <a:p/>
         </p:txBody>
       </p:sp>
     </p:spTree>
@@ -6944,7 +6706,7 @@
 </file>
 
 <file path=ppt/slideLayouts/slideLayout9.xml><?xml version="1.0" encoding="utf-8"?>
-<p:sldLayout xmlns:a="http://schemas.openxmlformats.org/drawingml/2006/main" xmlns:r="http://schemas.openxmlformats.org/officeDocument/2006/relationships" xmlns:p="http://schemas.openxmlformats.org/presentationml/2006/main">
+<p:sldLayout xmlns:a="http://schemas.openxmlformats.org/drawingml/2006/main" xmlns:r="http://schemas.openxmlformats.org/officeDocument/2006/relationships" xmlns:mc="http://schemas.openxmlformats.org/markup-compatibility/2006" xmlns:mv="urn:schemas-microsoft-com:mac:vml" xmlns:p="http://schemas.openxmlformats.org/presentationml/2006/main" xmlns:c="http://schemas.openxmlformats.org/drawingml/2006/chart" xmlns:dgm="http://schemas.openxmlformats.org/drawingml/2006/diagram" xmlns:o="urn:schemas-microsoft-com:office:office" xmlns:v="urn:schemas-microsoft-com:vml" xmlns:pvml="urn:schemas-microsoft-com:office:powerpoint" xmlns:com="http://schemas.openxmlformats.org/drawingml/2006/compatibility" xmlns:p14="http://schemas.microsoft.com/office/powerpoint/2010/main">
   <p:cSld name="Blank complete pattern">
     <p:bg>
       <p:bgPr>
@@ -6953,15 +6715,14 @@
             <a:alphaModFix/>
           </a:blip>
           <a:stretch>
-            <a:fillRect/>
+            <a:fillRect b="0" l="0" r="0" t="0"/>
           </a:stretch>
         </a:blipFill>
-        <a:effectLst/>
       </p:bgPr>
     </p:bg>
     <p:spTree>
       <p:nvGrpSpPr>
-        <p:cNvPr id="1" name="Shape 53"/>
+        <p:cNvPr id="53" name="Shape 53"/>
         <p:cNvGrpSpPr/>
         <p:nvPr/>
       </p:nvGrpSpPr>
@@ -6997,12 +6758,12 @@
           </a:ln>
         </p:spPr>
         <p:txBody>
-          <a:bodyPr lIns="91425" tIns="91425" rIns="91425" bIns="91425" anchor="ctr" anchorCtr="0">
+          <a:bodyPr anchorCtr="0" anchor="ctr" bIns="91425" lIns="91425" rIns="91425" tIns="91425">
             <a:noAutofit/>
           </a:bodyPr>
           <a:lstStyle/>
           <a:p>
-            <a:pPr marL="0" marR="0" lvl="0" indent="0" algn="l" rtl="0">
+            <a:pPr indent="0" lvl="0" marL="0" marR="0" rtl="0" algn="l">
               <a:lnSpc>
                 <a:spcPct val="100000"/>
               </a:lnSpc>
@@ -7018,7 +6779,10 @@
               <a:buFont typeface="Arial"/>
               <a:buNone/>
             </a:pPr>
-            <a:endParaRPr sz="1400" b="0" i="0" u="none" strike="noStrike" cap="none">
+            <a:r>
+              <a:t/>
+            </a:r>
+            <a:endParaRPr b="0" i="0" sz="1400" u="none" cap="none" strike="noStrike">
               <a:solidFill>
                 <a:srgbClr val="000000"/>
               </a:solidFill>
@@ -7039,24 +6803,23 @@
 </file>
 
 <file path=ppt/slideMasters/slideMaster1.xml><?xml version="1.0" encoding="utf-8"?>
-<p:sldMaster xmlns:a="http://schemas.openxmlformats.org/drawingml/2006/main" xmlns:r="http://schemas.openxmlformats.org/officeDocument/2006/relationships" xmlns:p="http://schemas.openxmlformats.org/presentationml/2006/main">
+<p:sldMaster xmlns:a="http://schemas.openxmlformats.org/drawingml/2006/main" xmlns:r="http://schemas.openxmlformats.org/officeDocument/2006/relationships" xmlns:mc="http://schemas.openxmlformats.org/markup-compatibility/2006" xmlns:mv="urn:schemas-microsoft-com:mac:vml" xmlns:p="http://schemas.openxmlformats.org/presentationml/2006/main" xmlns:c="http://schemas.openxmlformats.org/drawingml/2006/chart" xmlns:dgm="http://schemas.openxmlformats.org/drawingml/2006/diagram" xmlns:o="urn:schemas-microsoft-com:office:office" xmlns:v="urn:schemas-microsoft-com:vml" xmlns:pvml="urn:schemas-microsoft-com:office:powerpoint" xmlns:com="http://schemas.openxmlformats.org/drawingml/2006/compatibility" xmlns:p14="http://schemas.microsoft.com/office/powerpoint/2010/main">
   <p:cSld>
     <p:bg>
       <p:bgPr>
         <a:blipFill rotWithShape="1">
-          <a:blip r:embed="rId12">
+          <a:blip r:embed="rId1">
             <a:alphaModFix/>
           </a:blip>
           <a:stretch>
-            <a:fillRect/>
+            <a:fillRect b="0" l="0" r="0" t="0"/>
           </a:stretch>
         </a:blipFill>
-        <a:effectLst/>
       </p:bgPr>
     </p:bg>
     <p:spTree>
       <p:nvGrpSpPr>
-        <p:cNvPr id="1" name="Shape 5"/>
+        <p:cNvPr id="5" name="Shape 5"/>
         <p:cNvGrpSpPr/>
         <p:nvPr/>
       </p:nvGrpSpPr>
@@ -7071,9 +6834,7 @@
       <p:sp>
         <p:nvSpPr>
           <p:cNvPr id="6" name="Shape 6"/>
-          <p:cNvSpPr txBox="1">
-            <a:spLocks noGrp="1"/>
-          </p:cNvSpPr>
+          <p:cNvSpPr txBox="1"/>
           <p:nvPr>
             <p:ph type="title"/>
           </p:nvPr>
@@ -7092,9 +6853,9 @@
           </a:ln>
         </p:spPr>
         <p:txBody>
-          <a:bodyPr lIns="91425" tIns="91425" rIns="91425" bIns="91425" anchor="b" anchorCtr="0"/>
+          <a:bodyPr anchorCtr="0" anchor="b" bIns="91425" lIns="91425" rIns="91425" tIns="91425"/>
           <a:lstStyle>
-            <a:lvl1pPr marL="0" marR="0" lvl="0" indent="0" algn="l" rtl="0">
+            <a:lvl1pPr indent="0" lvl="0" marL="0" marR="0" rtl="0" algn="l">
               <a:lnSpc>
                 <a:spcPct val="100000"/>
               </a:lnSpc>
@@ -7109,7 +6870,7 @@
               </a:buClr>
               <a:buFont typeface="Roboto Slab"/>
               <a:buNone/>
-              <a:defRPr sz="2000" b="0" i="0" u="none" strike="noStrike" cap="none">
+              <a:defRPr b="0" i="0" sz="2000" u="none" cap="none" strike="noStrike">
                 <a:solidFill>
                   <a:srgbClr val="0091EA"/>
                 </a:solidFill>
@@ -7119,7 +6880,7 @@
                 <a:sym typeface="Roboto Slab"/>
               </a:defRPr>
             </a:lvl1pPr>
-            <a:lvl2pPr lvl="1" indent="0">
+            <a:lvl2pPr indent="0" lvl="1">
               <a:spcBef>
                 <a:spcPts val="0"/>
               </a:spcBef>
@@ -7138,7 +6899,7 @@
                 <a:sym typeface="Roboto Slab"/>
               </a:defRPr>
             </a:lvl2pPr>
-            <a:lvl3pPr lvl="2" indent="0">
+            <a:lvl3pPr indent="0" lvl="2">
               <a:spcBef>
                 <a:spcPts val="0"/>
               </a:spcBef>
@@ -7157,7 +6918,7 @@
                 <a:sym typeface="Roboto Slab"/>
               </a:defRPr>
             </a:lvl3pPr>
-            <a:lvl4pPr lvl="3" indent="0">
+            <a:lvl4pPr indent="0" lvl="3">
               <a:spcBef>
                 <a:spcPts val="0"/>
               </a:spcBef>
@@ -7176,7 +6937,7 @@
                 <a:sym typeface="Roboto Slab"/>
               </a:defRPr>
             </a:lvl4pPr>
-            <a:lvl5pPr lvl="4" indent="0">
+            <a:lvl5pPr indent="0" lvl="4">
               <a:spcBef>
                 <a:spcPts val="0"/>
               </a:spcBef>
@@ -7195,7 +6956,7 @@
                 <a:sym typeface="Roboto Slab"/>
               </a:defRPr>
             </a:lvl5pPr>
-            <a:lvl6pPr lvl="5" indent="0">
+            <a:lvl6pPr indent="0" lvl="5">
               <a:spcBef>
                 <a:spcPts val="0"/>
               </a:spcBef>
@@ -7214,7 +6975,7 @@
                 <a:sym typeface="Roboto Slab"/>
               </a:defRPr>
             </a:lvl6pPr>
-            <a:lvl7pPr lvl="6" indent="0">
+            <a:lvl7pPr indent="0" lvl="6">
               <a:spcBef>
                 <a:spcPts val="0"/>
               </a:spcBef>
@@ -7233,7 +6994,7 @@
                 <a:sym typeface="Roboto Slab"/>
               </a:defRPr>
             </a:lvl7pPr>
-            <a:lvl8pPr lvl="7" indent="0">
+            <a:lvl8pPr indent="0" lvl="7">
               <a:spcBef>
                 <a:spcPts val="0"/>
               </a:spcBef>
@@ -7252,7 +7013,7 @@
                 <a:sym typeface="Roboto Slab"/>
               </a:defRPr>
             </a:lvl8pPr>
-            <a:lvl9pPr lvl="8" indent="0">
+            <a:lvl9pPr indent="0" lvl="8">
               <a:spcBef>
                 <a:spcPts val="0"/>
               </a:spcBef>
@@ -7272,19 +7033,15 @@
               </a:defRPr>
             </a:lvl9pPr>
           </a:lstStyle>
-          <a:p>
-            <a:endParaRPr/>
-          </a:p>
+          <a:p/>
         </p:txBody>
       </p:sp>
       <p:sp>
         <p:nvSpPr>
           <p:cNvPr id="7" name="Shape 7"/>
-          <p:cNvSpPr txBox="1">
-            <a:spLocks noGrp="1"/>
-          </p:cNvSpPr>
+          <p:cNvSpPr txBox="1"/>
           <p:nvPr>
-            <p:ph type="body" idx="1"/>
+            <p:ph idx="1" type="body"/>
           </p:nvPr>
         </p:nvSpPr>
         <p:spPr>
@@ -7301,9 +7058,9 @@
           </a:ln>
         </p:spPr>
         <p:txBody>
-          <a:bodyPr lIns="91425" tIns="91425" rIns="91425" bIns="91425" anchor="t" anchorCtr="0"/>
+          <a:bodyPr anchorCtr="0" anchor="t" bIns="91425" lIns="91425" rIns="91425" tIns="91425"/>
           <a:lstStyle>
-            <a:lvl1pPr marL="0" marR="0" lvl="0" indent="190500" algn="l" rtl="0">
+            <a:lvl1pPr indent="190500" lvl="0" marL="0" marR="0" rtl="0" algn="l">
               <a:lnSpc>
                 <a:spcPct val="100000"/>
               </a:lnSpc>
@@ -7319,7 +7076,7 @@
               <a:buSzPct val="100000"/>
               <a:buFont typeface="Source Sans Pro"/>
               <a:buChar char="◎"/>
-              <a:defRPr sz="3000" b="0" i="0" u="none" strike="noStrike" cap="none">
+              <a:defRPr b="0" i="0" sz="3000" u="none" cap="none" strike="noStrike">
                 <a:solidFill>
                   <a:srgbClr val="263238"/>
                 </a:solidFill>
@@ -7329,7 +7086,7 @@
                 <a:sym typeface="Source Sans Pro"/>
               </a:defRPr>
             </a:lvl1pPr>
-            <a:lvl2pPr marL="457200" marR="0" lvl="1" indent="152400" algn="l" rtl="0">
+            <a:lvl2pPr indent="152400" lvl="1" marL="457200" marR="0" rtl="0" algn="l">
               <a:lnSpc>
                 <a:spcPct val="100000"/>
               </a:lnSpc>
@@ -7345,7 +7102,7 @@
               <a:buSzPct val="100000"/>
               <a:buFont typeface="Source Sans Pro"/>
               <a:buChar char="○"/>
-              <a:defRPr sz="2400" b="0" i="0" u="none" strike="noStrike" cap="none">
+              <a:defRPr b="0" i="0" sz="2400" u="none" cap="none" strike="noStrike">
                 <a:solidFill>
                   <a:srgbClr val="263238"/>
                 </a:solidFill>
@@ -7355,7 +7112,7 @@
                 <a:sym typeface="Source Sans Pro"/>
               </a:defRPr>
             </a:lvl2pPr>
-            <a:lvl3pPr marL="914400" marR="0" lvl="2" indent="152400" algn="l" rtl="0">
+            <a:lvl3pPr indent="152400" lvl="2" marL="914400" marR="0" rtl="0" algn="l">
               <a:lnSpc>
                 <a:spcPct val="100000"/>
               </a:lnSpc>
@@ -7371,7 +7128,7 @@
               <a:buSzPct val="100000"/>
               <a:buFont typeface="Source Sans Pro"/>
               <a:buChar char="◉"/>
-              <a:defRPr sz="2400" b="0" i="0" u="none" strike="noStrike" cap="none">
+              <a:defRPr b="0" i="0" sz="2400" u="none" cap="none" strike="noStrike">
                 <a:solidFill>
                   <a:srgbClr val="263238"/>
                 </a:solidFill>
@@ -7381,7 +7138,7 @@
                 <a:sym typeface="Source Sans Pro"/>
               </a:defRPr>
             </a:lvl3pPr>
-            <a:lvl4pPr marL="1371600" marR="0" lvl="3" indent="0" algn="l" rtl="0">
+            <a:lvl4pPr indent="0" lvl="3" marL="1371600" marR="0" rtl="0" algn="l">
               <a:lnSpc>
                 <a:spcPct val="100000"/>
               </a:lnSpc>
@@ -7396,7 +7153,7 @@
               </a:buClr>
               <a:buFont typeface="Source Sans Pro"/>
               <a:buNone/>
-              <a:defRPr sz="1800" b="0" i="0" u="none" strike="noStrike" cap="none">
+              <a:defRPr b="0" i="0" sz="1800" u="none" cap="none" strike="noStrike">
                 <a:solidFill>
                   <a:srgbClr val="263238"/>
                 </a:solidFill>
@@ -7406,7 +7163,7 @@
                 <a:sym typeface="Source Sans Pro"/>
               </a:defRPr>
             </a:lvl4pPr>
-            <a:lvl5pPr marL="1828800" marR="0" lvl="4" indent="0" algn="l" rtl="0">
+            <a:lvl5pPr indent="0" lvl="4" marL="1828800" marR="0" rtl="0" algn="l">
               <a:lnSpc>
                 <a:spcPct val="100000"/>
               </a:lnSpc>
@@ -7421,7 +7178,7 @@
               </a:buClr>
               <a:buFont typeface="Source Sans Pro"/>
               <a:buNone/>
-              <a:defRPr sz="1800" b="0" i="0" u="none" strike="noStrike" cap="none">
+              <a:defRPr b="0" i="0" sz="1800" u="none" cap="none" strike="noStrike">
                 <a:solidFill>
                   <a:srgbClr val="263238"/>
                 </a:solidFill>
@@ -7431,7 +7188,7 @@
                 <a:sym typeface="Source Sans Pro"/>
               </a:defRPr>
             </a:lvl5pPr>
-            <a:lvl6pPr marL="2286000" marR="0" lvl="5" indent="0" algn="l" rtl="0">
+            <a:lvl6pPr indent="0" lvl="5" marL="2286000" marR="0" rtl="0" algn="l">
               <a:lnSpc>
                 <a:spcPct val="100000"/>
               </a:lnSpc>
@@ -7446,7 +7203,7 @@
               </a:buClr>
               <a:buFont typeface="Source Sans Pro"/>
               <a:buNone/>
-              <a:defRPr sz="1800" b="0" i="0" u="none" strike="noStrike" cap="none">
+              <a:defRPr b="0" i="0" sz="1800" u="none" cap="none" strike="noStrike">
                 <a:solidFill>
                   <a:srgbClr val="263238"/>
                 </a:solidFill>
@@ -7456,7 +7213,7 @@
                 <a:sym typeface="Source Sans Pro"/>
               </a:defRPr>
             </a:lvl6pPr>
-            <a:lvl7pPr marL="2743200" marR="0" lvl="6" indent="0" algn="l" rtl="0">
+            <a:lvl7pPr indent="0" lvl="6" marL="2743200" marR="0" rtl="0" algn="l">
               <a:lnSpc>
                 <a:spcPct val="100000"/>
               </a:lnSpc>
@@ -7471,7 +7228,7 @@
               </a:buClr>
               <a:buFont typeface="Source Sans Pro"/>
               <a:buNone/>
-              <a:defRPr sz="1800" b="0" i="0" u="none" strike="noStrike" cap="none">
+              <a:defRPr b="0" i="0" sz="1800" u="none" cap="none" strike="noStrike">
                 <a:solidFill>
                   <a:srgbClr val="263238"/>
                 </a:solidFill>
@@ -7481,7 +7238,7 @@
                 <a:sym typeface="Source Sans Pro"/>
               </a:defRPr>
             </a:lvl7pPr>
-            <a:lvl8pPr marL="3200400" marR="0" lvl="7" indent="0" algn="l" rtl="0">
+            <a:lvl8pPr indent="0" lvl="7" marL="3200400" marR="0" rtl="0" algn="l">
               <a:lnSpc>
                 <a:spcPct val="100000"/>
               </a:lnSpc>
@@ -7496,7 +7253,7 @@
               </a:buClr>
               <a:buFont typeface="Source Sans Pro"/>
               <a:buNone/>
-              <a:defRPr sz="1800" b="0" i="0" u="none" strike="noStrike" cap="none">
+              <a:defRPr b="0" i="0" sz="1800" u="none" cap="none" strike="noStrike">
                 <a:solidFill>
                   <a:srgbClr val="263238"/>
                 </a:solidFill>
@@ -7506,7 +7263,7 @@
                 <a:sym typeface="Source Sans Pro"/>
               </a:defRPr>
             </a:lvl8pPr>
-            <a:lvl9pPr marL="3657600" marR="0" lvl="8" indent="0" algn="l" rtl="0">
+            <a:lvl9pPr indent="0" lvl="8" marL="3657600" marR="0" rtl="0" algn="l">
               <a:lnSpc>
                 <a:spcPct val="100000"/>
               </a:lnSpc>
@@ -7521,7 +7278,7 @@
               </a:buClr>
               <a:buFont typeface="Source Sans Pro"/>
               <a:buNone/>
-              <a:defRPr sz="1800" b="0" i="0" u="none" strike="noStrike" cap="none">
+              <a:defRPr b="0" i="0" sz="1800" u="none" cap="none" strike="noStrike">
                 <a:solidFill>
                   <a:srgbClr val="263238"/>
                 </a:solidFill>
@@ -7532,30 +7289,28 @@
               </a:defRPr>
             </a:lvl9pPr>
           </a:lstStyle>
-          <a:p>
-            <a:endParaRPr/>
-          </a:p>
+          <a:p/>
         </p:txBody>
       </p:sp>
     </p:spTree>
   </p:cSld>
-  <p:clrMap bg1="lt1" tx1="dk1" bg2="dk2" tx2="lt2" accent1="accent1" accent2="accent2" accent3="accent3" accent4="accent4" accent5="accent5" accent6="accent6" hlink="hlink" folHlink="folHlink"/>
+  <p:clrMap accent1="accent1" accent2="accent2" accent3="accent3" accent4="accent4" accent5="accent5" accent6="accent6" bg1="lt1" bg2="dk2" tx1="dk1" tx2="lt2" folHlink="folHlink" hlink="hlink"/>
   <p:sldLayoutIdLst>
-    <p:sldLayoutId id="2147483648" r:id="rId1"/>
-    <p:sldLayoutId id="2147483649" r:id="rId2"/>
-    <p:sldLayoutId id="2147483650" r:id="rId3"/>
-    <p:sldLayoutId id="2147483651" r:id="rId4"/>
-    <p:sldLayoutId id="2147483652" r:id="rId5"/>
-    <p:sldLayoutId id="2147483653" r:id="rId6"/>
-    <p:sldLayoutId id="2147483654" r:id="rId7"/>
-    <p:sldLayoutId id="2147483655" r:id="rId8"/>
-    <p:sldLayoutId id="2147483656" r:id="rId9"/>
-    <p:sldLayoutId id="2147483657" r:id="rId10"/>
+    <p:sldLayoutId id="2147483648" r:id="rId2"/>
+    <p:sldLayoutId id="2147483649" r:id="rId3"/>
+    <p:sldLayoutId id="2147483650" r:id="rId4"/>
+    <p:sldLayoutId id="2147483651" r:id="rId5"/>
+    <p:sldLayoutId id="2147483652" r:id="rId6"/>
+    <p:sldLayoutId id="2147483653" r:id="rId7"/>
+    <p:sldLayoutId id="2147483654" r:id="rId8"/>
+    <p:sldLayoutId id="2147483655" r:id="rId9"/>
+    <p:sldLayoutId id="2147483656" r:id="rId10"/>
+    <p:sldLayoutId id="2147483657" r:id="rId11"/>
   </p:sldLayoutIdLst>
-  <p:hf sldNum="0" hdr="0" ftr="0" dt="0"/>
+  <p:hf dt="0" ftr="0" hdr="0" sldNum="0"/>
   <p:txStyles>
     <p:titleStyle>
-      <a:defPPr marR="0" lvl="0" algn="l" rtl="0">
+      <a:defPPr lvl="0" marR="0" rtl="0" algn="l">
         <a:lnSpc>
           <a:spcPct val="100000"/>
         </a:lnSpc>
@@ -7566,7 +7321,7 @@
           <a:spcPts val="0"/>
         </a:spcAft>
       </a:defPPr>
-      <a:lvl1pPr marR="0" lvl="0" algn="l" rtl="0">
+      <a:lvl1pPr lvl="0" marR="0" rtl="0" algn="l">
         <a:lnSpc>
           <a:spcPct val="100000"/>
         </a:lnSpc>
@@ -7577,7 +7332,7 @@
           <a:spcPts val="0"/>
         </a:spcAft>
         <a:buNone/>
-        <a:defRPr sz="1400" b="0" i="0" u="none" strike="noStrike" cap="none">
+        <a:defRPr b="0" i="0" sz="1400" u="none" cap="none" strike="noStrike">
           <a:solidFill>
             <a:srgbClr val="000000"/>
           </a:solidFill>
@@ -7589,7 +7344,7 @@
       </a:lvl1pPr>
     </p:titleStyle>
     <p:bodyStyle>
-      <a:defPPr marR="0" lvl="0" algn="l" rtl="0">
+      <a:defPPr lvl="0" marR="0" rtl="0" algn="l">
         <a:lnSpc>
           <a:spcPct val="100000"/>
         </a:lnSpc>
@@ -7600,7 +7355,7 @@
           <a:spcPts val="0"/>
         </a:spcAft>
       </a:defPPr>
-      <a:lvl1pPr marR="0" lvl="0" algn="l" rtl="0">
+      <a:lvl1pPr lvl="0" marR="0" rtl="0" algn="l">
         <a:lnSpc>
           <a:spcPct val="100000"/>
         </a:lnSpc>
@@ -7611,7 +7366,7 @@
           <a:spcPts val="0"/>
         </a:spcAft>
         <a:buNone/>
-        <a:defRPr sz="1400" b="0" i="0" u="none" strike="noStrike" cap="none">
+        <a:defRPr b="0" i="0" sz="1400" u="none" cap="none" strike="noStrike">
           <a:solidFill>
             <a:srgbClr val="000000"/>
           </a:solidFill>
@@ -7621,7 +7376,7 @@
           <a:sym typeface="Arial"/>
         </a:defRPr>
       </a:lvl1pPr>
-      <a:lvl2pPr marR="0" lvl="1" algn="l" rtl="0">
+      <a:lvl2pPr lvl="1" marR="0" rtl="0" algn="l">
         <a:lnSpc>
           <a:spcPct val="100000"/>
         </a:lnSpc>
@@ -7632,7 +7387,7 @@
           <a:spcPts val="0"/>
         </a:spcAft>
         <a:buNone/>
-        <a:defRPr sz="1400" b="0" i="0" u="none" strike="noStrike" cap="none">
+        <a:defRPr b="0" i="0" sz="1400" u="none" cap="none" strike="noStrike">
           <a:solidFill>
             <a:srgbClr val="000000"/>
           </a:solidFill>
@@ -7642,7 +7397,7 @@
           <a:sym typeface="Arial"/>
         </a:defRPr>
       </a:lvl2pPr>
-      <a:lvl3pPr marR="0" lvl="2" algn="l" rtl="0">
+      <a:lvl3pPr lvl="2" marR="0" rtl="0" algn="l">
         <a:lnSpc>
           <a:spcPct val="100000"/>
         </a:lnSpc>
@@ -7653,7 +7408,7 @@
           <a:spcPts val="0"/>
         </a:spcAft>
         <a:buNone/>
-        <a:defRPr sz="1400" b="0" i="0" u="none" strike="noStrike" cap="none">
+        <a:defRPr b="0" i="0" sz="1400" u="none" cap="none" strike="noStrike">
           <a:solidFill>
             <a:srgbClr val="000000"/>
           </a:solidFill>
@@ -7663,7 +7418,7 @@
           <a:sym typeface="Arial"/>
         </a:defRPr>
       </a:lvl3pPr>
-      <a:lvl4pPr marR="0" lvl="3" algn="l" rtl="0">
+      <a:lvl4pPr lvl="3" marR="0" rtl="0" algn="l">
         <a:lnSpc>
           <a:spcPct val="100000"/>
         </a:lnSpc>
@@ -7674,7 +7429,7 @@
           <a:spcPts val="0"/>
         </a:spcAft>
         <a:buNone/>
-        <a:defRPr sz="1400" b="0" i="0" u="none" strike="noStrike" cap="none">
+        <a:defRPr b="0" i="0" sz="1400" u="none" cap="none" strike="noStrike">
           <a:solidFill>
             <a:srgbClr val="000000"/>
           </a:solidFill>
@@ -7684,7 +7439,7 @@
           <a:sym typeface="Arial"/>
         </a:defRPr>
       </a:lvl4pPr>
-      <a:lvl5pPr marR="0" lvl="4" algn="l" rtl="0">
+      <a:lvl5pPr lvl="4" marR="0" rtl="0" algn="l">
         <a:lnSpc>
           <a:spcPct val="100000"/>
         </a:lnSpc>
@@ -7695,7 +7450,7 @@
           <a:spcPts val="0"/>
         </a:spcAft>
         <a:buNone/>
-        <a:defRPr sz="1400" b="0" i="0" u="none" strike="noStrike" cap="none">
+        <a:defRPr b="0" i="0" sz="1400" u="none" cap="none" strike="noStrike">
           <a:solidFill>
             <a:srgbClr val="000000"/>
           </a:solidFill>
@@ -7705,7 +7460,7 @@
           <a:sym typeface="Arial"/>
         </a:defRPr>
       </a:lvl5pPr>
-      <a:lvl6pPr marR="0" lvl="5" algn="l" rtl="0">
+      <a:lvl6pPr lvl="5" marR="0" rtl="0" algn="l">
         <a:lnSpc>
           <a:spcPct val="100000"/>
         </a:lnSpc>
@@ -7716,7 +7471,7 @@
           <a:spcPts val="0"/>
         </a:spcAft>
         <a:buNone/>
-        <a:defRPr sz="1400" b="0" i="0" u="none" strike="noStrike" cap="none">
+        <a:defRPr b="0" i="0" sz="1400" u="none" cap="none" strike="noStrike">
           <a:solidFill>
             <a:srgbClr val="000000"/>
           </a:solidFill>
@@ -7726,7 +7481,7 @@
           <a:sym typeface="Arial"/>
         </a:defRPr>
       </a:lvl6pPr>
-      <a:lvl7pPr marR="0" lvl="6" algn="l" rtl="0">
+      <a:lvl7pPr lvl="6" marR="0" rtl="0" algn="l">
         <a:lnSpc>
           <a:spcPct val="100000"/>
         </a:lnSpc>
@@ -7737,7 +7492,7 @@
           <a:spcPts val="0"/>
         </a:spcAft>
         <a:buNone/>
-        <a:defRPr sz="1400" b="0" i="0" u="none" strike="noStrike" cap="none">
+        <a:defRPr b="0" i="0" sz="1400" u="none" cap="none" strike="noStrike">
           <a:solidFill>
             <a:srgbClr val="000000"/>
           </a:solidFill>
@@ -7747,7 +7502,7 @@
           <a:sym typeface="Arial"/>
         </a:defRPr>
       </a:lvl7pPr>
-      <a:lvl8pPr marR="0" lvl="7" algn="l" rtl="0">
+      <a:lvl8pPr lvl="7" marR="0" rtl="0" algn="l">
         <a:lnSpc>
           <a:spcPct val="100000"/>
         </a:lnSpc>
@@ -7758,7 +7513,7 @@
           <a:spcPts val="0"/>
         </a:spcAft>
         <a:buNone/>
-        <a:defRPr sz="1400" b="0" i="0" u="none" strike="noStrike" cap="none">
+        <a:defRPr b="0" i="0" sz="1400" u="none" cap="none" strike="noStrike">
           <a:solidFill>
             <a:srgbClr val="000000"/>
           </a:solidFill>
@@ -7768,7 +7523,7 @@
           <a:sym typeface="Arial"/>
         </a:defRPr>
       </a:lvl8pPr>
-      <a:lvl9pPr marR="0" lvl="8" algn="l" rtl="0">
+      <a:lvl9pPr lvl="8" marR="0" rtl="0" algn="l">
         <a:lnSpc>
           <a:spcPct val="100000"/>
         </a:lnSpc>
@@ -7779,7 +7534,7 @@
           <a:spcPts val="0"/>
         </a:spcAft>
         <a:buNone/>
-        <a:defRPr sz="1400" b="0" i="0" u="none" strike="noStrike" cap="none">
+        <a:defRPr b="0" i="0" sz="1400" u="none" cap="none" strike="noStrike">
           <a:solidFill>
             <a:srgbClr val="000000"/>
           </a:solidFill>
@@ -7791,7 +7546,7 @@
       </a:lvl9pPr>
     </p:bodyStyle>
     <p:otherStyle>
-      <a:defPPr marR="0" lvl="0" algn="l" rtl="0">
+      <a:defPPr lvl="0" marR="0" rtl="0" algn="l">
         <a:lnSpc>
           <a:spcPct val="100000"/>
         </a:lnSpc>
@@ -7802,7 +7557,7 @@
           <a:spcPts val="0"/>
         </a:spcAft>
       </a:defPPr>
-      <a:lvl1pPr marR="0" lvl="0" algn="l" rtl="0">
+      <a:lvl1pPr lvl="0" marR="0" rtl="0" algn="l">
         <a:lnSpc>
           <a:spcPct val="100000"/>
         </a:lnSpc>
@@ -7813,7 +7568,7 @@
           <a:spcPts val="0"/>
         </a:spcAft>
         <a:buNone/>
-        <a:defRPr sz="1400" b="0" i="0" u="none" strike="noStrike" cap="none">
+        <a:defRPr b="0" i="0" sz="1400" u="none" cap="none" strike="noStrike">
           <a:solidFill>
             <a:srgbClr val="000000"/>
           </a:solidFill>
@@ -7823,7 +7578,7 @@
           <a:sym typeface="Arial"/>
         </a:defRPr>
       </a:lvl1pPr>
-      <a:lvl2pPr marR="0" lvl="1" algn="l" rtl="0">
+      <a:lvl2pPr lvl="1" marR="0" rtl="0" algn="l">
         <a:lnSpc>
           <a:spcPct val="100000"/>
         </a:lnSpc>
@@ -7834,7 +7589,7 @@
           <a:spcPts val="0"/>
         </a:spcAft>
         <a:buNone/>
-        <a:defRPr sz="1400" b="0" i="0" u="none" strike="noStrike" cap="none">
+        <a:defRPr b="0" i="0" sz="1400" u="none" cap="none" strike="noStrike">
           <a:solidFill>
             <a:srgbClr val="000000"/>
           </a:solidFill>
@@ -7844,7 +7599,7 @@
           <a:sym typeface="Arial"/>
         </a:defRPr>
       </a:lvl2pPr>
-      <a:lvl3pPr marR="0" lvl="2" algn="l" rtl="0">
+      <a:lvl3pPr lvl="2" marR="0" rtl="0" algn="l">
         <a:lnSpc>
           <a:spcPct val="100000"/>
         </a:lnSpc>
@@ -7855,7 +7610,7 @@
           <a:spcPts val="0"/>
         </a:spcAft>
         <a:buNone/>
-        <a:defRPr sz="1400" b="0" i="0" u="none" strike="noStrike" cap="none">
+        <a:defRPr b="0" i="0" sz="1400" u="none" cap="none" strike="noStrike">
           <a:solidFill>
             <a:srgbClr val="000000"/>
           </a:solidFill>
@@ -7865,7 +7620,7 @@
           <a:sym typeface="Arial"/>
         </a:defRPr>
       </a:lvl3pPr>
-      <a:lvl4pPr marR="0" lvl="3" algn="l" rtl="0">
+      <a:lvl4pPr lvl="3" marR="0" rtl="0" algn="l">
         <a:lnSpc>
           <a:spcPct val="100000"/>
         </a:lnSpc>
@@ -7876,7 +7631,7 @@
           <a:spcPts val="0"/>
         </a:spcAft>
         <a:buNone/>
-        <a:defRPr sz="1400" b="0" i="0" u="none" strike="noStrike" cap="none">
+        <a:defRPr b="0" i="0" sz="1400" u="none" cap="none" strike="noStrike">
           <a:solidFill>
             <a:srgbClr val="000000"/>
           </a:solidFill>
@@ -7886,7 +7641,7 @@
           <a:sym typeface="Arial"/>
         </a:defRPr>
       </a:lvl4pPr>
-      <a:lvl5pPr marR="0" lvl="4" algn="l" rtl="0">
+      <a:lvl5pPr lvl="4" marR="0" rtl="0" algn="l">
         <a:lnSpc>
           <a:spcPct val="100000"/>
         </a:lnSpc>
@@ -7897,7 +7652,7 @@
           <a:spcPts val="0"/>
         </a:spcAft>
         <a:buNone/>
-        <a:defRPr sz="1400" b="0" i="0" u="none" strike="noStrike" cap="none">
+        <a:defRPr b="0" i="0" sz="1400" u="none" cap="none" strike="noStrike">
           <a:solidFill>
             <a:srgbClr val="000000"/>
           </a:solidFill>
@@ -7907,7 +7662,7 @@
           <a:sym typeface="Arial"/>
         </a:defRPr>
       </a:lvl5pPr>
-      <a:lvl6pPr marR="0" lvl="5" algn="l" rtl="0">
+      <a:lvl6pPr lvl="5" marR="0" rtl="0" algn="l">
         <a:lnSpc>
           <a:spcPct val="100000"/>
         </a:lnSpc>
@@ -7918,7 +7673,7 @@
           <a:spcPts val="0"/>
         </a:spcAft>
         <a:buNone/>
-        <a:defRPr sz="1400" b="0" i="0" u="none" strike="noStrike" cap="none">
+        <a:defRPr b="0" i="0" sz="1400" u="none" cap="none" strike="noStrike">
           <a:solidFill>
             <a:srgbClr val="000000"/>
           </a:solidFill>
@@ -7928,7 +7683,7 @@
           <a:sym typeface="Arial"/>
         </a:defRPr>
       </a:lvl6pPr>
-      <a:lvl7pPr marR="0" lvl="6" algn="l" rtl="0">
+      <a:lvl7pPr lvl="6" marR="0" rtl="0" algn="l">
         <a:lnSpc>
           <a:spcPct val="100000"/>
         </a:lnSpc>
@@ -7939,7 +7694,7 @@
           <a:spcPts val="0"/>
         </a:spcAft>
         <a:buNone/>
-        <a:defRPr sz="1400" b="0" i="0" u="none" strike="noStrike" cap="none">
+        <a:defRPr b="0" i="0" sz="1400" u="none" cap="none" strike="noStrike">
           <a:solidFill>
             <a:srgbClr val="000000"/>
           </a:solidFill>
@@ -7949,7 +7704,7 @@
           <a:sym typeface="Arial"/>
         </a:defRPr>
       </a:lvl7pPr>
-      <a:lvl8pPr marR="0" lvl="7" algn="l" rtl="0">
+      <a:lvl8pPr lvl="7" marR="0" rtl="0" algn="l">
         <a:lnSpc>
           <a:spcPct val="100000"/>
         </a:lnSpc>
@@ -7960,7 +7715,7 @@
           <a:spcPts val="0"/>
         </a:spcAft>
         <a:buNone/>
-        <a:defRPr sz="1400" b="0" i="0" u="none" strike="noStrike" cap="none">
+        <a:defRPr b="0" i="0" sz="1400" u="none" cap="none" strike="noStrike">
           <a:solidFill>
             <a:srgbClr val="000000"/>
           </a:solidFill>
@@ -7970,7 +7725,7 @@
           <a:sym typeface="Arial"/>
         </a:defRPr>
       </a:lvl8pPr>
-      <a:lvl9pPr marR="0" lvl="8" algn="l" rtl="0">
+      <a:lvl9pPr lvl="8" marR="0" rtl="0" algn="l">
         <a:lnSpc>
           <a:spcPct val="100000"/>
         </a:lnSpc>
@@ -7981,7 +7736,7 @@
           <a:spcPts val="0"/>
         </a:spcAft>
         <a:buNone/>
-        <a:defRPr sz="1400" b="0" i="0" u="none" strike="noStrike" cap="none">
+        <a:defRPr b="0" i="0" sz="1400" u="none" cap="none" strike="noStrike">
           <a:solidFill>
             <a:srgbClr val="000000"/>
           </a:solidFill>
@@ -7997,11 +7752,11 @@
 </file>
 
 <file path=ppt/slides/slide1.xml><?xml version="1.0" encoding="utf-8"?>
-<p:sld xmlns:a="http://schemas.openxmlformats.org/drawingml/2006/main" xmlns:r="http://schemas.openxmlformats.org/officeDocument/2006/relationships" xmlns:p="http://schemas.openxmlformats.org/presentationml/2006/main">
+<p:sld xmlns:a="http://schemas.openxmlformats.org/drawingml/2006/main" xmlns:r="http://schemas.openxmlformats.org/officeDocument/2006/relationships" xmlns:mc="http://schemas.openxmlformats.org/markup-compatibility/2006" xmlns:mv="urn:schemas-microsoft-com:mac:vml" xmlns:p="http://schemas.openxmlformats.org/presentationml/2006/main" xmlns:c="http://schemas.openxmlformats.org/drawingml/2006/chart" xmlns:dgm="http://schemas.openxmlformats.org/drawingml/2006/diagram" xmlns:o="urn:schemas-microsoft-com:office:office" xmlns:v="urn:schemas-microsoft-com:vml" xmlns:pvml="urn:schemas-microsoft-com:office:powerpoint" xmlns:com="http://schemas.openxmlformats.org/drawingml/2006/compatibility" xmlns:p14="http://schemas.microsoft.com/office/powerpoint/2010/main">
   <p:cSld>
     <p:spTree>
       <p:nvGrpSpPr>
-        <p:cNvPr id="1" name="Shape 60"/>
+        <p:cNvPr id="60" name="Shape 60"/>
         <p:cNvGrpSpPr/>
         <p:nvPr/>
       </p:nvGrpSpPr>
@@ -8039,13 +7794,8 @@
               <a:ext cx="89525" cy="89525"/>
             </a:xfrm>
             <a:custGeom>
-              <a:avLst/>
-              <a:gdLst/>
-              <a:ahLst/>
-              <a:cxnLst/>
-              <a:rect l="0" t="0" r="0" b="0"/>
               <a:pathLst>
-                <a:path w="120000" h="120000" fill="none" extrusionOk="0">
+                <a:path extrusionOk="0" fill="none" h="120000" w="120000">
                   <a:moveTo>
                     <a:pt x="34280" y="114269"/>
                   </a:moveTo>
@@ -8238,23 +7988,23 @@
             <a:solidFill>
               <a:schemeClr val="lt1"/>
             </a:solidFill>
-            <a:ln w="12175" cap="rnd" cmpd="sng">
+            <a:ln cap="rnd" cmpd="sng" w="12175">
               <a:solidFill>
                 <a:srgbClr val="83B3D9"/>
               </a:solidFill>
               <a:prstDash val="solid"/>
               <a:round/>
-              <a:headEnd type="none" w="med" len="med"/>
-              <a:tailEnd type="none" w="med" len="med"/>
+              <a:headEnd len="med" w="med" type="none"/>
+              <a:tailEnd len="med" w="med" type="none"/>
             </a:ln>
           </p:spPr>
           <p:txBody>
-            <a:bodyPr lIns="91425" tIns="91425" rIns="91425" bIns="91425" anchor="ctr" anchorCtr="0">
+            <a:bodyPr anchorCtr="0" anchor="ctr" bIns="91425" lIns="91425" rIns="91425" tIns="91425">
               <a:noAutofit/>
             </a:bodyPr>
             <a:lstStyle/>
             <a:p>
-              <a:pPr marL="0" marR="0" lvl="0" indent="0" algn="l" rtl="0">
+              <a:pPr indent="0" lvl="0" marL="0" marR="0" rtl="0" algn="l">
                 <a:lnSpc>
                   <a:spcPct val="100000"/>
                 </a:lnSpc>
@@ -8270,7 +8020,10 @@
                 <a:buFont typeface="Arial"/>
                 <a:buNone/>
               </a:pPr>
-              <a:endParaRPr sz="1400" b="0" i="0" u="none" strike="noStrike" cap="none">
+              <a:r>
+                <a:t/>
+              </a:r>
+              <a:endParaRPr b="0" i="0" sz="1400" u="none" cap="none" strike="noStrike">
                 <a:solidFill>
                   <a:srgbClr val="FFFFFF"/>
                 </a:solidFill>
@@ -8294,13 +8047,8 @@
               <a:ext cx="88925" cy="88925"/>
             </a:xfrm>
             <a:custGeom>
-              <a:avLst/>
-              <a:gdLst/>
-              <a:ahLst/>
-              <a:cxnLst/>
-              <a:rect l="0" t="0" r="0" b="0"/>
               <a:pathLst>
-                <a:path w="120000" h="120000" fill="none" extrusionOk="0">
+                <a:path extrusionOk="0" fill="none" h="120000" w="120000">
                   <a:moveTo>
                     <a:pt x="107652" y="96148"/>
                   </a:moveTo>
@@ -8493,23 +8241,23 @@
             <a:solidFill>
               <a:schemeClr val="lt1"/>
             </a:solidFill>
-            <a:ln w="12175" cap="rnd" cmpd="sng">
+            <a:ln cap="rnd" cmpd="sng" w="12175">
               <a:solidFill>
                 <a:srgbClr val="83B3D9"/>
               </a:solidFill>
               <a:prstDash val="solid"/>
               <a:round/>
-              <a:headEnd type="none" w="med" len="med"/>
-              <a:tailEnd type="none" w="med" len="med"/>
+              <a:headEnd len="med" w="med" type="none"/>
+              <a:tailEnd len="med" w="med" type="none"/>
             </a:ln>
           </p:spPr>
           <p:txBody>
-            <a:bodyPr lIns="91425" tIns="91425" rIns="91425" bIns="91425" anchor="ctr" anchorCtr="0">
+            <a:bodyPr anchorCtr="0" anchor="ctr" bIns="91425" lIns="91425" rIns="91425" tIns="91425">
               <a:noAutofit/>
             </a:bodyPr>
             <a:lstStyle/>
             <a:p>
-              <a:pPr marL="0" marR="0" lvl="0" indent="0" algn="l" rtl="0">
+              <a:pPr indent="0" lvl="0" marL="0" marR="0" rtl="0" algn="l">
                 <a:lnSpc>
                   <a:spcPct val="100000"/>
                 </a:lnSpc>
@@ -8525,7 +8273,10 @@
                 <a:buFont typeface="Arial"/>
                 <a:buNone/>
               </a:pPr>
-              <a:endParaRPr sz="1400" b="0" i="0" u="none" strike="noStrike" cap="none">
+              <a:r>
+                <a:t/>
+              </a:r>
+              <a:endParaRPr b="0" i="0" sz="1400" u="none" cap="none" strike="noStrike">
                 <a:solidFill>
                   <a:srgbClr val="FFFFFF"/>
                 </a:solidFill>
@@ -8549,13 +8300,8 @@
               <a:ext cx="89525" cy="89525"/>
             </a:xfrm>
             <a:custGeom>
-              <a:avLst/>
-              <a:gdLst/>
-              <a:ahLst/>
-              <a:cxnLst/>
-              <a:rect l="0" t="0" r="0" b="0"/>
               <a:pathLst>
-                <a:path w="120000" h="120000" fill="none" extrusionOk="0">
+                <a:path extrusionOk="0" fill="none" h="120000" w="120000">
                   <a:moveTo>
                     <a:pt x="107735" y="23691"/>
                   </a:moveTo>
@@ -8748,23 +8494,23 @@
             <a:solidFill>
               <a:schemeClr val="lt1"/>
             </a:solidFill>
-            <a:ln w="12175" cap="rnd" cmpd="sng">
+            <a:ln cap="rnd" cmpd="sng" w="12175">
               <a:solidFill>
                 <a:srgbClr val="83B3D9"/>
               </a:solidFill>
               <a:prstDash val="solid"/>
               <a:round/>
-              <a:headEnd type="none" w="med" len="med"/>
-              <a:tailEnd type="none" w="med" len="med"/>
+              <a:headEnd len="med" w="med" type="none"/>
+              <a:tailEnd len="med" w="med" type="none"/>
             </a:ln>
           </p:spPr>
           <p:txBody>
-            <a:bodyPr lIns="91425" tIns="91425" rIns="91425" bIns="91425" anchor="ctr" anchorCtr="0">
+            <a:bodyPr anchorCtr="0" anchor="ctr" bIns="91425" lIns="91425" rIns="91425" tIns="91425">
               <a:noAutofit/>
             </a:bodyPr>
             <a:lstStyle/>
             <a:p>
-              <a:pPr marL="0" marR="0" lvl="0" indent="0" algn="l" rtl="0">
+              <a:pPr indent="0" lvl="0" marL="0" marR="0" rtl="0" algn="l">
                 <a:lnSpc>
                   <a:spcPct val="100000"/>
                 </a:lnSpc>
@@ -8780,7 +8526,10 @@
                 <a:buFont typeface="Arial"/>
                 <a:buNone/>
               </a:pPr>
-              <a:endParaRPr sz="1400" b="0" i="0" u="none" strike="noStrike" cap="none">
+              <a:r>
+                <a:t/>
+              </a:r>
+              <a:endParaRPr b="0" i="0" sz="1400" u="none" cap="none" strike="noStrike">
                 <a:solidFill>
                   <a:srgbClr val="FFFFFF"/>
                 </a:solidFill>
@@ -8804,13 +8553,8 @@
               <a:ext cx="88925" cy="88324"/>
             </a:xfrm>
             <a:custGeom>
-              <a:avLst/>
-              <a:gdLst/>
-              <a:ahLst/>
-              <a:cxnLst/>
-              <a:rect l="0" t="0" r="0" b="0"/>
               <a:pathLst>
-                <a:path w="120000" h="120000" fill="none" extrusionOk="0">
+                <a:path extrusionOk="0" fill="none" h="120000" w="120000">
                   <a:moveTo>
                     <a:pt x="46859" y="33"/>
                   </a:moveTo>
@@ -9003,23 +8747,23 @@
             <a:solidFill>
               <a:schemeClr val="lt1"/>
             </a:solidFill>
-            <a:ln w="12175" cap="rnd" cmpd="sng">
+            <a:ln cap="rnd" cmpd="sng" w="12175">
               <a:solidFill>
                 <a:srgbClr val="83B3D9"/>
               </a:solidFill>
               <a:prstDash val="solid"/>
               <a:round/>
-              <a:headEnd type="none" w="med" len="med"/>
-              <a:tailEnd type="none" w="med" len="med"/>
+              <a:headEnd len="med" w="med" type="none"/>
+              <a:tailEnd len="med" w="med" type="none"/>
             </a:ln>
           </p:spPr>
           <p:txBody>
-            <a:bodyPr lIns="91425" tIns="91425" rIns="91425" bIns="91425" anchor="ctr" anchorCtr="0">
+            <a:bodyPr anchorCtr="0" anchor="ctr" bIns="91425" lIns="91425" rIns="91425" tIns="91425">
               <a:noAutofit/>
             </a:bodyPr>
             <a:lstStyle/>
             <a:p>
-              <a:pPr marL="0" marR="0" lvl="0" indent="0" algn="l" rtl="0">
+              <a:pPr indent="0" lvl="0" marL="0" marR="0" rtl="0" algn="l">
                 <a:lnSpc>
                   <a:spcPct val="100000"/>
                 </a:lnSpc>
@@ -9035,7 +8779,10 @@
                 <a:buFont typeface="Arial"/>
                 <a:buNone/>
               </a:pPr>
-              <a:endParaRPr sz="1400" b="0" i="0" u="none" strike="noStrike" cap="none">
+              <a:r>
+                <a:t/>
+              </a:r>
+              <a:endParaRPr b="0" i="0" sz="1400" u="none" cap="none" strike="noStrike">
                 <a:solidFill>
                   <a:srgbClr val="FFFFFF"/>
                 </a:solidFill>
@@ -9059,13 +8806,8 @@
               <a:ext cx="88925" cy="89525"/>
             </a:xfrm>
             <a:custGeom>
-              <a:avLst/>
-              <a:gdLst/>
-              <a:ahLst/>
-              <a:cxnLst/>
-              <a:rect l="0" t="0" r="0" b="0"/>
               <a:pathLst>
-                <a:path w="120000" h="120000" fill="none" extrusionOk="0">
+                <a:path extrusionOk="0" fill="none" h="120000" w="120000">
                   <a:moveTo>
                     <a:pt x="0" y="67757"/>
                   </a:moveTo>
@@ -9264,23 +9006,23 @@
             <a:solidFill>
               <a:schemeClr val="lt1"/>
             </a:solidFill>
-            <a:ln w="12175" cap="rnd" cmpd="sng">
+            <a:ln cap="rnd" cmpd="sng" w="12175">
               <a:solidFill>
                 <a:srgbClr val="83B3D9"/>
               </a:solidFill>
               <a:prstDash val="solid"/>
               <a:round/>
-              <a:headEnd type="none" w="med" len="med"/>
-              <a:tailEnd type="none" w="med" len="med"/>
+              <a:headEnd len="med" w="med" type="none"/>
+              <a:tailEnd len="med" w="med" type="none"/>
             </a:ln>
           </p:spPr>
           <p:txBody>
-            <a:bodyPr lIns="91425" tIns="91425" rIns="91425" bIns="91425" anchor="ctr" anchorCtr="0">
+            <a:bodyPr anchorCtr="0" anchor="ctr" bIns="91425" lIns="91425" rIns="91425" tIns="91425">
               <a:noAutofit/>
             </a:bodyPr>
             <a:lstStyle/>
             <a:p>
-              <a:pPr marL="0" marR="0" lvl="0" indent="0" algn="l" rtl="0">
+              <a:pPr indent="0" lvl="0" marL="0" marR="0" rtl="0" algn="l">
                 <a:lnSpc>
                   <a:spcPct val="100000"/>
                 </a:lnSpc>
@@ -9296,7 +9038,10 @@
                 <a:buFont typeface="Arial"/>
                 <a:buNone/>
               </a:pPr>
-              <a:endParaRPr sz="1400" b="0" i="0" u="none" strike="noStrike" cap="none">
+              <a:r>
+                <a:t/>
+              </a:r>
+              <a:endParaRPr b="0" i="0" sz="1400" u="none" cap="none" strike="noStrike">
                 <a:solidFill>
                   <a:srgbClr val="FFFFFF"/>
                 </a:solidFill>
@@ -9320,13 +9065,8 @@
               <a:ext cx="188775" cy="189400"/>
             </a:xfrm>
             <a:custGeom>
-              <a:avLst/>
-              <a:gdLst/>
-              <a:ahLst/>
-              <a:cxnLst/>
-              <a:rect l="0" t="0" r="0" b="0"/>
               <a:pathLst>
-                <a:path w="120000" h="120000" fill="none" extrusionOk="0">
+                <a:path extrusionOk="0" fill="none" h="120000" w="120000">
                   <a:moveTo>
                     <a:pt x="0" y="59809"/>
                   </a:moveTo>
@@ -9544,23 +9284,23 @@
             <a:solidFill>
               <a:schemeClr val="lt1"/>
             </a:solidFill>
-            <a:ln w="12175" cap="rnd" cmpd="sng">
+            <a:ln cap="rnd" cmpd="sng" w="12175">
               <a:solidFill>
                 <a:srgbClr val="83B3D9"/>
               </a:solidFill>
               <a:prstDash val="solid"/>
               <a:round/>
-              <a:headEnd type="none" w="med" len="med"/>
-              <a:tailEnd type="none" w="med" len="med"/>
+              <a:headEnd len="med" w="med" type="none"/>
+              <a:tailEnd len="med" w="med" type="none"/>
             </a:ln>
           </p:spPr>
           <p:txBody>
-            <a:bodyPr lIns="91425" tIns="91425" rIns="91425" bIns="91425" anchor="ctr" anchorCtr="0">
+            <a:bodyPr anchorCtr="0" anchor="ctr" bIns="91425" lIns="91425" rIns="91425" tIns="91425">
               <a:noAutofit/>
             </a:bodyPr>
             <a:lstStyle/>
             <a:p>
-              <a:pPr marL="0" marR="0" lvl="0" indent="0" algn="l" rtl="0">
+              <a:pPr indent="0" lvl="0" marL="0" marR="0" rtl="0" algn="l">
                 <a:lnSpc>
                   <a:spcPct val="100000"/>
                 </a:lnSpc>
@@ -9576,7 +9316,10 @@
                 <a:buFont typeface="Arial"/>
                 <a:buNone/>
               </a:pPr>
-              <a:endParaRPr sz="1400" b="0" i="0" u="none" strike="noStrike" cap="none">
+              <a:r>
+                <a:t/>
+              </a:r>
+              <a:endParaRPr b="0" i="0" sz="1400" u="none" cap="none" strike="noStrike">
                 <a:solidFill>
                   <a:srgbClr val="FFFFFF"/>
                 </a:solidFill>
@@ -9600,13 +9343,8 @@
               <a:ext cx="81600" cy="105974"/>
             </a:xfrm>
             <a:custGeom>
-              <a:avLst/>
-              <a:gdLst/>
-              <a:ahLst/>
-              <a:cxnLst/>
-              <a:rect l="0" t="0" r="0" b="0"/>
               <a:pathLst>
-                <a:path w="120000" h="120000" fill="none" extrusionOk="0">
+                <a:path extrusionOk="0" fill="none" h="120000" w="120000">
                   <a:moveTo>
                     <a:pt x="0" y="28"/>
                   </a:moveTo>
@@ -9619,23 +9357,23 @@
             <a:solidFill>
               <a:schemeClr val="lt1"/>
             </a:solidFill>
-            <a:ln w="12175" cap="rnd" cmpd="sng">
+            <a:ln cap="rnd" cmpd="sng" w="12175">
               <a:solidFill>
                 <a:srgbClr val="83B3D9"/>
               </a:solidFill>
               <a:prstDash val="solid"/>
               <a:round/>
-              <a:headEnd type="none" w="med" len="med"/>
-              <a:tailEnd type="none" w="med" len="med"/>
+              <a:headEnd len="med" w="med" type="none"/>
+              <a:tailEnd len="med" w="med" type="none"/>
             </a:ln>
           </p:spPr>
           <p:txBody>
-            <a:bodyPr lIns="91425" tIns="91425" rIns="91425" bIns="91425" anchor="ctr" anchorCtr="0">
+            <a:bodyPr anchorCtr="0" anchor="ctr" bIns="91425" lIns="91425" rIns="91425" tIns="91425">
               <a:noAutofit/>
             </a:bodyPr>
             <a:lstStyle/>
             <a:p>
-              <a:pPr marL="0" marR="0" lvl="0" indent="0" algn="l" rtl="0">
+              <a:pPr indent="0" lvl="0" marL="0" marR="0" rtl="0" algn="l">
                 <a:lnSpc>
                   <a:spcPct val="100000"/>
                 </a:lnSpc>
@@ -9651,7 +9389,10 @@
                 <a:buFont typeface="Arial"/>
                 <a:buNone/>
               </a:pPr>
-              <a:endParaRPr sz="1400" b="0" i="0" u="none" strike="noStrike" cap="none">
+              <a:r>
+                <a:t/>
+              </a:r>
+              <a:endParaRPr b="0" i="0" sz="1400" u="none" cap="none" strike="noStrike">
                 <a:solidFill>
                   <a:srgbClr val="FFFFFF"/>
                 </a:solidFill>
@@ -9675,13 +9416,8 @@
               <a:ext cx="115100" cy="133974"/>
             </a:xfrm>
             <a:custGeom>
-              <a:avLst/>
-              <a:gdLst/>
-              <a:ahLst/>
-              <a:cxnLst/>
-              <a:rect l="0" t="0" r="0" b="0"/>
               <a:pathLst>
-                <a:path w="120000" h="120000" fill="none" extrusionOk="0">
+                <a:path extrusionOk="0" fill="none" h="120000" w="120000">
                   <a:moveTo>
                     <a:pt x="0" y="120000"/>
                   </a:moveTo>
@@ -9694,23 +9430,23 @@
             <a:solidFill>
               <a:schemeClr val="lt1"/>
             </a:solidFill>
-            <a:ln w="12175" cap="rnd" cmpd="sng">
+            <a:ln cap="rnd" cmpd="sng" w="12175">
               <a:solidFill>
                 <a:srgbClr val="83B3D9"/>
               </a:solidFill>
               <a:prstDash val="solid"/>
               <a:round/>
-              <a:headEnd type="none" w="med" len="med"/>
-              <a:tailEnd type="none" w="med" len="med"/>
+              <a:headEnd len="med" w="med" type="none"/>
+              <a:tailEnd len="med" w="med" type="none"/>
             </a:ln>
           </p:spPr>
           <p:txBody>
-            <a:bodyPr lIns="91425" tIns="91425" rIns="91425" bIns="91425" anchor="ctr" anchorCtr="0">
+            <a:bodyPr anchorCtr="0" anchor="ctr" bIns="91425" lIns="91425" rIns="91425" tIns="91425">
               <a:noAutofit/>
             </a:bodyPr>
             <a:lstStyle/>
             <a:p>
-              <a:pPr marL="0" marR="0" lvl="0" indent="0" algn="l" rtl="0">
+              <a:pPr indent="0" lvl="0" marL="0" marR="0" rtl="0" algn="l">
                 <a:lnSpc>
                   <a:spcPct val="100000"/>
                 </a:lnSpc>
@@ -9726,7 +9462,10 @@
                 <a:buFont typeface="Arial"/>
                 <a:buNone/>
               </a:pPr>
-              <a:endParaRPr sz="1400" b="0" i="0" u="none" strike="noStrike" cap="none">
+              <a:r>
+                <a:t/>
+              </a:r>
+              <a:endParaRPr b="0" i="0" sz="1400" u="none" cap="none" strike="noStrike">
                 <a:solidFill>
                   <a:srgbClr val="FFFFFF"/>
                 </a:solidFill>
@@ -9750,13 +9489,8 @@
               <a:ext cx="127274" cy="16474"/>
             </a:xfrm>
             <a:custGeom>
-              <a:avLst/>
-              <a:gdLst/>
-              <a:ahLst/>
-              <a:cxnLst/>
-              <a:rect l="0" t="0" r="0" b="0"/>
               <a:pathLst>
-                <a:path w="120000" h="120000" fill="none" extrusionOk="0">
+                <a:path extrusionOk="0" fill="none" h="120000" w="120000">
                   <a:moveTo>
                     <a:pt x="119976" y="119817"/>
                   </a:moveTo>
@@ -9769,23 +9503,23 @@
             <a:solidFill>
               <a:schemeClr val="lt1"/>
             </a:solidFill>
-            <a:ln w="12175" cap="rnd" cmpd="sng">
+            <a:ln cap="rnd" cmpd="sng" w="12175">
               <a:solidFill>
                 <a:srgbClr val="83B3D9"/>
               </a:solidFill>
               <a:prstDash val="solid"/>
               <a:round/>
-              <a:headEnd type="none" w="med" len="med"/>
-              <a:tailEnd type="none" w="med" len="med"/>
+              <a:headEnd len="med" w="med" type="none"/>
+              <a:tailEnd len="med" w="med" type="none"/>
             </a:ln>
           </p:spPr>
           <p:txBody>
-            <a:bodyPr lIns="91425" tIns="91425" rIns="91425" bIns="91425" anchor="ctr" anchorCtr="0">
+            <a:bodyPr anchorCtr="0" anchor="ctr" bIns="91425" lIns="91425" rIns="91425" tIns="91425">
               <a:noAutofit/>
             </a:bodyPr>
             <a:lstStyle/>
             <a:p>
-              <a:pPr marL="0" marR="0" lvl="0" indent="0" algn="l" rtl="0">
+              <a:pPr indent="0" lvl="0" marL="0" marR="0" rtl="0" algn="l">
                 <a:lnSpc>
                   <a:spcPct val="100000"/>
                 </a:lnSpc>
@@ -9801,7 +9535,10 @@
                 <a:buFont typeface="Arial"/>
                 <a:buNone/>
               </a:pPr>
-              <a:endParaRPr sz="1400" b="0" i="0" u="none" strike="noStrike" cap="none">
+              <a:r>
+                <a:t/>
+              </a:r>
+              <a:endParaRPr b="0" i="0" sz="1400" u="none" cap="none" strike="noStrike">
                 <a:solidFill>
                   <a:srgbClr val="FFFFFF"/>
                 </a:solidFill>
@@ -9825,13 +9562,8 @@
               <a:ext cx="4900" cy="126674"/>
             </a:xfrm>
             <a:custGeom>
-              <a:avLst/>
-              <a:gdLst/>
-              <a:ahLst/>
-              <a:cxnLst/>
-              <a:rect l="0" t="0" r="0" b="0"/>
               <a:pathLst>
-                <a:path w="120000" h="120000" fill="none" extrusionOk="0">
+                <a:path extrusionOk="0" fill="none" h="120000" w="120000">
                   <a:moveTo>
                     <a:pt x="0" y="120000"/>
                   </a:moveTo>
@@ -9844,23 +9576,23 @@
             <a:solidFill>
               <a:schemeClr val="lt1"/>
             </a:solidFill>
-            <a:ln w="12175" cap="rnd" cmpd="sng">
+            <a:ln cap="rnd" cmpd="sng" w="12175">
               <a:solidFill>
                 <a:srgbClr val="83B3D9"/>
               </a:solidFill>
               <a:prstDash val="solid"/>
               <a:round/>
-              <a:headEnd type="none" w="med" len="med"/>
-              <a:tailEnd type="none" w="med" len="med"/>
+              <a:headEnd len="med" w="med" type="none"/>
+              <a:tailEnd len="med" w="med" type="none"/>
             </a:ln>
           </p:spPr>
           <p:txBody>
-            <a:bodyPr lIns="91425" tIns="91425" rIns="91425" bIns="91425" anchor="ctr" anchorCtr="0">
+            <a:bodyPr anchorCtr="0" anchor="ctr" bIns="91425" lIns="91425" rIns="91425" tIns="91425">
               <a:noAutofit/>
             </a:bodyPr>
             <a:lstStyle/>
             <a:p>
-              <a:pPr marL="0" marR="0" lvl="0" indent="0" algn="l" rtl="0">
+              <a:pPr indent="0" lvl="0" marL="0" marR="0" rtl="0" algn="l">
                 <a:lnSpc>
                   <a:spcPct val="100000"/>
                 </a:lnSpc>
@@ -9876,7 +9608,10 @@
                 <a:buFont typeface="Arial"/>
                 <a:buNone/>
               </a:pPr>
-              <a:endParaRPr sz="1400" b="0" i="0" u="none" strike="noStrike" cap="none">
+              <a:r>
+                <a:t/>
+              </a:r>
+              <a:endParaRPr b="0" i="0" sz="1400" u="none" cap="none" strike="noStrike">
                 <a:solidFill>
                   <a:srgbClr val="FFFFFF"/>
                 </a:solidFill>
@@ -9900,13 +9635,8 @@
               <a:ext cx="141274" cy="58500"/>
             </a:xfrm>
             <a:custGeom>
-              <a:avLst/>
-              <a:gdLst/>
-              <a:ahLst/>
-              <a:cxnLst/>
-              <a:rect l="0" t="0" r="0" b="0"/>
               <a:pathLst>
-                <a:path w="120000" h="120000" fill="none" extrusionOk="0">
+                <a:path extrusionOk="0" fill="none" h="120000" w="120000">
                   <a:moveTo>
                     <a:pt x="0" y="119948"/>
                   </a:moveTo>
@@ -9919,23 +9649,23 @@
             <a:solidFill>
               <a:schemeClr val="lt1"/>
             </a:solidFill>
-            <a:ln w="12175" cap="rnd" cmpd="sng">
+            <a:ln cap="rnd" cmpd="sng" w="12175">
               <a:solidFill>
                 <a:srgbClr val="83B3D9"/>
               </a:solidFill>
               <a:prstDash val="solid"/>
               <a:round/>
-              <a:headEnd type="none" w="med" len="med"/>
-              <a:tailEnd type="none" w="med" len="med"/>
+              <a:headEnd len="med" w="med" type="none"/>
+              <a:tailEnd len="med" w="med" type="none"/>
             </a:ln>
           </p:spPr>
           <p:txBody>
-            <a:bodyPr lIns="91425" tIns="91425" rIns="91425" bIns="91425" anchor="ctr" anchorCtr="0">
+            <a:bodyPr anchorCtr="0" anchor="ctr" bIns="91425" lIns="91425" rIns="91425" tIns="91425">
               <a:noAutofit/>
             </a:bodyPr>
             <a:lstStyle/>
             <a:p>
-              <a:pPr marL="0" marR="0" lvl="0" indent="0" algn="l" rtl="0">
+              <a:pPr indent="0" lvl="0" marL="0" marR="0" rtl="0" algn="l">
                 <a:lnSpc>
                   <a:spcPct val="100000"/>
                 </a:lnSpc>
@@ -9951,7 +9681,10 @@
                 <a:buFont typeface="Arial"/>
                 <a:buNone/>
               </a:pPr>
-              <a:endParaRPr sz="1400" b="0" i="0" u="none" strike="noStrike" cap="none">
+              <a:r>
+                <a:t/>
+              </a:r>
+              <a:endParaRPr b="0" i="0" sz="1400" u="none" cap="none" strike="noStrike">
                 <a:solidFill>
                   <a:srgbClr val="FFFFFF"/>
                 </a:solidFill>
@@ -9967,9 +9700,7 @@
       <p:sp>
         <p:nvSpPr>
           <p:cNvPr id="73" name="Shape 73"/>
-          <p:cNvSpPr txBox="1">
-            <a:spLocks noGrp="1"/>
-          </p:cNvSpPr>
+          <p:cNvSpPr txBox="1"/>
           <p:nvPr>
             <p:ph type="ctrTitle"/>
           </p:nvPr>
@@ -9988,12 +9719,12 @@
           </a:ln>
         </p:spPr>
         <p:txBody>
-          <a:bodyPr lIns="91425" tIns="91425" rIns="91425" bIns="91425" anchor="t" anchorCtr="0">
+          <a:bodyPr anchorCtr="0" anchor="t" bIns="91425" lIns="91425" rIns="91425" tIns="91425">
             <a:noAutofit/>
           </a:bodyPr>
           <a:lstStyle/>
           <a:p>
-            <a:pPr marL="0" marR="0" lvl="0" indent="0" algn="ctr" rtl="0">
+            <a:pPr indent="0" lvl="0" marL="0" marR="0" rtl="0" algn="ctr">
               <a:lnSpc>
                 <a:spcPct val="100000"/>
               </a:lnSpc>
@@ -10011,7 +9742,7 @@
               <a:buNone/>
             </a:pPr>
             <a:r>
-              <a:rPr lang="en" sz="6000" b="1" i="0" u="none" strike="noStrike" cap="none">
+              <a:rPr b="1" i="0" lang="en" sz="6000" u="none" cap="none" strike="noStrike">
                 <a:solidFill>
                   <a:srgbClr val="0091EA"/>
                 </a:solidFill>
@@ -10045,12 +9776,12 @@
           </a:ln>
         </p:spPr>
         <p:txBody>
-          <a:bodyPr lIns="91425" tIns="91425" rIns="91425" bIns="91425" anchor="t" anchorCtr="0">
+          <a:bodyPr anchorCtr="0" anchor="t" bIns="91425" lIns="91425" rIns="91425" tIns="91425">
             <a:noAutofit/>
           </a:bodyPr>
           <a:lstStyle/>
           <a:p>
-            <a:pPr marL="0" marR="0" lvl="0" indent="0" algn="r" rtl="0">
+            <a:pPr indent="0" lvl="0" marL="0" marR="0" rtl="0" algn="r">
               <a:lnSpc>
                 <a:spcPct val="100000"/>
               </a:lnSpc>
@@ -10068,7 +9799,7 @@
               <a:buNone/>
             </a:pPr>
             <a:r>
-              <a:rPr lang="en" sz="3200" b="1" i="0" u="none" strike="noStrike" cap="none">
+              <a:rPr b="1" i="0" lang="en" sz="3200" u="none" cap="none" strike="noStrike">
                 <a:solidFill>
                   <a:srgbClr val="0091EA"/>
                 </a:solidFill>
@@ -10081,7 +9812,7 @@
             </a:r>
           </a:p>
           <a:p>
-            <a:pPr marL="0" marR="0" lvl="0" indent="0" algn="r" rtl="0">
+            <a:pPr indent="0" lvl="0" marL="0" marR="0" rtl="0" algn="r">
               <a:lnSpc>
                 <a:spcPct val="100000"/>
               </a:lnSpc>
@@ -10099,7 +9830,7 @@
               <a:buNone/>
             </a:pPr>
             <a:r>
-              <a:rPr lang="en" sz="3200" b="1" i="0" u="none" strike="noStrike" cap="none">
+              <a:rPr b="1" i="0" lang="en" sz="3200" u="none" cap="none" strike="noStrike">
                 <a:solidFill>
                   <a:srgbClr val="0091EA"/>
                 </a:solidFill>
@@ -10112,7 +9843,7 @@
             </a:r>
           </a:p>
           <a:p>
-            <a:pPr marL="0" marR="0" lvl="0" indent="0" algn="r" rtl="0">
+            <a:pPr indent="0" lvl="0" marL="0" marR="0" rtl="0" algn="r">
               <a:lnSpc>
                 <a:spcPct val="100000"/>
               </a:lnSpc>
@@ -10130,7 +9861,7 @@
               <a:buNone/>
             </a:pPr>
             <a:r>
-              <a:rPr lang="en" sz="3200" b="1" i="0" u="none" strike="noStrike" cap="none">
+              <a:rPr b="1" i="0" lang="en" sz="3200" u="none" cap="none" strike="noStrike">
                 <a:solidFill>
                   <a:srgbClr val="0091EA"/>
                 </a:solidFill>
@@ -10164,12 +9895,12 @@
           </a:ln>
         </p:spPr>
         <p:txBody>
-          <a:bodyPr lIns="91425" tIns="91425" rIns="91425" bIns="91425" anchor="t" anchorCtr="0">
+          <a:bodyPr anchorCtr="0" anchor="t" bIns="91425" lIns="91425" rIns="91425" tIns="91425">
             <a:noAutofit/>
           </a:bodyPr>
           <a:lstStyle/>
           <a:p>
-            <a:pPr marL="0" marR="0" lvl="0" indent="0" algn="l" rtl="0">
+            <a:pPr indent="0" lvl="0" marL="0" marR="0" rtl="0" algn="l">
               <a:lnSpc>
                 <a:spcPct val="100000"/>
               </a:lnSpc>
@@ -10187,7 +9918,7 @@
               <a:buNone/>
             </a:pPr>
             <a:r>
-              <a:rPr lang="en" sz="3200" b="1" i="0" u="none" strike="noStrike" cap="none">
+              <a:rPr b="1" i="0" lang="en" sz="3200" u="none" cap="none" strike="noStrike">
                 <a:solidFill>
                   <a:srgbClr val="0091EA"/>
                 </a:solidFill>
@@ -10200,7 +9931,7 @@
             </a:r>
           </a:p>
           <a:p>
-            <a:pPr marL="0" marR="0" lvl="0" indent="0" algn="l" rtl="0">
+            <a:pPr indent="0" lvl="0" marL="0" marR="0" rtl="0" algn="l">
               <a:lnSpc>
                 <a:spcPct val="100000"/>
               </a:lnSpc>
@@ -10218,7 +9949,7 @@
               <a:buNone/>
             </a:pPr>
             <a:r>
-              <a:rPr lang="en" sz="3200" b="1" i="0" u="none" strike="noStrike" cap="none">
+              <a:rPr b="1" i="0" lang="en" sz="3200" u="none" cap="none" strike="noStrike">
                 <a:solidFill>
                   <a:srgbClr val="0091EA"/>
                 </a:solidFill>
@@ -10231,7 +9962,7 @@
             </a:r>
           </a:p>
           <a:p>
-            <a:pPr marL="0" marR="0" lvl="0" indent="0" algn="l" rtl="0">
+            <a:pPr indent="0" lvl="0" marL="0" marR="0" rtl="0" algn="l">
               <a:lnSpc>
                 <a:spcPct val="100000"/>
               </a:lnSpc>
@@ -10249,7 +9980,7 @@
               <a:buNone/>
             </a:pPr>
             <a:r>
-              <a:rPr lang="en" sz="3200" b="1" i="0" u="none" strike="noStrike" cap="none">
+              <a:rPr b="1" i="0" lang="en" sz="3200" u="none" cap="none" strike="noStrike">
                 <a:solidFill>
                   <a:srgbClr val="0091EA"/>
                 </a:solidFill>
@@ -10272,11 +10003,11 @@
 </file>
 
 <file path=ppt/slides/slide10.xml><?xml version="1.0" encoding="utf-8"?>
-<p:sld xmlns:a="http://schemas.openxmlformats.org/drawingml/2006/main" xmlns:r="http://schemas.openxmlformats.org/officeDocument/2006/relationships" xmlns:p="http://schemas.openxmlformats.org/presentationml/2006/main">
+<p:sld xmlns:a="http://schemas.openxmlformats.org/drawingml/2006/main" xmlns:r="http://schemas.openxmlformats.org/officeDocument/2006/relationships" xmlns:mc="http://schemas.openxmlformats.org/markup-compatibility/2006" xmlns:mv="urn:schemas-microsoft-com:mac:vml" xmlns:p="http://schemas.openxmlformats.org/presentationml/2006/main" xmlns:c="http://schemas.openxmlformats.org/drawingml/2006/chart" xmlns:dgm="http://schemas.openxmlformats.org/drawingml/2006/diagram" xmlns:o="urn:schemas-microsoft-com:office:office" xmlns:v="urn:schemas-microsoft-com:vml" xmlns:pvml="urn:schemas-microsoft-com:office:powerpoint" xmlns:com="http://schemas.openxmlformats.org/drawingml/2006/compatibility" xmlns:p14="http://schemas.microsoft.com/office/powerpoint/2010/main">
   <p:cSld>
     <p:spTree>
       <p:nvGrpSpPr>
-        <p:cNvPr id="1" name="Shape 139"/>
+        <p:cNvPr id="139" name="Shape 139"/>
         <p:cNvGrpSpPr/>
         <p:nvPr/>
       </p:nvGrpSpPr>
@@ -10291,9 +10022,7 @@
       <p:sp>
         <p:nvSpPr>
           <p:cNvPr id="140" name="Shape 140"/>
-          <p:cNvSpPr txBox="1">
-            <a:spLocks noGrp="1"/>
-          </p:cNvSpPr>
+          <p:cNvSpPr txBox="1"/>
           <p:nvPr>
             <p:ph type="title"/>
           </p:nvPr>
@@ -10312,12 +10041,12 @@
           </a:ln>
         </p:spPr>
         <p:txBody>
-          <a:bodyPr lIns="91425" tIns="91425" rIns="91425" bIns="91425" anchor="b" anchorCtr="0">
+          <a:bodyPr anchorCtr="0" anchor="b" bIns="91425" lIns="91425" rIns="91425" tIns="91425">
             <a:noAutofit/>
           </a:bodyPr>
           <a:lstStyle/>
           <a:p>
-            <a:pPr marL="0" marR="0" lvl="0" indent="0" algn="l" rtl="0">
+            <a:pPr indent="0" lvl="0" marL="0" marR="0" rtl="0" algn="l">
               <a:lnSpc>
                 <a:spcPct val="100000"/>
               </a:lnSpc>
@@ -10344,11 +10073,9 @@
       <p:sp>
         <p:nvSpPr>
           <p:cNvPr id="141" name="Shape 141"/>
-          <p:cNvSpPr txBox="1">
-            <a:spLocks noGrp="1"/>
-          </p:cNvSpPr>
+          <p:cNvSpPr txBox="1"/>
           <p:nvPr>
-            <p:ph type="body" idx="1"/>
+            <p:ph idx="1" type="body"/>
           </p:nvPr>
         </p:nvSpPr>
         <p:spPr>
@@ -10365,12 +10092,12 @@
           </a:ln>
         </p:spPr>
         <p:txBody>
-          <a:bodyPr lIns="91425" tIns="91425" rIns="91425" bIns="91425" anchor="t" anchorCtr="0">
+          <a:bodyPr anchorCtr="0" anchor="t" bIns="91425" lIns="91425" rIns="91425" tIns="91425">
             <a:noAutofit/>
           </a:bodyPr>
           <a:lstStyle/>
           <a:p>
-            <a:pPr marL="457200" marR="0" lvl="0" indent="-228600" algn="l" rtl="0">
+            <a:pPr indent="-228600" lvl="0" marL="457200" marR="0" rtl="0" algn="l">
               <a:lnSpc>
                 <a:spcPct val="100000"/>
               </a:lnSpc>
@@ -10388,7 +10115,7 @@
               <a:buChar char="◎"/>
             </a:pPr>
             <a:r>
-              <a:rPr lang="en" u="sng" dirty="0">
+              <a:rPr lang="en" u="sng">
                 <a:solidFill>
                   <a:schemeClr val="hlink"/>
                 </a:solidFill>
@@ -10398,7 +10125,7 @@
             </a:r>
           </a:p>
           <a:p>
-            <a:pPr marL="457200" marR="0" lvl="0" indent="-228600" algn="l" rtl="0">
+            <a:pPr indent="-228600" lvl="0" marL="457200" marR="0" rtl="0" algn="l">
               <a:lnSpc>
                 <a:spcPct val="100000"/>
               </a:lnSpc>
@@ -10416,7 +10143,7 @@
               <a:buChar char="◎"/>
             </a:pPr>
             <a:r>
-              <a:rPr lang="en" u="sng" dirty="0">
+              <a:rPr lang="en" u="sng">
                 <a:solidFill>
                   <a:schemeClr val="hlink"/>
                 </a:solidFill>
@@ -10426,7 +10153,7 @@
             </a:r>
           </a:p>
           <a:p>
-            <a:pPr marL="457200" marR="0" lvl="0" indent="-228600" algn="l" rtl="0">
+            <a:pPr indent="-228600" lvl="0" marL="457200" marR="0" rtl="0" algn="l">
               <a:lnSpc>
                 <a:spcPct val="100000"/>
               </a:lnSpc>
@@ -10444,73 +10171,17 @@
               <a:buChar char="◎"/>
             </a:pPr>
             <a:r>
-              <a:rPr lang="en" u="sng" dirty="0">
+              <a:rPr lang="en" u="sng">
                 <a:solidFill>
                   <a:schemeClr val="hlink"/>
                 </a:solidFill>
                 <a:hlinkClick r:id="rId5"/>
               </a:rPr>
-              <a:t>https://</a:t>
-            </a:r>
-            <a:r>
-              <a:rPr lang="en" u="sng" dirty="0" smtClean="0">
-                <a:solidFill>
-                  <a:schemeClr val="hlink"/>
-                </a:solidFill>
-                <a:hlinkClick r:id="rId5"/>
-              </a:rPr>
-              <a:t>github.com/pasky/michi</a:t>
+              <a:t>https://github.com/pasky/michi</a:t>
             </a:r>
           </a:p>
           <a:p>
-            <a:pPr marL="457200" indent="-228600"/>
-            <a:r>
-              <a:rPr lang="en-US">
-                <a:hlinkClick r:id="rId6"/>
-              </a:rPr>
-              <a:t>https</a:t>
-            </a:r>
-            <a:r>
-              <a:rPr lang="en-US">
-                <a:hlinkClick r:id="rId6"/>
-              </a:rPr>
-              <a:t>://</a:t>
-            </a:r>
-            <a:r>
-              <a:rPr lang="en-US" smtClean="0">
-                <a:hlinkClick r:id="rId6"/>
-              </a:rPr>
-              <a:t>github.com/pasky/pachi</a:t>
-            </a:r>
-            <a:endParaRPr lang="en" u="sng" dirty="0" smtClean="0">
-              <a:solidFill>
-                <a:schemeClr val="hlink"/>
-              </a:solidFill>
-              <a:hlinkClick r:id="rId5"/>
-            </a:endParaRPr>
-          </a:p>
-          <a:p>
-            <a:pPr marL="457200" indent="-228600"/>
-            <a:r>
-              <a:rPr lang="en-US" dirty="0">
-                <a:hlinkClick r:id="rId7"/>
-              </a:rPr>
-              <a:t>https://github.com/waltheri/go-libraries</a:t>
-            </a:r>
-            <a:endParaRPr lang="en-US" dirty="0"/>
-          </a:p>
-          <a:p>
-            <a:pPr marL="457200" indent="-228600"/>
-            <a:r>
-              <a:rPr lang="en-US" u="sng" dirty="0">
-                <a:hlinkClick r:id="rId8"/>
-              </a:rPr>
-              <a:t>http://www.cosumi.net/play.html</a:t>
-            </a:r>
-            <a:endParaRPr lang="en-US" dirty="0"/>
-          </a:p>
-          <a:p>
-            <a:pPr marL="457200" marR="0" lvl="0" indent="-228600" algn="l" rtl="0">
+            <a:pPr indent="0" lvl="0" marR="0" rtl="0" algn="l">
               <a:lnSpc>
                 <a:spcPct val="100000"/>
               </a:lnSpc>
@@ -10520,22 +10191,15 @@
               <a:spcAft>
                 <a:spcPts val="0"/>
               </a:spcAft>
-              <a:buClr>
-                <a:srgbClr val="CFD8DC"/>
-              </a:buClr>
-              <a:buSzPct val="100000"/>
-              <a:buFont typeface="Source Sans Pro"/>
-              <a:buChar char="◎"/>
+              <a:buNone/>
             </a:pPr>
-            <a:endParaRPr lang="en" u="sng" dirty="0" smtClean="0">
-              <a:solidFill>
-                <a:schemeClr val="hlink"/>
-              </a:solidFill>
-              <a:hlinkClick r:id="rId5"/>
-            </a:endParaRPr>
+            <a:r>
+              <a:t/>
+            </a:r>
+            <a:endParaRPr/>
           </a:p>
           <a:p>
-            <a:pPr marR="0" lvl="0" indent="0" algn="l" rtl="0">
+            <a:pPr indent="0" lvl="0" marL="0" marR="0" rtl="0" algn="l">
               <a:lnSpc>
                 <a:spcPct val="100000"/>
               </a:lnSpc>
@@ -10545,21 +10209,6 @@
               <a:spcAft>
                 <a:spcPts val="0"/>
               </a:spcAft>
-              <a:buNone/>
-            </a:pPr>
-            <a:endParaRPr dirty="0"/>
-          </a:p>
-          <a:p>
-            <a:pPr marL="0" marR="0" lvl="0" indent="0" algn="l" rtl="0">
-              <a:lnSpc>
-                <a:spcPct val="100000"/>
-              </a:lnSpc>
-              <a:spcBef>
-                <a:spcPts val="0"/>
-              </a:spcBef>
-              <a:spcAft>
-                <a:spcPts val="0"/>
-              </a:spcAft>
               <a:buClr>
                 <a:srgbClr val="CFD8DC"/>
               </a:buClr>
@@ -10567,7 +10216,10 @@
               <a:buFont typeface="Source Sans Pro"/>
               <a:buNone/>
             </a:pPr>
-            <a:endParaRPr dirty="0"/>
+            <a:r>
+              <a:t/>
+            </a:r>
+            <a:endParaRPr/>
           </a:p>
         </p:txBody>
       </p:sp>
@@ -10597,13 +10249,8 @@
               <a:ext cx="364200" cy="239400"/>
             </a:xfrm>
             <a:custGeom>
-              <a:avLst/>
-              <a:gdLst/>
-              <a:ahLst/>
-              <a:cxnLst/>
-              <a:rect l="0" t="0" r="0" b="0"/>
               <a:pathLst>
-                <a:path w="120000" h="120000" fill="none" extrusionOk="0">
+                <a:path extrusionOk="0" fill="none" h="120000" w="120000">
                   <a:moveTo>
                     <a:pt x="72242" y="119987"/>
                   </a:moveTo>
@@ -11004,23 +10651,23 @@
               </a:pathLst>
             </a:custGeom>
             <a:noFill/>
-            <a:ln w="12175" cap="rnd" cmpd="sng">
+            <a:ln cap="rnd" cmpd="sng" w="12175">
               <a:solidFill>
                 <a:srgbClr val="263238"/>
               </a:solidFill>
               <a:prstDash val="solid"/>
               <a:round/>
-              <a:headEnd type="none" w="med" len="med"/>
-              <a:tailEnd type="none" w="med" len="med"/>
+              <a:headEnd len="med" w="med" type="none"/>
+              <a:tailEnd len="med" w="med" type="none"/>
             </a:ln>
           </p:spPr>
           <p:txBody>
-            <a:bodyPr lIns="91425" tIns="91425" rIns="91425" bIns="91425" anchor="ctr" anchorCtr="0">
+            <a:bodyPr anchorCtr="0" anchor="ctr" bIns="91425" lIns="91425" rIns="91425" tIns="91425">
               <a:noAutofit/>
             </a:bodyPr>
             <a:lstStyle/>
             <a:p>
-              <a:pPr marL="0" marR="0" lvl="0" indent="0" algn="l" rtl="0">
+              <a:pPr indent="0" lvl="0" marL="0" marR="0" rtl="0" algn="l">
                 <a:lnSpc>
                   <a:spcPct val="100000"/>
                 </a:lnSpc>
@@ -11036,7 +10683,10 @@
                 <a:buFont typeface="Arial"/>
                 <a:buNone/>
               </a:pPr>
-              <a:endParaRPr sz="1400" b="0" i="0" u="none" strike="noStrike" cap="none">
+              <a:r>
+                <a:t/>
+              </a:r>
+              <a:endParaRPr b="0" i="0" sz="1400" u="none" cap="none" strike="noStrike">
                 <a:solidFill>
                   <a:srgbClr val="FFFFFF"/>
                 </a:solidFill>
@@ -11060,13 +10710,8 @@
               <a:ext cx="176700" cy="0"/>
             </a:xfrm>
             <a:custGeom>
-              <a:avLst/>
-              <a:gdLst/>
-              <a:ahLst/>
-              <a:cxnLst/>
-              <a:rect l="0" t="0" r="0" b="0"/>
               <a:pathLst>
-                <a:path w="120000" h="120000" fill="none" extrusionOk="0">
+                <a:path extrusionOk="0" fill="none" h="120000" w="120000">
                   <a:moveTo>
                     <a:pt x="16" y="120000"/>
                   </a:moveTo>
@@ -11077,23 +10722,23 @@
               </a:pathLst>
             </a:custGeom>
             <a:noFill/>
-            <a:ln w="12175" cap="rnd" cmpd="sng">
+            <a:ln cap="rnd" cmpd="sng" w="12175">
               <a:solidFill>
                 <a:srgbClr val="263238"/>
               </a:solidFill>
               <a:prstDash val="solid"/>
               <a:round/>
-              <a:headEnd type="none" w="med" len="med"/>
-              <a:tailEnd type="none" w="med" len="med"/>
+              <a:headEnd len="med" w="med" type="none"/>
+              <a:tailEnd len="med" w="med" type="none"/>
             </a:ln>
           </p:spPr>
           <p:txBody>
-            <a:bodyPr lIns="91425" tIns="91425" rIns="91425" bIns="91425" anchor="ctr" anchorCtr="0">
+            <a:bodyPr anchorCtr="0" anchor="ctr" bIns="91425" lIns="91425" rIns="91425" tIns="91425">
               <a:noAutofit/>
             </a:bodyPr>
             <a:lstStyle/>
             <a:p>
-              <a:pPr marL="0" marR="0" lvl="0" indent="0" algn="l" rtl="0">
+              <a:pPr indent="0" lvl="0" marL="0" marR="0" rtl="0" algn="l">
                 <a:lnSpc>
                   <a:spcPct val="100000"/>
                 </a:lnSpc>
@@ -11109,7 +10754,10 @@
                 <a:buFont typeface="Arial"/>
                 <a:buNone/>
               </a:pPr>
-              <a:endParaRPr sz="1400" b="0" i="0" u="none" strike="noStrike" cap="none">
+              <a:r>
+                <a:t/>
+              </a:r>
+              <a:endParaRPr b="0" i="0" sz="1400" u="none" cap="none" strike="noStrike">
                 <a:solidFill>
                   <a:srgbClr val="FFFFFF"/>
                 </a:solidFill>
@@ -11133,13 +10781,8 @@
               <a:ext cx="74400" cy="323400"/>
             </a:xfrm>
             <a:custGeom>
-              <a:avLst/>
-              <a:gdLst/>
-              <a:ahLst/>
-              <a:cxnLst/>
-              <a:rect l="0" t="0" r="0" b="0"/>
               <a:pathLst>
-                <a:path w="120000" h="120000" fill="none" extrusionOk="0">
+                <a:path extrusionOk="0" fill="none" h="120000" w="120000">
                   <a:moveTo>
                     <a:pt x="0" y="9"/>
                   </a:moveTo>
@@ -11156,23 +10799,23 @@
               </a:pathLst>
             </a:custGeom>
             <a:noFill/>
-            <a:ln w="12175" cap="rnd" cmpd="sng">
+            <a:ln cap="rnd" cmpd="sng" w="12175">
               <a:solidFill>
                 <a:srgbClr val="263238"/>
               </a:solidFill>
               <a:prstDash val="solid"/>
               <a:round/>
-              <a:headEnd type="none" w="med" len="med"/>
-              <a:tailEnd type="none" w="med" len="med"/>
+              <a:headEnd len="med" w="med" type="none"/>
+              <a:tailEnd len="med" w="med" type="none"/>
             </a:ln>
           </p:spPr>
           <p:txBody>
-            <a:bodyPr lIns="91425" tIns="91425" rIns="91425" bIns="91425" anchor="ctr" anchorCtr="0">
+            <a:bodyPr anchorCtr="0" anchor="ctr" bIns="91425" lIns="91425" rIns="91425" tIns="91425">
               <a:noAutofit/>
             </a:bodyPr>
             <a:lstStyle/>
             <a:p>
-              <a:pPr marL="0" marR="0" lvl="0" indent="0" algn="l" rtl="0">
+              <a:pPr indent="0" lvl="0" marL="0" marR="0" rtl="0" algn="l">
                 <a:lnSpc>
                   <a:spcPct val="100000"/>
                 </a:lnSpc>
@@ -11188,7 +10831,10 @@
                 <a:buFont typeface="Arial"/>
                 <a:buNone/>
               </a:pPr>
-              <a:endParaRPr sz="1400" b="0" i="0" u="none" strike="noStrike" cap="none">
+              <a:r>
+                <a:t/>
+              </a:r>
+              <a:endParaRPr b="0" i="0" sz="1400" u="none" cap="none" strike="noStrike">
                 <a:solidFill>
                   <a:srgbClr val="FFFFFF"/>
                 </a:solidFill>
@@ -11212,13 +10858,8 @@
               <a:ext cx="85200" cy="85200"/>
             </a:xfrm>
             <a:custGeom>
-              <a:avLst/>
-              <a:gdLst/>
-              <a:ahLst/>
-              <a:cxnLst/>
-              <a:rect l="0" t="0" r="0" b="0"/>
               <a:pathLst>
-                <a:path w="120000" h="120000" fill="none" extrusionOk="0">
+                <a:path extrusionOk="0" fill="none" h="120000" w="120000">
                   <a:moveTo>
                     <a:pt x="31732" y="23183"/>
                   </a:moveTo>
@@ -11367,23 +11008,23 @@
               </a:pathLst>
             </a:custGeom>
             <a:noFill/>
-            <a:ln w="12175" cap="rnd" cmpd="sng">
+            <a:ln cap="rnd" cmpd="sng" w="12175">
               <a:solidFill>
                 <a:srgbClr val="263238"/>
               </a:solidFill>
               <a:prstDash val="solid"/>
               <a:round/>
-              <a:headEnd type="none" w="med" len="med"/>
-              <a:tailEnd type="none" w="med" len="med"/>
+              <a:headEnd len="med" w="med" type="none"/>
+              <a:tailEnd len="med" w="med" type="none"/>
             </a:ln>
           </p:spPr>
           <p:txBody>
-            <a:bodyPr lIns="91425" tIns="91425" rIns="91425" bIns="91425" anchor="ctr" anchorCtr="0">
+            <a:bodyPr anchorCtr="0" anchor="ctr" bIns="91425" lIns="91425" rIns="91425" tIns="91425">
               <a:noAutofit/>
             </a:bodyPr>
             <a:lstStyle/>
             <a:p>
-              <a:pPr marL="0" marR="0" lvl="0" indent="0" algn="l" rtl="0">
+              <a:pPr indent="0" lvl="0" marL="0" marR="0" rtl="0" algn="l">
                 <a:lnSpc>
                   <a:spcPct val="100000"/>
                 </a:lnSpc>
@@ -11399,7 +11040,10 @@
                 <a:buFont typeface="Arial"/>
                 <a:buNone/>
               </a:pPr>
-              <a:endParaRPr sz="1400" b="0" i="0" u="none" strike="noStrike" cap="none">
+              <a:r>
+                <a:t/>
+              </a:r>
+              <a:endParaRPr b="0" i="0" sz="1400" u="none" cap="none" strike="noStrike">
                 <a:solidFill>
                   <a:srgbClr val="FFFFFF"/>
                 </a:solidFill>
@@ -11423,13 +11067,8 @@
               <a:ext cx="85200" cy="85200"/>
             </a:xfrm>
             <a:custGeom>
-              <a:avLst/>
-              <a:gdLst/>
-              <a:ahLst/>
-              <a:cxnLst/>
-              <a:rect l="0" t="0" r="0" b="0"/>
               <a:pathLst>
-                <a:path w="120000" h="120000" fill="none" extrusionOk="0">
+                <a:path extrusionOk="0" fill="none" h="120000" w="120000">
                   <a:moveTo>
                     <a:pt x="13720" y="13755"/>
                   </a:moveTo>
@@ -11578,23 +11217,23 @@
               </a:pathLst>
             </a:custGeom>
             <a:noFill/>
-            <a:ln w="12175" cap="rnd" cmpd="sng">
+            <a:ln cap="rnd" cmpd="sng" w="12175">
               <a:solidFill>
                 <a:srgbClr val="263238"/>
               </a:solidFill>
               <a:prstDash val="solid"/>
               <a:round/>
-              <a:headEnd type="none" w="med" len="med"/>
-              <a:tailEnd type="none" w="med" len="med"/>
+              <a:headEnd len="med" w="med" type="none"/>
+              <a:tailEnd len="med" w="med" type="none"/>
             </a:ln>
           </p:spPr>
           <p:txBody>
-            <a:bodyPr lIns="91425" tIns="91425" rIns="91425" bIns="91425" anchor="ctr" anchorCtr="0">
+            <a:bodyPr anchorCtr="0" anchor="ctr" bIns="91425" lIns="91425" rIns="91425" tIns="91425">
               <a:noAutofit/>
             </a:bodyPr>
             <a:lstStyle/>
             <a:p>
-              <a:pPr marL="0" marR="0" lvl="0" indent="0" algn="l" rtl="0">
+              <a:pPr indent="0" lvl="0" marL="0" marR="0" rtl="0" algn="l">
                 <a:lnSpc>
                   <a:spcPct val="100000"/>
                 </a:lnSpc>
@@ -11610,7 +11249,10 @@
                 <a:buFont typeface="Arial"/>
                 <a:buNone/>
               </a:pPr>
-              <a:endParaRPr sz="1400" b="0" i="0" u="none" strike="noStrike" cap="none">
+              <a:r>
+                <a:t/>
+              </a:r>
+              <a:endParaRPr b="0" i="0" sz="1400" u="none" cap="none" strike="noStrike">
                 <a:solidFill>
                   <a:srgbClr val="FFFFFF"/>
                 </a:solidFill>
@@ -11634,13 +11276,8 @@
               <a:ext cx="125400" cy="224700"/>
             </a:xfrm>
             <a:custGeom>
-              <a:avLst/>
-              <a:gdLst/>
-              <a:ahLst/>
-              <a:cxnLst/>
-              <a:rect l="0" t="0" r="0" b="0"/>
               <a:pathLst>
-                <a:path w="120000" h="120000" fill="none" extrusionOk="0">
+                <a:path extrusionOk="0" fill="none" h="120000" w="120000">
                   <a:moveTo>
                     <a:pt x="0" y="0"/>
                   </a:moveTo>
@@ -11681,23 +11318,23 @@
               </a:pathLst>
             </a:custGeom>
             <a:noFill/>
-            <a:ln w="12175" cap="rnd" cmpd="sng">
+            <a:ln cap="rnd" cmpd="sng" w="12175">
               <a:solidFill>
                 <a:srgbClr val="263238"/>
               </a:solidFill>
               <a:prstDash val="solid"/>
               <a:round/>
-              <a:headEnd type="none" w="med" len="med"/>
-              <a:tailEnd type="none" w="med" len="med"/>
+              <a:headEnd len="med" w="med" type="none"/>
+              <a:tailEnd len="med" w="med" type="none"/>
             </a:ln>
           </p:spPr>
           <p:txBody>
-            <a:bodyPr lIns="91425" tIns="91425" rIns="91425" bIns="91425" anchor="ctr" anchorCtr="0">
+            <a:bodyPr anchorCtr="0" anchor="ctr" bIns="91425" lIns="91425" rIns="91425" tIns="91425">
               <a:noAutofit/>
             </a:bodyPr>
             <a:lstStyle/>
             <a:p>
-              <a:pPr marL="0" marR="0" lvl="0" indent="0" algn="l" rtl="0">
+              <a:pPr indent="0" lvl="0" marL="0" marR="0" rtl="0" algn="l">
                 <a:lnSpc>
                   <a:spcPct val="100000"/>
                 </a:lnSpc>
@@ -11713,7 +11350,10 @@
                 <a:buFont typeface="Arial"/>
                 <a:buNone/>
               </a:pPr>
-              <a:endParaRPr sz="1400" b="0" i="0" u="none" strike="noStrike" cap="none">
+              <a:r>
+                <a:t/>
+              </a:r>
+              <a:endParaRPr b="0" i="0" sz="1400" u="none" cap="none" strike="noStrike">
                 <a:solidFill>
                   <a:srgbClr val="FFFFFF"/>
                 </a:solidFill>
@@ -11737,13 +11377,8 @@
               <a:ext cx="125400" cy="224700"/>
             </a:xfrm>
             <a:custGeom>
-              <a:avLst/>
-              <a:gdLst/>
-              <a:ahLst/>
-              <a:cxnLst/>
-              <a:rect l="0" t="0" r="0" b="0"/>
               <a:pathLst>
-                <a:path w="120000" h="120000" fill="none" extrusionOk="0">
+                <a:path extrusionOk="0" fill="none" h="120000" w="120000">
                   <a:moveTo>
                     <a:pt x="23" y="119986"/>
                   </a:moveTo>
@@ -11784,23 +11419,23 @@
               </a:pathLst>
             </a:custGeom>
             <a:noFill/>
-            <a:ln w="12175" cap="rnd" cmpd="sng">
+            <a:ln cap="rnd" cmpd="sng" w="12175">
               <a:solidFill>
                 <a:srgbClr val="263238"/>
               </a:solidFill>
               <a:prstDash val="solid"/>
               <a:round/>
-              <a:headEnd type="none" w="med" len="med"/>
-              <a:tailEnd type="none" w="med" len="med"/>
+              <a:headEnd len="med" w="med" type="none"/>
+              <a:tailEnd len="med" w="med" type="none"/>
             </a:ln>
           </p:spPr>
           <p:txBody>
-            <a:bodyPr lIns="91425" tIns="91425" rIns="91425" bIns="91425" anchor="ctr" anchorCtr="0">
+            <a:bodyPr anchorCtr="0" anchor="ctr" bIns="91425" lIns="91425" rIns="91425" tIns="91425">
               <a:noAutofit/>
             </a:bodyPr>
             <a:lstStyle/>
             <a:p>
-              <a:pPr marL="0" marR="0" lvl="0" indent="0" algn="l" rtl="0">
+              <a:pPr indent="0" lvl="0" marL="0" marR="0" rtl="0" algn="l">
                 <a:lnSpc>
                   <a:spcPct val="100000"/>
                 </a:lnSpc>
@@ -11816,7 +11451,10 @@
                 <a:buFont typeface="Arial"/>
                 <a:buNone/>
               </a:pPr>
-              <a:endParaRPr sz="1400" b="0" i="0" u="none" strike="noStrike" cap="none">
+              <a:r>
+                <a:t/>
+              </a:r>
+              <a:endParaRPr b="0" i="0" sz="1400" u="none" cap="none" strike="noStrike">
                 <a:solidFill>
                   <a:srgbClr val="FFFFFF"/>
                 </a:solidFill>
@@ -11838,11 +11476,11 @@
 </file>
 
 <file path=ppt/slides/slide2.xml><?xml version="1.0" encoding="utf-8"?>
-<p:sld xmlns:a="http://schemas.openxmlformats.org/drawingml/2006/main" xmlns:r="http://schemas.openxmlformats.org/officeDocument/2006/relationships" xmlns:p="http://schemas.openxmlformats.org/presentationml/2006/main">
+<p:sld xmlns:a="http://schemas.openxmlformats.org/drawingml/2006/main" xmlns:r="http://schemas.openxmlformats.org/officeDocument/2006/relationships" xmlns:mc="http://schemas.openxmlformats.org/markup-compatibility/2006" xmlns:mv="urn:schemas-microsoft-com:mac:vml" xmlns:p="http://schemas.openxmlformats.org/presentationml/2006/main" xmlns:c="http://schemas.openxmlformats.org/drawingml/2006/chart" xmlns:dgm="http://schemas.openxmlformats.org/drawingml/2006/diagram" xmlns:o="urn:schemas-microsoft-com:office:office" xmlns:v="urn:schemas-microsoft-com:vml" xmlns:pvml="urn:schemas-microsoft-com:office:powerpoint" xmlns:com="http://schemas.openxmlformats.org/drawingml/2006/compatibility" xmlns:p14="http://schemas.microsoft.com/office/powerpoint/2010/main">
   <p:cSld>
     <p:spTree>
       <p:nvGrpSpPr>
-        <p:cNvPr id="1" name="Shape 79"/>
+        <p:cNvPr id="79" name="Shape 79"/>
         <p:cNvGrpSpPr/>
         <p:nvPr/>
       </p:nvGrpSpPr>
@@ -11857,11 +11495,9 @@
       <p:sp>
         <p:nvSpPr>
           <p:cNvPr id="80" name="Shape 80"/>
-          <p:cNvSpPr txBox="1">
-            <a:spLocks noGrp="1"/>
-          </p:cNvSpPr>
+          <p:cNvSpPr txBox="1"/>
           <p:nvPr>
-            <p:ph type="body" idx="1"/>
+            <p:ph idx="1" type="body"/>
           </p:nvPr>
         </p:nvSpPr>
         <p:spPr>
@@ -11878,12 +11514,12 @@
           </a:ln>
         </p:spPr>
         <p:txBody>
-          <a:bodyPr lIns="91425" tIns="91425" rIns="91425" bIns="91425" anchor="t" anchorCtr="0">
+          <a:bodyPr anchorCtr="0" anchor="t" bIns="91425" lIns="91425" rIns="91425" tIns="91425">
             <a:noAutofit/>
           </a:bodyPr>
           <a:lstStyle/>
           <a:p>
-            <a:pPr marL="0" marR="0" lvl="0" indent="0" algn="ctr" rtl="0">
+            <a:pPr indent="0" lvl="0" marL="0" marR="0" rtl="0" algn="ctr">
               <a:lnSpc>
                 <a:spcPct val="100000"/>
               </a:lnSpc>
@@ -11901,7 +11537,7 @@
               <a:buNone/>
             </a:pPr>
             <a:r>
-              <a:rPr lang="en" sz="3600" b="0" i="1" u="none" strike="noStrike" cap="none">
+              <a:rPr b="0" i="1" lang="en" sz="3600" u="none" cap="none" strike="noStrike">
                 <a:solidFill>
                   <a:srgbClr val="263238"/>
                 </a:solidFill>
@@ -11914,7 +11550,7 @@
             </a:r>
           </a:p>
           <a:p>
-            <a:pPr marL="0" marR="0" lvl="0" indent="0" algn="ctr" rtl="0">
+            <a:pPr indent="0" lvl="0" marL="0" marR="0" rtl="0" algn="ctr">
               <a:lnSpc>
                 <a:spcPct val="100000"/>
               </a:lnSpc>
@@ -11932,7 +11568,7 @@
               <a:buNone/>
             </a:pPr>
             <a:r>
-              <a:rPr lang="en" sz="3600" b="0" i="1" u="none" strike="noStrike" cap="none">
+              <a:rPr b="0" i="1" lang="en" sz="3600" u="none" cap="none" strike="noStrike">
                 <a:solidFill>
                   <a:srgbClr val="263238"/>
                 </a:solidFill>
@@ -11945,7 +11581,7 @@
             </a:r>
           </a:p>
           <a:p>
-            <a:pPr marL="0" marR="0" lvl="0" indent="0" algn="ctr" rtl="0">
+            <a:pPr indent="0" lvl="0" marL="0" marR="0" rtl="0" algn="ctr">
               <a:lnSpc>
                 <a:spcPct val="100000"/>
               </a:lnSpc>
@@ -11963,7 +11599,7 @@
               <a:buNone/>
             </a:pPr>
             <a:r>
-              <a:rPr lang="en" sz="3600" b="0" i="1" u="none" strike="noStrike" cap="none">
+              <a:rPr b="0" i="1" lang="en" sz="3600" u="none" cap="none" strike="noStrike">
                 <a:solidFill>
                   <a:srgbClr val="263238"/>
                 </a:solidFill>
@@ -11976,7 +11612,7 @@
             </a:r>
           </a:p>
           <a:p>
-            <a:pPr marL="0" marR="0" lvl="0" indent="0" algn="ctr" rtl="0">
+            <a:pPr indent="0" lvl="0" marL="0" marR="0" rtl="0" algn="ctr">
               <a:lnSpc>
                 <a:spcPct val="100000"/>
               </a:lnSpc>
@@ -11994,7 +11630,7 @@
               <a:buNone/>
             </a:pPr>
             <a:r>
-              <a:rPr lang="en" sz="3600" b="0" i="1" u="none" strike="noStrike" cap="none">
+              <a:rPr b="0" i="1" lang="en" sz="3600" u="none" cap="none" strike="noStrike">
                 <a:solidFill>
                   <a:srgbClr val="263238"/>
                 </a:solidFill>
@@ -12007,7 +11643,7 @@
             </a:r>
           </a:p>
           <a:p>
-            <a:pPr marL="0" marR="0" lvl="0" indent="0" algn="ctr" rtl="0">
+            <a:pPr indent="0" lvl="0" marL="0" marR="0" rtl="0" algn="ctr">
               <a:lnSpc>
                 <a:spcPct val="100000"/>
               </a:lnSpc>
@@ -12025,7 +11661,7 @@
               <a:buNone/>
             </a:pPr>
             <a:r>
-              <a:rPr lang="en" sz="3600" b="0" i="1" u="none" strike="noStrike" cap="none">
+              <a:rPr b="0" i="1" lang="en" sz="3600" u="none" cap="none" strike="noStrike">
                 <a:solidFill>
                   <a:srgbClr val="263238"/>
                 </a:solidFill>
@@ -12059,12 +11695,12 @@
           </a:ln>
         </p:spPr>
         <p:txBody>
-          <a:bodyPr lIns="91425" tIns="91425" rIns="91425" bIns="91425" anchor="t" anchorCtr="0">
+          <a:bodyPr anchorCtr="0" anchor="t" bIns="91425" lIns="91425" rIns="91425" tIns="91425">
             <a:noAutofit/>
           </a:bodyPr>
           <a:lstStyle/>
           <a:p>
-            <a:pPr marL="0" marR="0" lvl="0" indent="0" algn="ctr" rtl="0">
+            <a:pPr indent="0" lvl="0" marL="0" marR="0" rtl="0" algn="ctr">
               <a:lnSpc>
                 <a:spcPct val="100000"/>
               </a:lnSpc>
@@ -12082,7 +11718,7 @@
               <a:buNone/>
             </a:pPr>
             <a:r>
-              <a:rPr lang="en" sz="3600" b="1" i="0" u="none" strike="noStrike" cap="none">
+              <a:rPr b="1" i="0" lang="en" sz="3600" u="none" cap="none" strike="noStrike">
                 <a:solidFill>
                   <a:srgbClr val="263238"/>
                 </a:solidFill>
@@ -12105,11 +11741,11 @@
 </file>
 
 <file path=ppt/slides/slide3.xml><?xml version="1.0" encoding="utf-8"?>
-<p:sld xmlns:a="http://schemas.openxmlformats.org/drawingml/2006/main" xmlns:r="http://schemas.openxmlformats.org/officeDocument/2006/relationships" xmlns:p="http://schemas.openxmlformats.org/presentationml/2006/main">
+<p:sld xmlns:a="http://schemas.openxmlformats.org/drawingml/2006/main" xmlns:r="http://schemas.openxmlformats.org/officeDocument/2006/relationships" xmlns:mc="http://schemas.openxmlformats.org/markup-compatibility/2006" xmlns:mv="urn:schemas-microsoft-com:mac:vml" xmlns:p="http://schemas.openxmlformats.org/presentationml/2006/main" xmlns:c="http://schemas.openxmlformats.org/drawingml/2006/chart" xmlns:dgm="http://schemas.openxmlformats.org/drawingml/2006/diagram" xmlns:o="urn:schemas-microsoft-com:office:office" xmlns:v="urn:schemas-microsoft-com:vml" xmlns:pvml="urn:schemas-microsoft-com:office:powerpoint" xmlns:com="http://schemas.openxmlformats.org/drawingml/2006/compatibility" xmlns:p14="http://schemas.microsoft.com/office/powerpoint/2010/main">
   <p:cSld>
     <p:spTree>
       <p:nvGrpSpPr>
-        <p:cNvPr id="1" name="Shape 85"/>
+        <p:cNvPr id="85" name="Shape 85"/>
         <p:cNvGrpSpPr/>
         <p:nvPr/>
       </p:nvGrpSpPr>
@@ -12124,9 +11760,7 @@
       <p:sp>
         <p:nvSpPr>
           <p:cNvPr id="86" name="Shape 86"/>
-          <p:cNvSpPr txBox="1">
-            <a:spLocks noGrp="1"/>
-          </p:cNvSpPr>
+          <p:cNvSpPr txBox="1"/>
           <p:nvPr>
             <p:ph type="title"/>
           </p:nvPr>
@@ -12145,12 +11779,12 @@
           </a:ln>
         </p:spPr>
         <p:txBody>
-          <a:bodyPr lIns="91425" tIns="91425" rIns="91425" bIns="91425" anchor="b" anchorCtr="0">
+          <a:bodyPr anchorCtr="0" anchor="b" bIns="91425" lIns="91425" rIns="91425" tIns="91425">
             <a:noAutofit/>
           </a:bodyPr>
           <a:lstStyle/>
           <a:p>
-            <a:pPr marL="0" marR="0" lvl="0" indent="0" algn="l" rtl="0">
+            <a:pPr indent="0" lvl="0" marL="0" marR="0" rtl="0" algn="l">
               <a:lnSpc>
                 <a:spcPct val="100000"/>
               </a:lnSpc>
@@ -12167,16 +11801,17 @@
               <a:buFont typeface="Roboto Slab"/>
               <a:buNone/>
             </a:pPr>
-            <a:endParaRPr lang="en" dirty="0"/>
+            <a:r>
+              <a:rPr lang="en"/>
+              <a:t>https://github.com/taezatria/KB-Her/blob/master/GO-Kill/go-kill.py</a:t>
+            </a:r>
           </a:p>
         </p:txBody>
       </p:sp>
       <p:sp>
         <p:nvSpPr>
           <p:cNvPr id="87" name="Shape 87"/>
-          <p:cNvSpPr txBox="1">
-            <a:spLocks noGrp="1"/>
-          </p:cNvSpPr>
+          <p:cNvSpPr txBox="1"/>
           <p:nvPr>
             <p:ph type="title"/>
           </p:nvPr>
@@ -12195,7 +11830,7 @@
           </a:ln>
         </p:spPr>
         <p:txBody>
-          <a:bodyPr lIns="91425" tIns="91425" rIns="91425" bIns="91425" anchor="t" anchorCtr="0">
+          <a:bodyPr anchorCtr="0" anchor="t" bIns="91425" lIns="91425" rIns="91425" tIns="91425">
             <a:noAutofit/>
           </a:bodyPr>
           <a:lstStyle/>
@@ -12254,9 +11889,7 @@
       <p:sp>
         <p:nvSpPr>
           <p:cNvPr id="88" name="Shape 88"/>
-          <p:cNvSpPr txBox="1">
-            <a:spLocks noGrp="1"/>
-          </p:cNvSpPr>
+          <p:cNvSpPr txBox="1"/>
           <p:nvPr>
             <p:ph type="title"/>
           </p:nvPr>
@@ -12275,7 +11908,7 @@
           </a:ln>
         </p:spPr>
         <p:txBody>
-          <a:bodyPr lIns="91425" tIns="91425" rIns="91425" bIns="91425" anchor="t" anchorCtr="0">
+          <a:bodyPr anchorCtr="0" anchor="t" bIns="91425" lIns="91425" rIns="91425" tIns="91425">
             <a:noAutofit/>
           </a:bodyPr>
           <a:lstStyle/>
@@ -12296,9 +11929,7 @@
       <p:sp>
         <p:nvSpPr>
           <p:cNvPr id="89" name="Shape 89"/>
-          <p:cNvSpPr txBox="1">
-            <a:spLocks noGrp="1"/>
-          </p:cNvSpPr>
+          <p:cNvSpPr txBox="1"/>
           <p:nvPr>
             <p:ph type="title"/>
           </p:nvPr>
@@ -12317,7 +11948,7 @@
           </a:ln>
         </p:spPr>
         <p:txBody>
-          <a:bodyPr lIns="91425" tIns="91425" rIns="91425" bIns="91425" anchor="t" anchorCtr="0">
+          <a:bodyPr anchorCtr="0" anchor="t" bIns="91425" lIns="91425" rIns="91425" tIns="91425">
             <a:noAutofit/>
           </a:bodyPr>
           <a:lstStyle/>
@@ -12348,11 +11979,11 @@
 </file>
 
 <file path=ppt/slides/slide4.xml><?xml version="1.0" encoding="utf-8"?>
-<p:sld xmlns:a="http://schemas.openxmlformats.org/drawingml/2006/main" xmlns:r="http://schemas.openxmlformats.org/officeDocument/2006/relationships" xmlns:p="http://schemas.openxmlformats.org/presentationml/2006/main">
+<p:sld xmlns:a="http://schemas.openxmlformats.org/drawingml/2006/main" xmlns:r="http://schemas.openxmlformats.org/officeDocument/2006/relationships" xmlns:mc="http://schemas.openxmlformats.org/markup-compatibility/2006" xmlns:mv="urn:schemas-microsoft-com:mac:vml" xmlns:p="http://schemas.openxmlformats.org/presentationml/2006/main" xmlns:c="http://schemas.openxmlformats.org/drawingml/2006/chart" xmlns:dgm="http://schemas.openxmlformats.org/drawingml/2006/diagram" xmlns:o="urn:schemas-microsoft-com:office:office" xmlns:v="urn:schemas-microsoft-com:vml" xmlns:pvml="urn:schemas-microsoft-com:office:powerpoint" xmlns:com="http://schemas.openxmlformats.org/drawingml/2006/compatibility" xmlns:p14="http://schemas.microsoft.com/office/powerpoint/2010/main">
   <p:cSld>
     <p:spTree>
       <p:nvGrpSpPr>
-        <p:cNvPr id="1" name="Shape 93"/>
+        <p:cNvPr id="93" name="Shape 93"/>
         <p:cNvGrpSpPr/>
         <p:nvPr/>
       </p:nvGrpSpPr>
@@ -12457,11 +12088,11 @@
 </file>
 
 <file path=ppt/slides/slide5.xml><?xml version="1.0" encoding="utf-8"?>
-<p:sld xmlns:a="http://schemas.openxmlformats.org/drawingml/2006/main" xmlns:r="http://schemas.openxmlformats.org/officeDocument/2006/relationships" xmlns:p="http://schemas.openxmlformats.org/presentationml/2006/main">
+<p:sld xmlns:a="http://schemas.openxmlformats.org/drawingml/2006/main" xmlns:r="http://schemas.openxmlformats.org/officeDocument/2006/relationships" xmlns:mc="http://schemas.openxmlformats.org/markup-compatibility/2006" xmlns:mv="urn:schemas-microsoft-com:mac:vml" xmlns:p="http://schemas.openxmlformats.org/presentationml/2006/main" xmlns:c="http://schemas.openxmlformats.org/drawingml/2006/chart" xmlns:dgm="http://schemas.openxmlformats.org/drawingml/2006/diagram" xmlns:o="urn:schemas-microsoft-com:office:office" xmlns:v="urn:schemas-microsoft-com:vml" xmlns:pvml="urn:schemas-microsoft-com:office:powerpoint" xmlns:com="http://schemas.openxmlformats.org/drawingml/2006/compatibility" xmlns:p14="http://schemas.microsoft.com/office/powerpoint/2010/main">
   <p:cSld>
     <p:spTree>
       <p:nvGrpSpPr>
-        <p:cNvPr id="1" name="Shape 100"/>
+        <p:cNvPr id="100" name="Shape 100"/>
         <p:cNvGrpSpPr/>
         <p:nvPr/>
       </p:nvGrpSpPr>
@@ -12592,7 +12223,7 @@
           <p:nvPr/>
         </p:nvCxnSpPr>
         <p:spPr>
-          <a:xfrm rot="10800000" flipH="1">
+          <a:xfrm flipH="1" rot="10800000">
             <a:off x="2894275" y="-213850"/>
             <a:ext cx="2416200" cy="1401900"/>
           </a:xfrm>
@@ -12600,14 +12231,14 @@
             <a:avLst/>
           </a:prstGeom>
           <a:noFill/>
-          <a:ln w="9525" cap="flat" cmpd="sng">
+          <a:ln cap="flat" cmpd="sng" w="9525">
             <a:solidFill>
               <a:schemeClr val="dk2"/>
             </a:solidFill>
             <a:prstDash val="solid"/>
             <a:round/>
-            <a:headEnd type="none" w="lg" len="lg"/>
-            <a:tailEnd type="none" w="lg" len="lg"/>
+            <a:headEnd len="lg" w="lg" type="none"/>
+            <a:tailEnd len="lg" w="lg" type="none"/>
           </a:ln>
         </p:spPr>
       </p:cxnSp>
@@ -12626,14 +12257,14 @@
             <a:avLst/>
           </a:prstGeom>
           <a:noFill/>
-          <a:ln w="9525" cap="flat" cmpd="sng">
+          <a:ln cap="flat" cmpd="sng" w="9525">
             <a:solidFill>
               <a:schemeClr val="dk2"/>
             </a:solidFill>
             <a:prstDash val="solid"/>
             <a:round/>
-            <a:headEnd type="none" w="lg" len="lg"/>
-            <a:tailEnd type="none" w="lg" len="lg"/>
+            <a:headEnd len="lg" w="lg" type="none"/>
+            <a:tailEnd len="lg" w="lg" type="none"/>
           </a:ln>
         </p:spPr>
       </p:cxnSp>
@@ -12652,14 +12283,14 @@
             <a:avLst/>
           </a:prstGeom>
           <a:noFill/>
-          <a:ln w="9525" cap="flat" cmpd="sng">
+          <a:ln cap="flat" cmpd="sng" w="9525">
             <a:solidFill>
               <a:schemeClr val="dk2"/>
             </a:solidFill>
             <a:prstDash val="solid"/>
             <a:round/>
-            <a:headEnd type="none" w="lg" len="lg"/>
-            <a:tailEnd type="none" w="lg" len="lg"/>
+            <a:headEnd len="lg" w="lg" type="none"/>
+            <a:tailEnd len="lg" w="lg" type="none"/>
           </a:ln>
         </p:spPr>
       </p:cxnSp>
@@ -12678,14 +12309,14 @@
             <a:avLst/>
           </a:prstGeom>
           <a:noFill/>
-          <a:ln w="9525" cap="flat" cmpd="sng">
+          <a:ln cap="flat" cmpd="sng" w="9525">
             <a:solidFill>
               <a:schemeClr val="dk2"/>
             </a:solidFill>
             <a:prstDash val="solid"/>
             <a:round/>
-            <a:headEnd type="none" w="lg" len="lg"/>
-            <a:tailEnd type="none" w="lg" len="lg"/>
+            <a:headEnd len="lg" w="lg" type="none"/>
+            <a:tailEnd len="lg" w="lg" type="none"/>
           </a:ln>
         </p:spPr>
       </p:cxnSp>
@@ -12698,11 +12329,11 @@
 </file>
 
 <file path=ppt/slides/slide6.xml><?xml version="1.0" encoding="utf-8"?>
-<p:sld xmlns:a="http://schemas.openxmlformats.org/drawingml/2006/main" xmlns:r="http://schemas.openxmlformats.org/officeDocument/2006/relationships" xmlns:p="http://schemas.openxmlformats.org/presentationml/2006/main">
+<p:sld xmlns:a="http://schemas.openxmlformats.org/drawingml/2006/main" xmlns:r="http://schemas.openxmlformats.org/officeDocument/2006/relationships" xmlns:mc="http://schemas.openxmlformats.org/markup-compatibility/2006" xmlns:mv="urn:schemas-microsoft-com:mac:vml" xmlns:p="http://schemas.openxmlformats.org/presentationml/2006/main" xmlns:c="http://schemas.openxmlformats.org/drawingml/2006/chart" xmlns:dgm="http://schemas.openxmlformats.org/drawingml/2006/diagram" xmlns:o="urn:schemas-microsoft-com:office:office" xmlns:v="urn:schemas-microsoft-com:vml" xmlns:pvml="urn:schemas-microsoft-com:office:powerpoint" xmlns:com="http://schemas.openxmlformats.org/drawingml/2006/compatibility" xmlns:p14="http://schemas.microsoft.com/office/powerpoint/2010/main">
   <p:cSld>
     <p:spTree>
       <p:nvGrpSpPr>
-        <p:cNvPr id="1" name="Shape 112"/>
+        <p:cNvPr id="112" name="Shape 112"/>
         <p:cNvGrpSpPr/>
         <p:nvPr/>
       </p:nvGrpSpPr>
@@ -12717,9 +12348,7 @@
       <p:sp>
         <p:nvSpPr>
           <p:cNvPr id="113" name="Shape 113"/>
-          <p:cNvSpPr txBox="1">
-            <a:spLocks noGrp="1"/>
-          </p:cNvSpPr>
+          <p:cNvSpPr txBox="1"/>
           <p:nvPr>
             <p:ph type="title"/>
           </p:nvPr>
@@ -12738,12 +12367,12 @@
           </a:ln>
         </p:spPr>
         <p:txBody>
-          <a:bodyPr lIns="91425" tIns="91425" rIns="91425" bIns="91425" anchor="t" anchorCtr="0">
+          <a:bodyPr anchorCtr="0" anchor="t" bIns="91425" lIns="91425" rIns="91425" tIns="91425">
             <a:noAutofit/>
           </a:bodyPr>
           <a:lstStyle/>
           <a:p>
-            <a:pPr marL="0" marR="0" lvl="0" indent="0" rtl="0">
+            <a:pPr indent="0" lvl="0" marL="0" marR="0" rtl="0">
               <a:lnSpc>
                 <a:spcPct val="100000"/>
               </a:lnSpc>
@@ -12766,7 +12395,7 @@
             </a:r>
           </a:p>
           <a:p>
-            <a:pPr marL="0" marR="0" lvl="0" indent="0" rtl="0">
+            <a:pPr indent="0" lvl="0" marL="0" marR="0" rtl="0">
               <a:lnSpc>
                 <a:spcPct val="100000"/>
               </a:lnSpc>
@@ -12783,10 +12412,13 @@
               <a:buFont typeface="Roboto Slab"/>
               <a:buNone/>
             </a:pPr>
+            <a:r>
+              <a:t/>
+            </a:r>
             <a:endParaRPr sz="3600"/>
           </a:p>
           <a:p>
-            <a:pPr marL="0" marR="0" lvl="0" indent="0" rtl="0">
+            <a:pPr indent="0" lvl="0" marL="0" marR="0" rtl="0">
               <a:lnSpc>
                 <a:spcPct val="100000"/>
               </a:lnSpc>
@@ -12803,10 +12435,13 @@
               <a:buFont typeface="Roboto Slab"/>
               <a:buNone/>
             </a:pPr>
+            <a:r>
+              <a:t/>
+            </a:r>
             <a:endParaRPr sz="3600"/>
           </a:p>
           <a:p>
-            <a:pPr marL="457200" marR="0" lvl="0" indent="-381000" rtl="0">
+            <a:pPr indent="-381000" lvl="0" marL="457200" marR="0" rtl="0">
               <a:lnSpc>
                 <a:spcPct val="100000"/>
               </a:lnSpc>
@@ -12825,7 +12460,7 @@
             </a:r>
           </a:p>
           <a:p>
-            <a:pPr marL="457200" marR="0" lvl="0" indent="-381000" rtl="0">
+            <a:pPr indent="-381000" lvl="0" marL="457200" marR="0" rtl="0">
               <a:lnSpc>
                 <a:spcPct val="100000"/>
               </a:lnSpc>
@@ -12844,7 +12479,7 @@
             </a:r>
           </a:p>
           <a:p>
-            <a:pPr marL="457200" marR="0" lvl="0" indent="-381000" rtl="0">
+            <a:pPr indent="-381000" lvl="0" marL="457200" marR="0" rtl="0">
               <a:lnSpc>
                 <a:spcPct val="100000"/>
               </a:lnSpc>
@@ -12876,13 +12511,8 @@
             <a:ext cx="707100" cy="735900"/>
           </a:xfrm>
           <a:custGeom>
-            <a:avLst/>
-            <a:gdLst/>
-            <a:ahLst/>
-            <a:cxnLst/>
-            <a:rect l="0" t="0" r="0" b="0"/>
             <a:pathLst>
-              <a:path w="120000" h="120000" fill="none" extrusionOk="0">
+              <a:path extrusionOk="0" fill="none" h="120000" w="120000">
                 <a:moveTo>
                   <a:pt x="105040" y="30091"/>
                 </a:moveTo>
@@ -13938,23 +13568,23 @@
             </a:pathLst>
           </a:custGeom>
           <a:noFill/>
-          <a:ln w="12175" cap="rnd" cmpd="sng">
+          <a:ln cap="rnd" cmpd="sng" w="12175">
             <a:solidFill>
               <a:srgbClr val="263238"/>
             </a:solidFill>
             <a:prstDash val="solid"/>
             <a:round/>
-            <a:headEnd type="none" w="med" len="med"/>
-            <a:tailEnd type="none" w="med" len="med"/>
+            <a:headEnd len="med" w="med" type="none"/>
+            <a:tailEnd len="med" w="med" type="none"/>
           </a:ln>
         </p:spPr>
         <p:txBody>
-          <a:bodyPr lIns="91425" tIns="91425" rIns="91425" bIns="91425" anchor="ctr" anchorCtr="0">
+          <a:bodyPr anchorCtr="0" anchor="ctr" bIns="91425" lIns="91425" rIns="91425" tIns="91425">
             <a:noAutofit/>
           </a:bodyPr>
           <a:lstStyle/>
           <a:p>
-            <a:pPr marL="0" marR="0" lvl="0" indent="0" algn="l" rtl="0">
+            <a:pPr indent="0" lvl="0" marL="0" marR="0" rtl="0" algn="l">
               <a:lnSpc>
                 <a:spcPct val="100000"/>
               </a:lnSpc>
@@ -13970,7 +13600,10 @@
               <a:buFont typeface="Arial"/>
               <a:buNone/>
             </a:pPr>
-            <a:endParaRPr sz="1400" b="0" i="0" u="none" strike="noStrike" cap="none">
+            <a:r>
+              <a:t/>
+            </a:r>
+            <a:endParaRPr b="0" i="0" sz="1400" u="none" cap="none" strike="noStrike">
               <a:solidFill>
                 <a:srgbClr val="FFFFFF"/>
               </a:solidFill>
@@ -13994,13 +13627,8 @@
             <a:ext cx="680776" cy="709931"/>
           </a:xfrm>
           <a:custGeom>
-            <a:avLst/>
-            <a:gdLst/>
-            <a:ahLst/>
-            <a:cxnLst/>
-            <a:rect l="0" t="0" r="0" b="0"/>
             <a:pathLst>
-              <a:path w="120000" h="120000" fill="none" extrusionOk="0">
+              <a:path extrusionOk="0" fill="none" h="120000" w="120000">
                 <a:moveTo>
                   <a:pt x="105040" y="30091"/>
                 </a:moveTo>
@@ -15056,23 +14684,23 @@
             </a:pathLst>
           </a:custGeom>
           <a:noFill/>
-          <a:ln w="12175" cap="rnd" cmpd="sng">
+          <a:ln cap="rnd" cmpd="sng" w="12175">
             <a:solidFill>
               <a:srgbClr val="263238"/>
             </a:solidFill>
             <a:prstDash val="solid"/>
             <a:round/>
-            <a:headEnd type="none" w="med" len="med"/>
-            <a:tailEnd type="none" w="med" len="med"/>
+            <a:headEnd len="med" w="med" type="none"/>
+            <a:tailEnd len="med" w="med" type="none"/>
           </a:ln>
         </p:spPr>
         <p:txBody>
-          <a:bodyPr lIns="91425" tIns="91425" rIns="91425" bIns="91425" anchor="ctr" anchorCtr="0">
+          <a:bodyPr anchorCtr="0" anchor="ctr" bIns="91425" lIns="91425" rIns="91425" tIns="91425">
             <a:noAutofit/>
           </a:bodyPr>
           <a:lstStyle/>
           <a:p>
-            <a:pPr marL="0" marR="0" lvl="0" indent="0" algn="l" rtl="0">
+            <a:pPr indent="0" lvl="0" marL="0" marR="0" rtl="0" algn="l">
               <a:lnSpc>
                 <a:spcPct val="100000"/>
               </a:lnSpc>
@@ -15088,7 +14716,10 @@
               <a:buFont typeface="Arial"/>
               <a:buNone/>
             </a:pPr>
-            <a:endParaRPr sz="1400" b="0" i="0" u="none" strike="noStrike" cap="none">
+            <a:r>
+              <a:t/>
+            </a:r>
+            <a:endParaRPr b="0" i="0" sz="1400" u="none" cap="none" strike="noStrike">
               <a:solidFill>
                 <a:srgbClr val="FFFFFF"/>
               </a:solidFill>
@@ -15109,11 +14740,11 @@
 </file>
 
 <file path=ppt/slides/slide7.xml><?xml version="1.0" encoding="utf-8"?>
-<p:sld xmlns:a="http://schemas.openxmlformats.org/drawingml/2006/main" xmlns:r="http://schemas.openxmlformats.org/officeDocument/2006/relationships" xmlns:p="http://schemas.openxmlformats.org/presentationml/2006/main">
+<p:sld xmlns:a="http://schemas.openxmlformats.org/drawingml/2006/main" xmlns:r="http://schemas.openxmlformats.org/officeDocument/2006/relationships" xmlns:mc="http://schemas.openxmlformats.org/markup-compatibility/2006" xmlns:mv="urn:schemas-microsoft-com:mac:vml" xmlns:p="http://schemas.openxmlformats.org/presentationml/2006/main" xmlns:c="http://schemas.openxmlformats.org/drawingml/2006/chart" xmlns:dgm="http://schemas.openxmlformats.org/drawingml/2006/diagram" xmlns:o="urn:schemas-microsoft-com:office:office" xmlns:v="urn:schemas-microsoft-com:vml" xmlns:pvml="urn:schemas-microsoft-com:office:powerpoint" xmlns:com="http://schemas.openxmlformats.org/drawingml/2006/compatibility" xmlns:p14="http://schemas.microsoft.com/office/powerpoint/2010/main">
   <p:cSld>
     <p:spTree>
       <p:nvGrpSpPr>
-        <p:cNvPr id="1" name="Shape 119"/>
+        <p:cNvPr id="119" name="Shape 119"/>
         <p:cNvGrpSpPr/>
         <p:nvPr/>
       </p:nvGrpSpPr>
@@ -15128,9 +14759,7 @@
       <p:sp>
         <p:nvSpPr>
           <p:cNvPr id="120" name="Shape 120"/>
-          <p:cNvSpPr txBox="1">
-            <a:spLocks noGrp="1"/>
-          </p:cNvSpPr>
+          <p:cNvSpPr txBox="1"/>
           <p:nvPr>
             <p:ph type="title"/>
           </p:nvPr>
@@ -15149,12 +14778,12 @@
           </a:ln>
         </p:spPr>
         <p:txBody>
-          <a:bodyPr lIns="91425" tIns="91425" rIns="91425" bIns="91425" anchor="b" anchorCtr="0">
+          <a:bodyPr anchorCtr="0" anchor="b" bIns="91425" lIns="91425" rIns="91425" tIns="91425">
             <a:noAutofit/>
           </a:bodyPr>
           <a:lstStyle/>
           <a:p>
-            <a:pPr marL="0" marR="0" lvl="0" indent="0" algn="l" rtl="0">
+            <a:pPr indent="0" lvl="0" marL="0" marR="0" rtl="0" algn="l">
               <a:lnSpc>
                 <a:spcPct val="100000"/>
               </a:lnSpc>
@@ -15171,7 +14800,10 @@
               <a:buFont typeface="Roboto Slab"/>
               <a:buNone/>
             </a:pPr>
-            <a:endParaRPr sz="2000" b="0" i="0" u="none" strike="noStrike" cap="none">
+            <a:r>
+              <a:t/>
+            </a:r>
+            <a:endParaRPr b="0" i="0" sz="2000" u="none" cap="none" strike="noStrike">
               <a:solidFill>
                 <a:srgbClr val="0091EA"/>
               </a:solidFill>
@@ -15193,7 +14825,7 @@
           <a:blip r:embed="rId3">
             <a:alphaModFix/>
           </a:blip>
-          <a:srcRect/>
+          <a:srcRect b="0" l="0" r="0" t="0"/>
           <a:stretch/>
         </p:blipFill>
         <p:spPr>
@@ -15225,23 +14857,23 @@
             <a:avLst/>
           </a:prstGeom>
           <a:noFill/>
-          <a:ln w="9525" cap="flat" cmpd="sng">
+          <a:ln cap="flat" cmpd="sng" w="9525">
             <a:solidFill>
               <a:srgbClr val="0091EA"/>
             </a:solidFill>
             <a:prstDash val="dash"/>
             <a:round/>
-            <a:headEnd type="none" w="med" len="med"/>
-            <a:tailEnd type="none" w="med" len="med"/>
+            <a:headEnd len="med" w="med" type="none"/>
+            <a:tailEnd len="med" w="med" type="none"/>
           </a:ln>
         </p:spPr>
         <p:txBody>
-          <a:bodyPr lIns="91425" tIns="91425" rIns="91425" bIns="91425" anchor="ctr" anchorCtr="0">
+          <a:bodyPr anchorCtr="0" anchor="ctr" bIns="91425" lIns="91425" rIns="91425" tIns="91425">
             <a:noAutofit/>
           </a:bodyPr>
           <a:lstStyle/>
           <a:p>
-            <a:pPr marL="0" marR="0" lvl="0" indent="0" algn="ctr" rtl="0">
+            <a:pPr indent="0" lvl="0" marL="0" marR="0" rtl="0" algn="ctr">
               <a:lnSpc>
                 <a:spcPct val="100000"/>
               </a:lnSpc>
@@ -15257,7 +14889,10 @@
               <a:buFont typeface="Arial"/>
               <a:buNone/>
             </a:pPr>
-            <a:endParaRPr sz="1400" b="0" i="0" u="none" strike="noStrike" cap="none">
+            <a:r>
+              <a:t/>
+            </a:r>
+            <a:endParaRPr b="0" i="0" sz="1400" u="none" cap="none" strike="noStrike">
               <a:solidFill>
                 <a:srgbClr val="607D8B"/>
               </a:solidFill>
@@ -15278,11 +14913,11 @@
 </file>
 
 <file path=ppt/slides/slide8.xml><?xml version="1.0" encoding="utf-8"?>
-<p:sld xmlns:a="http://schemas.openxmlformats.org/drawingml/2006/main" xmlns:r="http://schemas.openxmlformats.org/officeDocument/2006/relationships" xmlns:p="http://schemas.openxmlformats.org/presentationml/2006/main">
+<p:sld xmlns:a="http://schemas.openxmlformats.org/drawingml/2006/main" xmlns:r="http://schemas.openxmlformats.org/officeDocument/2006/relationships" xmlns:mc="http://schemas.openxmlformats.org/markup-compatibility/2006" xmlns:mv="urn:schemas-microsoft-com:mac:vml" xmlns:p="http://schemas.openxmlformats.org/presentationml/2006/main" xmlns:c="http://schemas.openxmlformats.org/drawingml/2006/chart" xmlns:dgm="http://schemas.openxmlformats.org/drawingml/2006/diagram" xmlns:o="urn:schemas-microsoft-com:office:office" xmlns:v="urn:schemas-microsoft-com:vml" xmlns:pvml="urn:schemas-microsoft-com:office:powerpoint" xmlns:com="http://schemas.openxmlformats.org/drawingml/2006/compatibility" xmlns:p14="http://schemas.microsoft.com/office/powerpoint/2010/main">
   <p:cSld>
     <p:spTree>
       <p:nvGrpSpPr>
-        <p:cNvPr id="1" name="Shape 126"/>
+        <p:cNvPr id="126" name="Shape 126"/>
         <p:cNvGrpSpPr/>
         <p:nvPr/>
       </p:nvGrpSpPr>
@@ -15297,9 +14932,7 @@
       <p:sp>
         <p:nvSpPr>
           <p:cNvPr id="127" name="Shape 127"/>
-          <p:cNvSpPr txBox="1">
-            <a:spLocks noGrp="1"/>
-          </p:cNvSpPr>
+          <p:cNvSpPr txBox="1"/>
           <p:nvPr>
             <p:ph type="title"/>
           </p:nvPr>
@@ -15318,12 +14951,12 @@
           </a:ln>
         </p:spPr>
         <p:txBody>
-          <a:bodyPr lIns="91425" tIns="91425" rIns="91425" bIns="91425" anchor="b" anchorCtr="0">
+          <a:bodyPr anchorCtr="0" anchor="b" bIns="91425" lIns="91425" rIns="91425" tIns="91425">
             <a:noAutofit/>
           </a:bodyPr>
           <a:lstStyle/>
           <a:p>
-            <a:pPr marL="0" marR="0" lvl="0" indent="0" algn="l" rtl="0">
+            <a:pPr indent="0" lvl="0" marL="0" marR="0" rtl="0" algn="l">
               <a:lnSpc>
                 <a:spcPct val="100000"/>
               </a:lnSpc>
@@ -15340,7 +14973,10 @@
               <a:buFont typeface="Roboto Slab"/>
               <a:buNone/>
             </a:pPr>
-            <a:endParaRPr sz="2000" b="0" i="0" u="none" strike="noStrike" cap="none">
+            <a:r>
+              <a:t/>
+            </a:r>
+            <a:endParaRPr b="0" i="0" sz="2000" u="none" cap="none" strike="noStrike">
               <a:solidFill>
                 <a:srgbClr val="0091EA"/>
               </a:solidFill>
@@ -15362,7 +14998,7 @@
           <a:blip r:embed="rId3">
             <a:alphaModFix/>
           </a:blip>
-          <a:srcRect/>
+          <a:srcRect b="0" l="0" r="0" t="0"/>
           <a:stretch/>
         </p:blipFill>
         <p:spPr>
@@ -15394,23 +15030,23 @@
             <a:avLst/>
           </a:prstGeom>
           <a:noFill/>
-          <a:ln w="9525" cap="flat" cmpd="sng">
+          <a:ln cap="flat" cmpd="sng" w="9525">
             <a:solidFill>
               <a:srgbClr val="0091EA"/>
             </a:solidFill>
             <a:prstDash val="dash"/>
             <a:round/>
-            <a:headEnd type="none" w="med" len="med"/>
-            <a:tailEnd type="none" w="med" len="med"/>
+            <a:headEnd len="med" w="med" type="none"/>
+            <a:tailEnd len="med" w="med" type="none"/>
           </a:ln>
         </p:spPr>
         <p:txBody>
-          <a:bodyPr lIns="91425" tIns="91425" rIns="91425" bIns="91425" anchor="ctr" anchorCtr="0">
+          <a:bodyPr anchorCtr="0" anchor="ctr" bIns="91425" lIns="91425" rIns="91425" tIns="91425">
             <a:noAutofit/>
           </a:bodyPr>
           <a:lstStyle/>
           <a:p>
-            <a:pPr marL="0" marR="0" lvl="0" indent="0" algn="ctr" rtl="0">
+            <a:pPr indent="0" lvl="0" marL="0" marR="0" rtl="0" algn="ctr">
               <a:lnSpc>
                 <a:spcPct val="100000"/>
               </a:lnSpc>
@@ -15426,7 +15062,10 @@
               <a:buFont typeface="Arial"/>
               <a:buNone/>
             </a:pPr>
-            <a:endParaRPr sz="1400" b="0" i="0" u="none" strike="noStrike" cap="none">
+            <a:r>
+              <a:t/>
+            </a:r>
+            <a:endParaRPr b="0" i="0" sz="1400" u="none" cap="none" strike="noStrike">
               <a:solidFill>
                 <a:srgbClr val="607D8B"/>
               </a:solidFill>
@@ -15447,11 +15086,11 @@
 </file>
 
 <file path=ppt/slides/slide9.xml><?xml version="1.0" encoding="utf-8"?>
-<p:sld xmlns:a="http://schemas.openxmlformats.org/drawingml/2006/main" xmlns:r="http://schemas.openxmlformats.org/officeDocument/2006/relationships" xmlns:p="http://schemas.openxmlformats.org/presentationml/2006/main">
+<p:sld xmlns:a="http://schemas.openxmlformats.org/drawingml/2006/main" xmlns:r="http://schemas.openxmlformats.org/officeDocument/2006/relationships" xmlns:mc="http://schemas.openxmlformats.org/markup-compatibility/2006" xmlns:mv="urn:schemas-microsoft-com:mac:vml" xmlns:p="http://schemas.openxmlformats.org/presentationml/2006/main" xmlns:c="http://schemas.openxmlformats.org/drawingml/2006/chart" xmlns:dgm="http://schemas.openxmlformats.org/drawingml/2006/diagram" xmlns:o="urn:schemas-microsoft-com:office:office" xmlns:v="urn:schemas-microsoft-com:vml" xmlns:pvml="urn:schemas-microsoft-com:office:powerpoint" xmlns:com="http://schemas.openxmlformats.org/drawingml/2006/compatibility" xmlns:p14="http://schemas.microsoft.com/office/powerpoint/2010/main">
   <p:cSld>
     <p:spTree>
       <p:nvGrpSpPr>
-        <p:cNvPr id="1" name="Shape 133"/>
+        <p:cNvPr id="133" name="Shape 133"/>
         <p:cNvGrpSpPr/>
         <p:nvPr/>
       </p:nvGrpSpPr>
@@ -15466,9 +15105,7 @@
       <p:sp>
         <p:nvSpPr>
           <p:cNvPr id="134" name="Shape 134"/>
-          <p:cNvSpPr txBox="1">
-            <a:spLocks noGrp="1"/>
-          </p:cNvSpPr>
+          <p:cNvSpPr txBox="1"/>
           <p:nvPr>
             <p:ph type="title"/>
           </p:nvPr>
@@ -15487,12 +15124,12 @@
           </a:ln>
         </p:spPr>
         <p:txBody>
-          <a:bodyPr lIns="91425" tIns="91425" rIns="91425" bIns="91425" anchor="b" anchorCtr="0">
+          <a:bodyPr anchorCtr="0" anchor="b" bIns="91425" lIns="91425" rIns="91425" tIns="91425">
             <a:noAutofit/>
           </a:bodyPr>
           <a:lstStyle/>
           <a:p>
-            <a:pPr lvl="0" algn="ctr" rtl="0">
+            <a:pPr lvl="0" rtl="0" algn="ctr">
               <a:spcBef>
                 <a:spcPts val="0"/>
               </a:spcBef>
@@ -15513,9 +15150,7 @@
       <p:sp>
         <p:nvSpPr>
           <p:cNvPr id="135" name="Shape 135"/>
-          <p:cNvSpPr txBox="1">
-            <a:spLocks noGrp="1"/>
-          </p:cNvSpPr>
+          <p:cNvSpPr txBox="1"/>
           <p:nvPr>
             <p:ph type="title"/>
           </p:nvPr>
@@ -15534,12 +15169,12 @@
           </a:ln>
         </p:spPr>
         <p:txBody>
-          <a:bodyPr lIns="91425" tIns="91425" rIns="91425" bIns="91425" anchor="b" anchorCtr="0">
+          <a:bodyPr anchorCtr="0" anchor="b" bIns="91425" lIns="91425" rIns="91425" tIns="91425">
             <a:noAutofit/>
           </a:bodyPr>
           <a:lstStyle/>
           <a:p>
-            <a:pPr marL="0" marR="0" lvl="0" indent="0" algn="l" rtl="0">
+            <a:pPr indent="0" lvl="0" marL="0" marR="0" rtl="0" algn="l">
               <a:lnSpc>
                 <a:spcPct val="100000"/>
               </a:lnSpc>
@@ -15572,7 +15207,7 @@
 </file>
 
 <file path=ppt/theme/theme1.xml><?xml version="1.0" encoding="utf-8"?>
-<a:theme xmlns:a="http://schemas.openxmlformats.org/drawingml/2006/main" name="Cordelia template">
+<a:theme xmlns:a="http://schemas.openxmlformats.org/drawingml/2006/main" xmlns:r="http://schemas.openxmlformats.org/officeDocument/2006/relationships" name="Cordelia template">
   <a:themeElements>
     <a:clrScheme name="Custom 347">
       <a:dk1>
@@ -15847,13 +15482,11 @@
       </a:bgFillStyleLst>
     </a:fmtScheme>
   </a:themeElements>
-  <a:objectDefaults/>
-  <a:extraClrSchemeLst/>
 </a:theme>
 </file>
 
 <file path=ppt/theme/theme2.xml><?xml version="1.0" encoding="utf-8"?>
-<a:theme xmlns:a="http://schemas.openxmlformats.org/drawingml/2006/main" name="Custom Theme">
+<a:theme xmlns:a="http://schemas.openxmlformats.org/drawingml/2006/main" xmlns:r="http://schemas.openxmlformats.org/officeDocument/2006/relationships" name="Custom Theme">
   <a:themeElements>
     <a:clrScheme name="Default">
       <a:dk1>
@@ -16128,7 +15761,5 @@
       </a:bgFillStyleLst>
     </a:fmtScheme>
   </a:themeElements>
-  <a:objectDefaults/>
-  <a:extraClrSchemeLst/>
 </a:theme>
 </file>